--- a/spring11/slides11/slides2f.pptx
+++ b/spring11/slides11/slides2f.pptx
@@ -35,10 +35,10 @@
     <p:sldId id="290" r:id="rId23"/>
     <p:sldId id="273" r:id="rId24"/>
     <p:sldId id="274" r:id="rId25"/>
-    <p:sldId id="337" r:id="rId26"/>
-    <p:sldId id="329" r:id="rId27"/>
-    <p:sldId id="331" r:id="rId28"/>
-    <p:sldId id="332" r:id="rId29"/>
+    <p:sldId id="329" r:id="rId26"/>
+    <p:sldId id="332" r:id="rId27"/>
+    <p:sldId id="337" r:id="rId28"/>
+    <p:sldId id="331" r:id="rId29"/>
     <p:sldId id="333" r:id="rId30"/>
     <p:sldId id="338" r:id="rId31"/>
     <p:sldId id="295" r:id="rId32"/>
@@ -2329,7 +2329,7 @@
           <a:bodyPr/>
           <a:lstStyle/>
           <a:p>
-            <a:fld id="{DE38A2FE-D77E-47B8-AC5A-2C03E85626D0}" type="slidenum">
+            <a:fld id="{DCED4D4E-A580-4423-91CC-2E0FC037734B}" type="slidenum">
               <a:rPr lang="en-US"/>
               <a:pPr/>
               <a:t>25</a:t>
@@ -2340,7 +2340,7 @@
       </p:sp>
       <p:sp>
         <p:nvSpPr>
-          <p:cNvPr id="112642" name="Rectangle 2"/>
+          <p:cNvPr id="113666" name="Rectangle 2"/>
           <p:cNvSpPr>
             <a:spLocks noGrp="1" noRot="1" noChangeAspect="1" noChangeArrowheads="1" noTextEdit="1"/>
           </p:cNvSpPr>
@@ -2354,7 +2354,7 @@
       </p:sp>
       <p:sp>
         <p:nvSpPr>
-          <p:cNvPr id="112643" name="Rectangle 3"/>
+          <p:cNvPr id="113667" name="Rectangle 3"/>
           <p:cNvSpPr>
             <a:spLocks noGrp="1" noChangeArrowheads="1"/>
           </p:cNvSpPr>
@@ -2413,7 +2413,7 @@
           <a:bodyPr/>
           <a:lstStyle/>
           <a:p>
-            <a:fld id="{DCED4D4E-A580-4423-91CC-2E0FC037734B}" type="slidenum">
+            <a:fld id="{0DD0B9DE-DC4A-4D61-BAA3-C7CF7A22AFCB}" type="slidenum">
               <a:rPr lang="en-US"/>
               <a:pPr/>
               <a:t>26</a:t>
@@ -2424,7 +2424,7 @@
       </p:sp>
       <p:sp>
         <p:nvSpPr>
-          <p:cNvPr id="113666" name="Rectangle 2"/>
+          <p:cNvPr id="115714" name="Rectangle 2"/>
           <p:cNvSpPr>
             <a:spLocks noGrp="1" noRot="1" noChangeAspect="1" noChangeArrowheads="1" noTextEdit="1"/>
           </p:cNvSpPr>
@@ -2438,7 +2438,7 @@
       </p:sp>
       <p:sp>
         <p:nvSpPr>
-          <p:cNvPr id="113667" name="Rectangle 3"/>
+          <p:cNvPr id="115715" name="Rectangle 3"/>
           <p:cNvSpPr>
             <a:spLocks noGrp="1" noChangeArrowheads="1"/>
           </p:cNvSpPr>
@@ -2497,7 +2497,7 @@
           <a:bodyPr/>
           <a:lstStyle/>
           <a:p>
-            <a:fld id="{5E902562-4434-4110-A466-8586288EF937}" type="slidenum">
+            <a:fld id="{DE38A2FE-D77E-47B8-AC5A-2C03E85626D0}" type="slidenum">
               <a:rPr lang="en-US"/>
               <a:pPr/>
               <a:t>27</a:t>
@@ -2508,7 +2508,7 @@
       </p:sp>
       <p:sp>
         <p:nvSpPr>
-          <p:cNvPr id="114690" name="Rectangle 2"/>
+          <p:cNvPr id="112642" name="Rectangle 2"/>
           <p:cNvSpPr>
             <a:spLocks noGrp="1" noRot="1" noChangeAspect="1" noChangeArrowheads="1" noTextEdit="1"/>
           </p:cNvSpPr>
@@ -2522,7 +2522,7 @@
       </p:sp>
       <p:sp>
         <p:nvSpPr>
-          <p:cNvPr id="114691" name="Rectangle 3"/>
+          <p:cNvPr id="112643" name="Rectangle 3"/>
           <p:cNvSpPr>
             <a:spLocks noGrp="1" noChangeArrowheads="1"/>
           </p:cNvSpPr>
@@ -2581,7 +2581,7 @@
           <a:bodyPr/>
           <a:lstStyle/>
           <a:p>
-            <a:fld id="{0DD0B9DE-DC4A-4D61-BAA3-C7CF7A22AFCB}" type="slidenum">
+            <a:fld id="{5E902562-4434-4110-A466-8586288EF937}" type="slidenum">
               <a:rPr lang="en-US"/>
               <a:pPr/>
               <a:t>28</a:t>
@@ -2592,7 +2592,7 @@
       </p:sp>
       <p:sp>
         <p:nvSpPr>
-          <p:cNvPr id="115714" name="Rectangle 2"/>
+          <p:cNvPr id="114690" name="Rectangle 2"/>
           <p:cNvSpPr>
             <a:spLocks noGrp="1" noRot="1" noChangeAspect="1" noChangeArrowheads="1" noTextEdit="1"/>
           </p:cNvSpPr>
@@ -2606,7 +2606,7 @@
       </p:sp>
       <p:sp>
         <p:nvSpPr>
-          <p:cNvPr id="115715" name="Rectangle 3"/>
+          <p:cNvPr id="114691" name="Rectangle 3"/>
           <p:cNvSpPr>
             <a:spLocks noGrp="1" noChangeArrowheads="1"/>
           </p:cNvSpPr>
@@ -5005,22 +5005,7 @@
                 <a:uFillTx/>
                 <a:latin typeface="Comic Sans MS" pitchFamily="66" charset="0"/>
               </a:rPr>
-              <a:t>Albert R Meyer,        February  </a:t>
-            </a:r>
-            <a:r>
-              <a:rPr kumimoji="0" lang="en-US" sz="1200" b="0" i="0" u="none" strike="noStrike" kern="1200" cap="none" spc="0" normalizeH="0" baseline="0" noProof="0" dirty="0" smtClean="0">
-                <a:ln>
-                  <a:noFill/>
-                </a:ln>
-                <a:solidFill>
-                  <a:schemeClr val="tx1"/>
-                </a:solidFill>
-                <a:effectLst/>
-                <a:uLnTx/>
-                <a:uFillTx/>
-                <a:latin typeface="Comic Sans MS" pitchFamily="66" charset="0"/>
-              </a:rPr>
-              <a:t>11, 2011</a:t>
+              <a:t>Albert R Meyer,        February  11, 2011</a:t>
             </a:r>
             <a:endParaRPr kumimoji="0" lang="en-US" sz="1200" b="0" i="0" u="none" strike="noStrike" kern="1200" cap="none" spc="0" normalizeH="0" baseline="0" noProof="0" dirty="0">
               <a:ln>
@@ -10783,7 +10768,7 @@
 </file>
 
 <file path=ppt/slides/slide17.xml><?xml version="1.0" encoding="utf-8"?>
-<p:sld xmlns:a="http://schemas.openxmlformats.org/drawingml/2006/main" xmlns:r="http://schemas.openxmlformats.org/officeDocument/2006/relationships" xmlns:mc="http://schemas.openxmlformats.org/markup-compatibility/2006" xmlns:mv="urn:schemas-microsoft-com:mac:vml" xmlns:p="http://schemas.openxmlformats.org/presentationml/2006/main" mc:Ignorable="mv" mc:PreserveAttributes="mv:*" show="0">
+<p:sld xmlns:a="http://schemas.openxmlformats.org/drawingml/2006/main" xmlns:r="http://schemas.openxmlformats.org/officeDocument/2006/relationships" xmlns:mc="http://schemas.openxmlformats.org/markup-compatibility/2006" xmlns:mv="urn:schemas-microsoft-com:mac:vml" xmlns:p="http://schemas.openxmlformats.org/presentationml/2006/main" mc:Ignorable="mv" mc:PreserveAttributes="mv:*">
   <p:cSld>
     <p:spTree>
       <p:nvGrpSpPr>
@@ -11414,7 +11399,7 @@
 </file>
 
 <file path=ppt/slides/slide18.xml><?xml version="1.0" encoding="utf-8"?>
-<p:sld xmlns:a="http://schemas.openxmlformats.org/drawingml/2006/main" xmlns:r="http://schemas.openxmlformats.org/officeDocument/2006/relationships" xmlns:mc="http://schemas.openxmlformats.org/markup-compatibility/2006" xmlns:mv="urn:schemas-microsoft-com:mac:vml" xmlns:p="http://schemas.openxmlformats.org/presentationml/2006/main" mc:Ignorable="mv" mc:PreserveAttributes="mv:*" show="0">
+<p:sld xmlns:a="http://schemas.openxmlformats.org/drawingml/2006/main" xmlns:r="http://schemas.openxmlformats.org/officeDocument/2006/relationships" xmlns:mc="http://schemas.openxmlformats.org/markup-compatibility/2006" xmlns:mv="urn:schemas-microsoft-com:mac:vml" xmlns:p="http://schemas.openxmlformats.org/presentationml/2006/main" mc:Ignorable="mv" mc:PreserveAttributes="mv:*">
   <p:cSld>
     <p:spTree>
       <p:nvGrpSpPr>
@@ -13848,43 +13833,32 @@
         </p:xfrm>
         <a:graphic>
           <a:graphicData uri="http://schemas.openxmlformats.org/presentationml/2006/ole">
-            <p:oleObj spid="_x0000_s297986" name="Equation" r:id="rId5" imgW="914400" imgH="198720" progId="Equation.DSMT4">
+            <p:oleObj spid="_x0000_s297986" name="Equation" r:id="rId4" imgW="914400" imgH="198720" progId="Equation.DSMT4">
               <p:embed/>
             </p:oleObj>
           </a:graphicData>
         </a:graphic>
       </p:graphicFrame>
-      <p:pic>
-        <p:nvPicPr>
-          <p:cNvPr id="11" name="Picture 10" descr="TP_tmp.emf"/>
-          <p:cNvPicPr>
-            <a:picLocks noChangeAspect="1"/>
-          </p:cNvPicPr>
-          <p:nvPr>
-            <p:custDataLst>
-              <p:tags r:id="rId2"/>
-            </p:custDataLst>
-          </p:nvPr>
-        </p:nvPicPr>
-        <p:blipFill>
-          <a:blip r:embed="rId6"/>
-          <a:stretch>
-            <a:fillRect/>
-          </a:stretch>
-        </p:blipFill>
-        <p:spPr bwMode="auto">
-          <a:xfrm>
-            <a:off x="638695" y="4204585"/>
-            <a:ext cx="7866609" cy="1046630"/>
-          </a:xfrm>
-          <a:prstGeom prst="rect">
-            <a:avLst/>
-          </a:prstGeom>
-          <a:noFill/>
-          <a:ln/>
-          <a:effectLst/>
-        </p:spPr>
-      </p:pic>
+      <p:graphicFrame>
+        <p:nvGraphicFramePr>
+          <p:cNvPr id="6" name="Object 5"/>
+          <p:cNvGraphicFramePr>
+            <a:graphicFrameLocks noChangeAspect="1"/>
+          </p:cNvGraphicFramePr>
+          <p:nvPr/>
+        </p:nvGraphicFramePr>
+        <p:xfrm>
+          <a:off x="570578" y="3427413"/>
+          <a:ext cx="8002844" cy="855650"/>
+        </p:xfrm>
+        <a:graphic>
+          <a:graphicData uri="http://schemas.openxmlformats.org/presentationml/2006/ole">
+            <p:oleObj spid="_x0000_s297989" name="Equation" r:id="rId5" imgW="2019300" imgH="215900" progId="Equation.DSMT4">
+              <p:embed/>
+            </p:oleObj>
+          </a:graphicData>
+        </a:graphic>
+      </p:graphicFrame>
     </p:spTree>
   </p:cSld>
   <p:clrMapOvr>
@@ -13902,7 +13876,7 @@
 </file>
 
 <file path=ppt/slides/slide24.xml><?xml version="1.0" encoding="utf-8"?>
-<p:sld xmlns:a="http://schemas.openxmlformats.org/drawingml/2006/main" xmlns:r="http://schemas.openxmlformats.org/officeDocument/2006/relationships" xmlns:mc="http://schemas.openxmlformats.org/markup-compatibility/2006" xmlns:mv="urn:schemas-microsoft-com:mac:vml" xmlns:p="http://schemas.openxmlformats.org/presentationml/2006/main" mc:Ignorable="mv" mc:PreserveAttributes="mv:*" show="0">
+<p:sld xmlns:a="http://schemas.openxmlformats.org/drawingml/2006/main" xmlns:r="http://schemas.openxmlformats.org/officeDocument/2006/relationships" xmlns:mc="http://schemas.openxmlformats.org/markup-compatibility/2006" xmlns:mv="urn:schemas-microsoft-com:mac:vml" xmlns:p="http://schemas.openxmlformats.org/presentationml/2006/main" mc:Ignorable="mv" mc:PreserveAttributes="mv:*">
   <p:cSld>
     <p:spTree>
       <p:nvGrpSpPr>
@@ -14060,12 +14034,12 @@
           <p:nvPr/>
         </p:nvGraphicFramePr>
         <p:xfrm>
-          <a:off x="352425" y="3224213"/>
-          <a:ext cx="8437563" cy="1851025"/>
+          <a:off x="456406" y="3242754"/>
+          <a:ext cx="8231187" cy="1851025"/>
         </p:xfrm>
         <a:graphic>
           <a:graphicData uri="http://schemas.openxmlformats.org/presentationml/2006/ole">
-            <p:oleObj spid="_x0000_s299012" name="Equation" r:id="rId6" imgW="2082800" imgH="457200" progId="Equation.DSMT4">
+            <p:oleObj spid="_x0000_s299012" name="Equation" r:id="rId6" imgW="2032000" imgH="457200" progId="Equation.DSMT4">
               <p:embed/>
             </p:oleObj>
           </a:graphicData>
@@ -14166,7 +14140,2462 @@
 </file>
 
 <file path=ppt/slides/slide25.xml><?xml version="1.0" encoding="utf-8"?>
-<p:sld xmlns:a="http://schemas.openxmlformats.org/drawingml/2006/main" xmlns:r="http://schemas.openxmlformats.org/officeDocument/2006/relationships" xmlns:mc="http://schemas.openxmlformats.org/markup-compatibility/2006" xmlns:mv="urn:schemas-microsoft-com:mac:vml" xmlns:p="http://schemas.openxmlformats.org/presentationml/2006/main" mc:Ignorable="mv" mc:PreserveAttributes="mv:*" show="0">
+<p:sld xmlns:a="http://schemas.openxmlformats.org/drawingml/2006/main" xmlns:r="http://schemas.openxmlformats.org/officeDocument/2006/relationships" xmlns:mc="http://schemas.openxmlformats.org/markup-compatibility/2006" xmlns:mv="urn:schemas-microsoft-com:mac:vml" xmlns:p="http://schemas.openxmlformats.org/presentationml/2006/main" mc:Ignorable="mv" mc:PreserveAttributes="mv:*">
+  <p:cSld>
+    <p:spTree>
+      <p:nvGrpSpPr>
+        <p:cNvPr id="1" name=""/>
+        <p:cNvGrpSpPr/>
+        <p:nvPr/>
+      </p:nvGrpSpPr>
+      <p:grpSpPr>
+        <a:xfrm>
+          <a:off x="0" y="0"/>
+          <a:ext cx="0" cy="0"/>
+          <a:chOff x="0" y="0"/>
+          <a:chExt cx="0" cy="0"/>
+        </a:xfrm>
+      </p:grpSpPr>
+      <p:graphicFrame>
+        <p:nvGraphicFramePr>
+          <p:cNvPr id="54276" name="Object 4"/>
+          <p:cNvGraphicFramePr>
+            <a:graphicFrameLocks noChangeAspect="1"/>
+          </p:cNvGraphicFramePr>
+          <p:nvPr/>
+        </p:nvGraphicFramePr>
+        <p:xfrm>
+          <a:off x="0" y="0"/>
+          <a:ext cx="914400" cy="198438"/>
+        </p:xfrm>
+        <a:graphic>
+          <a:graphicData uri="http://schemas.openxmlformats.org/presentationml/2006/ole">
+            <p:oleObj spid="_x0000_s466946" name="Equation" r:id="rId4" imgW="914400" imgH="198720" progId="Equation.DSMT4">
+              <p:embed/>
+            </p:oleObj>
+          </a:graphicData>
+        </a:graphic>
+      </p:graphicFrame>
+      <p:sp>
+        <p:nvSpPr>
+          <p:cNvPr id="54278" name="Text Box 6"/>
+          <p:cNvSpPr txBox="1">
+            <a:spLocks noChangeArrowheads="1"/>
+          </p:cNvSpPr>
+          <p:nvPr/>
+        </p:nvSpPr>
+        <p:spPr bwMode="auto">
+          <a:xfrm>
+            <a:off x="771014" y="3455287"/>
+            <a:ext cx="7583637" cy="2312456"/>
+          </a:xfrm>
+          <a:prstGeom prst="rect">
+            <a:avLst/>
+          </a:prstGeom>
+          <a:noFill/>
+          <a:ln w="9525">
+            <a:noFill/>
+            <a:miter lim="800000"/>
+            <a:headEnd/>
+            <a:tailEnd/>
+          </a:ln>
+          <a:effectLst/>
+        </p:spPr>
+        <p:txBody>
+          <a:bodyPr wrap="square">
+            <a:spAutoFit/>
+          </a:bodyPr>
+          <a:lstStyle/>
+          <a:p>
+            <a:r>
+              <a:rPr lang="en-US" sz="4800" i="1" dirty="0">
+                <a:latin typeface="Comic Sans MS" pitchFamily="66" charset="0"/>
+              </a:rPr>
+              <a:t>Proof strategy</a:t>
+            </a:r>
+            <a:r>
+              <a:rPr lang="en-US" sz="4800" i="1" dirty="0" smtClean="0">
+                <a:latin typeface="Comic Sans MS" pitchFamily="66" charset="0"/>
+              </a:rPr>
+              <a:t>: </a:t>
+            </a:r>
+            <a:r>
+              <a:rPr lang="en-US" sz="4800" dirty="0" smtClean="0">
+                <a:latin typeface="Comic Sans MS" pitchFamily="66" charset="0"/>
+              </a:rPr>
+              <a:t>assume</a:t>
+            </a:r>
+          </a:p>
+          <a:p>
+            <a:r>
+              <a:rPr lang="en-US" sz="4800" dirty="0" smtClean="0">
+                <a:latin typeface="Comic Sans MS" pitchFamily="66" charset="0"/>
+                <a:sym typeface="Symbol" pitchFamily="18" charset="2"/>
+              </a:rPr>
+              <a:t>left side</a:t>
+            </a:r>
+            <a:r>
+              <a:rPr lang="en-US" sz="4800" dirty="0" smtClean="0">
+                <a:latin typeface="Comic Sans MS" pitchFamily="66" charset="0"/>
+                <a:sym typeface="Symbol" pitchFamily="18" charset="2"/>
+              </a:rPr>
+              <a:t> is </a:t>
+            </a:r>
+            <a:r>
+              <a:rPr lang="en-US" sz="4800" dirty="0" smtClean="0">
+                <a:solidFill>
+                  <a:srgbClr val="008000"/>
+                </a:solidFill>
+                <a:latin typeface="Comic Sans MS" pitchFamily="66" charset="0"/>
+                <a:sym typeface="Symbol" pitchFamily="18" charset="2"/>
+              </a:rPr>
+              <a:t>T</a:t>
+            </a:r>
+            <a:r>
+              <a:rPr lang="en-US" sz="4800" dirty="0" smtClean="0">
+                <a:latin typeface="Comic Sans MS" pitchFamily="66" charset="0"/>
+                <a:sym typeface="Symbol" pitchFamily="18" charset="2"/>
+              </a:rPr>
+              <a:t>,</a:t>
+            </a:r>
+            <a:r>
+              <a:rPr lang="en-US" sz="4800" dirty="0" smtClean="0">
+                <a:latin typeface="Comic Sans MS" pitchFamily="66" charset="0"/>
+                <a:sym typeface="Symbol" pitchFamily="18" charset="2"/>
+              </a:rPr>
+              <a:t> </a:t>
+            </a:r>
+            <a:r>
+              <a:rPr lang="en-US" sz="4800" dirty="0" smtClean="0">
+                <a:latin typeface="Comic Sans MS" pitchFamily="66" charset="0"/>
+              </a:rPr>
+              <a:t>then </a:t>
+            </a:r>
+          </a:p>
+          <a:p>
+            <a:r>
+              <a:rPr lang="en-US" sz="4800" dirty="0" smtClean="0">
+                <a:latin typeface="Comic Sans MS" pitchFamily="66" charset="0"/>
+              </a:rPr>
+              <a:t>prove </a:t>
+            </a:r>
+            <a:r>
+              <a:rPr lang="en-US" sz="4800" dirty="0" smtClean="0">
+                <a:latin typeface="Comic Sans MS" pitchFamily="66" charset="0"/>
+                <a:sym typeface="Symbol" pitchFamily="18" charset="2"/>
+              </a:rPr>
+              <a:t>right side is </a:t>
+            </a:r>
+            <a:r>
+              <a:rPr lang="en-US" sz="4800" dirty="0" smtClean="0">
+                <a:solidFill>
+                  <a:srgbClr val="008000"/>
+                </a:solidFill>
+                <a:latin typeface="Comic Sans MS" pitchFamily="66" charset="0"/>
+                <a:sym typeface="Symbol" pitchFamily="18" charset="2"/>
+              </a:rPr>
+              <a:t>T</a:t>
+            </a:r>
+            <a:endParaRPr lang="en-US" sz="4800" dirty="0">
+              <a:sym typeface="Symbol" pitchFamily="18" charset="2"/>
+            </a:endParaRPr>
+          </a:p>
+        </p:txBody>
+      </p:sp>
+      <p:sp>
+        <p:nvSpPr>
+          <p:cNvPr id="54285" name="Rectangle 13"/>
+          <p:cNvSpPr>
+            <a:spLocks noChangeArrowheads="1"/>
+          </p:cNvSpPr>
+          <p:nvPr/>
+        </p:nvSpPr>
+        <p:spPr bwMode="auto">
+          <a:xfrm>
+            <a:off x="2554968" y="417967"/>
+            <a:ext cx="4020652" cy="707886"/>
+          </a:xfrm>
+          <a:prstGeom prst="rect">
+            <a:avLst/>
+          </a:prstGeom>
+          <a:noFill/>
+          <a:ln w="9525">
+            <a:noFill/>
+            <a:miter lim="800000"/>
+            <a:headEnd/>
+            <a:tailEnd/>
+          </a:ln>
+          <a:effectLst/>
+        </p:spPr>
+        <p:txBody>
+          <a:bodyPr wrap="none">
+            <a:spAutoFit/>
+          </a:bodyPr>
+          <a:lstStyle/>
+          <a:p>
+            <a:r>
+              <a:rPr lang="en-US" sz="4000" b="1" dirty="0" smtClean="0">
+                <a:latin typeface="Comic Sans MS" pitchFamily="66" charset="0"/>
+              </a:rPr>
+              <a:t>Proving Validity</a:t>
+            </a:r>
+            <a:endParaRPr lang="en-US" sz="4000" b="1" dirty="0">
+              <a:latin typeface="Comic Sans MS" pitchFamily="66" charset="0"/>
+            </a:endParaRPr>
+          </a:p>
+        </p:txBody>
+      </p:sp>
+      <p:sp>
+        <p:nvSpPr>
+          <p:cNvPr id="11" name="Oval 10"/>
+          <p:cNvSpPr/>
+          <p:nvPr/>
+        </p:nvSpPr>
+        <p:spPr>
+          <a:xfrm>
+            <a:off x="209932" y="1251284"/>
+            <a:ext cx="6158522" cy="1085516"/>
+          </a:xfrm>
+          <a:prstGeom prst="ellipse">
+            <a:avLst/>
+          </a:prstGeom>
+          <a:noFill/>
+          <a:ln w="38100">
+            <a:solidFill>
+              <a:srgbClr val="008000"/>
+            </a:solidFill>
+            <a:prstDash val="sysDash"/>
+          </a:ln>
+        </p:spPr>
+        <p:style>
+          <a:lnRef idx="2">
+            <a:schemeClr val="accent1">
+              <a:shade val="50000"/>
+            </a:schemeClr>
+          </a:lnRef>
+          <a:fillRef idx="1">
+            <a:schemeClr val="accent1"/>
+          </a:fillRef>
+          <a:effectRef idx="0">
+            <a:schemeClr val="accent1"/>
+          </a:effectRef>
+          <a:fontRef idx="minor">
+            <a:schemeClr val="lt1"/>
+          </a:fontRef>
+        </p:style>
+        <p:txBody>
+          <a:bodyPr rtlCol="0" anchor="ctr"/>
+          <a:lstStyle/>
+          <a:p>
+            <a:pPr algn="ctr"/>
+            <a:endParaRPr lang="en-US"/>
+          </a:p>
+        </p:txBody>
+      </p:sp>
+      <p:sp>
+        <p:nvSpPr>
+          <p:cNvPr id="12" name="Oval 11"/>
+          <p:cNvSpPr/>
+          <p:nvPr/>
+        </p:nvSpPr>
+        <p:spPr>
+          <a:xfrm>
+            <a:off x="1290822" y="2258458"/>
+            <a:ext cx="7799754" cy="1085516"/>
+          </a:xfrm>
+          <a:prstGeom prst="ellipse">
+            <a:avLst/>
+          </a:prstGeom>
+          <a:noFill/>
+          <a:ln w="38100">
+            <a:solidFill>
+              <a:srgbClr val="008000"/>
+            </a:solidFill>
+            <a:prstDash val="sysDash"/>
+          </a:ln>
+        </p:spPr>
+        <p:style>
+          <a:lnRef idx="2">
+            <a:schemeClr val="accent1">
+              <a:shade val="50000"/>
+            </a:schemeClr>
+          </a:lnRef>
+          <a:fillRef idx="1">
+            <a:schemeClr val="accent1"/>
+          </a:fillRef>
+          <a:effectRef idx="0">
+            <a:schemeClr val="accent1"/>
+          </a:effectRef>
+          <a:fontRef idx="minor">
+            <a:schemeClr val="lt1"/>
+          </a:fontRef>
+        </p:style>
+        <p:txBody>
+          <a:bodyPr rtlCol="0" anchor="ctr"/>
+          <a:lstStyle/>
+          <a:p>
+            <a:pPr algn="ctr"/>
+            <a:endParaRPr lang="en-US"/>
+          </a:p>
+        </p:txBody>
+      </p:sp>
+      <p:graphicFrame>
+        <p:nvGraphicFramePr>
+          <p:cNvPr id="466950" name="Object 6"/>
+          <p:cNvGraphicFramePr>
+            <a:graphicFrameLocks noChangeAspect="1"/>
+          </p:cNvGraphicFramePr>
+          <p:nvPr/>
+        </p:nvGraphicFramePr>
+        <p:xfrm>
+          <a:off x="456406" y="1416937"/>
+          <a:ext cx="8231187" cy="1851025"/>
+        </p:xfrm>
+        <a:graphic>
+          <a:graphicData uri="http://schemas.openxmlformats.org/presentationml/2006/ole">
+            <p:oleObj spid="_x0000_s466950" name="Equation" r:id="rId5" imgW="2032000" imgH="457200" progId="Equation.DSMT4">
+              <p:embed/>
+            </p:oleObj>
+          </a:graphicData>
+        </a:graphic>
+      </p:graphicFrame>
+    </p:spTree>
+  </p:cSld>
+  <p:clrMapOvr>
+    <a:masterClrMapping/>
+  </p:clrMapOvr>
+  <p:transition/>
+  <p:timing>
+    <p:tnLst>
+      <p:par>
+        <p:cTn id="1" dur="indefinite" restart="never" nodeType="tmRoot">
+          <p:childTnLst>
+            <p:seq concurrent="1" nextAc="seek">
+              <p:cTn id="2" dur="indefinite" nodeType="mainSeq">
+                <p:childTnLst>
+                  <p:par>
+                    <p:cTn id="3" fill="hold">
+                      <p:stCondLst>
+                        <p:cond delay="indefinite"/>
+                      </p:stCondLst>
+                      <p:childTnLst>
+                        <p:par>
+                          <p:cTn id="4" fill="hold">
+                            <p:stCondLst>
+                              <p:cond delay="0"/>
+                            </p:stCondLst>
+                            <p:childTnLst>
+                              <p:par>
+                                <p:cTn id="5" presetID="22" presetClass="entr" presetSubtype="1" fill="hold" nodeType="clickEffect">
+                                  <p:stCondLst>
+                                    <p:cond delay="0"/>
+                                  </p:stCondLst>
+                                  <p:childTnLst>
+                                    <p:set>
+                                      <p:cBhvr>
+                                        <p:cTn id="6" dur="1" fill="hold">
+                                          <p:stCondLst>
+                                            <p:cond delay="0"/>
+                                          </p:stCondLst>
+                                        </p:cTn>
+                                        <p:tgtEl>
+                                          <p:spTgt spid="466950"/>
+                                        </p:tgtEl>
+                                        <p:attrNameLst>
+                                          <p:attrName>style.visibility</p:attrName>
+                                        </p:attrNameLst>
+                                      </p:cBhvr>
+                                      <p:to>
+                                        <p:strVal val="visible"/>
+                                      </p:to>
+                                    </p:set>
+                                    <p:animEffect transition="in" filter="wipe(up)">
+                                      <p:cBhvr>
+                                        <p:cTn id="7" dur="1000"/>
+                                        <p:tgtEl>
+                                          <p:spTgt spid="466950"/>
+                                        </p:tgtEl>
+                                      </p:cBhvr>
+                                    </p:animEffect>
+                                  </p:childTnLst>
+                                </p:cTn>
+                              </p:par>
+                            </p:childTnLst>
+                          </p:cTn>
+                        </p:par>
+                      </p:childTnLst>
+                    </p:cTn>
+                  </p:par>
+                  <p:par>
+                    <p:cTn id="8" fill="hold">
+                      <p:stCondLst>
+                        <p:cond delay="indefinite"/>
+                      </p:stCondLst>
+                      <p:childTnLst>
+                        <p:par>
+                          <p:cTn id="9" fill="hold">
+                            <p:stCondLst>
+                              <p:cond delay="0"/>
+                            </p:stCondLst>
+                            <p:childTnLst>
+                              <p:par>
+                                <p:cTn id="10" presetID="9" presetClass="entr" presetSubtype="0" fill="hold" nodeType="clickEffect">
+                                  <p:stCondLst>
+                                    <p:cond delay="0"/>
+                                  </p:stCondLst>
+                                  <p:childTnLst>
+                                    <p:set>
+                                      <p:cBhvr>
+                                        <p:cTn id="11" dur="1" fill="hold">
+                                          <p:stCondLst>
+                                            <p:cond delay="0"/>
+                                          </p:stCondLst>
+                                        </p:cTn>
+                                        <p:tgtEl>
+                                          <p:spTgt spid="54278">
+                                            <p:txEl>
+                                              <p:pRg st="0" end="0"/>
+                                            </p:txEl>
+                                          </p:spTgt>
+                                        </p:tgtEl>
+                                        <p:attrNameLst>
+                                          <p:attrName>style.visibility</p:attrName>
+                                        </p:attrNameLst>
+                                      </p:cBhvr>
+                                      <p:to>
+                                        <p:strVal val="visible"/>
+                                      </p:to>
+                                    </p:set>
+                                    <p:animEffect transition="in" filter="dissolve">
+                                      <p:cBhvr>
+                                        <p:cTn id="12" dur="500"/>
+                                        <p:tgtEl>
+                                          <p:spTgt spid="54278">
+                                            <p:txEl>
+                                              <p:pRg st="0" end="0"/>
+                                            </p:txEl>
+                                          </p:spTgt>
+                                        </p:tgtEl>
+                                      </p:cBhvr>
+                                    </p:animEffect>
+                                  </p:childTnLst>
+                                </p:cTn>
+                              </p:par>
+                            </p:childTnLst>
+                          </p:cTn>
+                        </p:par>
+                      </p:childTnLst>
+                    </p:cTn>
+                  </p:par>
+                  <p:par>
+                    <p:cTn id="13" fill="hold">
+                      <p:stCondLst>
+                        <p:cond delay="indefinite"/>
+                      </p:stCondLst>
+                      <p:childTnLst>
+                        <p:par>
+                          <p:cTn id="14" fill="hold">
+                            <p:stCondLst>
+                              <p:cond delay="0"/>
+                            </p:stCondLst>
+                            <p:childTnLst>
+                              <p:par>
+                                <p:cTn id="15" presetID="9" presetClass="entr" presetSubtype="0" fill="hold" nodeType="clickEffect">
+                                  <p:stCondLst>
+                                    <p:cond delay="0"/>
+                                  </p:stCondLst>
+                                  <p:childTnLst>
+                                    <p:set>
+                                      <p:cBhvr>
+                                        <p:cTn id="16" dur="1" fill="hold">
+                                          <p:stCondLst>
+                                            <p:cond delay="0"/>
+                                          </p:stCondLst>
+                                        </p:cTn>
+                                        <p:tgtEl>
+                                          <p:spTgt spid="54278">
+                                            <p:txEl>
+                                              <p:pRg st="1" end="1"/>
+                                            </p:txEl>
+                                          </p:spTgt>
+                                        </p:tgtEl>
+                                        <p:attrNameLst>
+                                          <p:attrName>style.visibility</p:attrName>
+                                        </p:attrNameLst>
+                                      </p:cBhvr>
+                                      <p:to>
+                                        <p:strVal val="visible"/>
+                                      </p:to>
+                                    </p:set>
+                                    <p:animEffect transition="in" filter="dissolve">
+                                      <p:cBhvr>
+                                        <p:cTn id="17" dur="500"/>
+                                        <p:tgtEl>
+                                          <p:spTgt spid="54278">
+                                            <p:txEl>
+                                              <p:pRg st="1" end="1"/>
+                                            </p:txEl>
+                                          </p:spTgt>
+                                        </p:tgtEl>
+                                      </p:cBhvr>
+                                    </p:animEffect>
+                                  </p:childTnLst>
+                                </p:cTn>
+                              </p:par>
+                            </p:childTnLst>
+                          </p:cTn>
+                        </p:par>
+                        <p:par>
+                          <p:cTn id="18" fill="hold">
+                            <p:stCondLst>
+                              <p:cond delay="500"/>
+                            </p:stCondLst>
+                            <p:childTnLst>
+                              <p:par>
+                                <p:cTn id="19" presetID="9" presetClass="entr" presetSubtype="0" fill="hold" grpId="0" nodeType="afterEffect">
+                                  <p:stCondLst>
+                                    <p:cond delay="0"/>
+                                  </p:stCondLst>
+                                  <p:childTnLst>
+                                    <p:set>
+                                      <p:cBhvr>
+                                        <p:cTn id="20" dur="1" fill="hold">
+                                          <p:stCondLst>
+                                            <p:cond delay="0"/>
+                                          </p:stCondLst>
+                                        </p:cTn>
+                                        <p:tgtEl>
+                                          <p:spTgt spid="11"/>
+                                        </p:tgtEl>
+                                        <p:attrNameLst>
+                                          <p:attrName>style.visibility</p:attrName>
+                                        </p:attrNameLst>
+                                      </p:cBhvr>
+                                      <p:to>
+                                        <p:strVal val="visible"/>
+                                      </p:to>
+                                    </p:set>
+                                    <p:animEffect transition="in" filter="dissolve">
+                                      <p:cBhvr>
+                                        <p:cTn id="21" dur="500"/>
+                                        <p:tgtEl>
+                                          <p:spTgt spid="11"/>
+                                        </p:tgtEl>
+                                      </p:cBhvr>
+                                    </p:animEffect>
+                                  </p:childTnLst>
+                                </p:cTn>
+                              </p:par>
+                            </p:childTnLst>
+                          </p:cTn>
+                        </p:par>
+                      </p:childTnLst>
+                    </p:cTn>
+                  </p:par>
+                  <p:par>
+                    <p:cTn id="22" fill="hold">
+                      <p:stCondLst>
+                        <p:cond delay="indefinite"/>
+                      </p:stCondLst>
+                      <p:childTnLst>
+                        <p:par>
+                          <p:cTn id="23" fill="hold">
+                            <p:stCondLst>
+                              <p:cond delay="0"/>
+                            </p:stCondLst>
+                            <p:childTnLst>
+                              <p:par>
+                                <p:cTn id="24" presetID="9" presetClass="entr" presetSubtype="0" fill="hold" nodeType="clickEffect">
+                                  <p:stCondLst>
+                                    <p:cond delay="0"/>
+                                  </p:stCondLst>
+                                  <p:childTnLst>
+                                    <p:set>
+                                      <p:cBhvr>
+                                        <p:cTn id="25" dur="1" fill="hold">
+                                          <p:stCondLst>
+                                            <p:cond delay="0"/>
+                                          </p:stCondLst>
+                                        </p:cTn>
+                                        <p:tgtEl>
+                                          <p:spTgt spid="54278">
+                                            <p:txEl>
+                                              <p:pRg st="2" end="2"/>
+                                            </p:txEl>
+                                          </p:spTgt>
+                                        </p:tgtEl>
+                                        <p:attrNameLst>
+                                          <p:attrName>style.visibility</p:attrName>
+                                        </p:attrNameLst>
+                                      </p:cBhvr>
+                                      <p:to>
+                                        <p:strVal val="visible"/>
+                                      </p:to>
+                                    </p:set>
+                                    <p:animEffect transition="in" filter="dissolve">
+                                      <p:cBhvr>
+                                        <p:cTn id="26" dur="500"/>
+                                        <p:tgtEl>
+                                          <p:spTgt spid="54278">
+                                            <p:txEl>
+                                              <p:pRg st="2" end="2"/>
+                                            </p:txEl>
+                                          </p:spTgt>
+                                        </p:tgtEl>
+                                      </p:cBhvr>
+                                    </p:animEffect>
+                                  </p:childTnLst>
+                                </p:cTn>
+                              </p:par>
+                            </p:childTnLst>
+                          </p:cTn>
+                        </p:par>
+                        <p:par>
+                          <p:cTn id="27" fill="hold">
+                            <p:stCondLst>
+                              <p:cond delay="500"/>
+                            </p:stCondLst>
+                            <p:childTnLst>
+                              <p:par>
+                                <p:cTn id="28" presetID="9" presetClass="entr" presetSubtype="0" fill="hold" grpId="0" nodeType="afterEffect">
+                                  <p:stCondLst>
+                                    <p:cond delay="0"/>
+                                  </p:stCondLst>
+                                  <p:childTnLst>
+                                    <p:set>
+                                      <p:cBhvr>
+                                        <p:cTn id="29" dur="1" fill="hold">
+                                          <p:stCondLst>
+                                            <p:cond delay="0"/>
+                                          </p:stCondLst>
+                                        </p:cTn>
+                                        <p:tgtEl>
+                                          <p:spTgt spid="12"/>
+                                        </p:tgtEl>
+                                        <p:attrNameLst>
+                                          <p:attrName>style.visibility</p:attrName>
+                                        </p:attrNameLst>
+                                      </p:cBhvr>
+                                      <p:to>
+                                        <p:strVal val="visible"/>
+                                      </p:to>
+                                    </p:set>
+                                    <p:animEffect transition="in" filter="dissolve">
+                                      <p:cBhvr>
+                                        <p:cTn id="30" dur="500"/>
+                                        <p:tgtEl>
+                                          <p:spTgt spid="12"/>
+                                        </p:tgtEl>
+                                      </p:cBhvr>
+                                    </p:animEffect>
+                                  </p:childTnLst>
+                                </p:cTn>
+                              </p:par>
+                            </p:childTnLst>
+                          </p:cTn>
+                        </p:par>
+                      </p:childTnLst>
+                    </p:cTn>
+                  </p:par>
+                </p:childTnLst>
+              </p:cTn>
+              <p:prevCondLst>
+                <p:cond evt="onPrev" delay="0">
+                  <p:tgtEl>
+                    <p:sldTgt/>
+                  </p:tgtEl>
+                </p:cond>
+              </p:prevCondLst>
+              <p:nextCondLst>
+                <p:cond evt="onNext" delay="0">
+                  <p:tgtEl>
+                    <p:sldTgt/>
+                  </p:tgtEl>
+                </p:cond>
+              </p:nextCondLst>
+            </p:seq>
+          </p:childTnLst>
+        </p:cTn>
+      </p:par>
+    </p:tnLst>
+    <p:bldLst>
+      <p:bldP spid="11" grpId="0" animBg="1"/>
+      <p:bldP spid="12" grpId="0" animBg="1"/>
+    </p:bldLst>
+  </p:timing>
+</p:sld>
+</file>
+
+<file path=ppt/slides/slide26.xml><?xml version="1.0" encoding="utf-8"?>
+<p:sld xmlns:a="http://schemas.openxmlformats.org/drawingml/2006/main" xmlns:r="http://schemas.openxmlformats.org/officeDocument/2006/relationships" xmlns:mc="http://schemas.openxmlformats.org/markup-compatibility/2006" xmlns:mv="urn:schemas-microsoft-com:mac:vml" xmlns:p="http://schemas.openxmlformats.org/presentationml/2006/main" mc:Ignorable="mv" mc:PreserveAttributes="mv:*">
+  <p:cSld>
+    <p:spTree>
+      <p:nvGrpSpPr>
+        <p:cNvPr id="1" name=""/>
+        <p:cNvGrpSpPr/>
+        <p:nvPr/>
+      </p:nvGrpSpPr>
+      <p:grpSpPr>
+        <a:xfrm>
+          <a:off x="0" y="0"/>
+          <a:ext cx="0" cy="0"/>
+          <a:chOff x="0" y="0"/>
+          <a:chExt cx="0" cy="0"/>
+        </a:xfrm>
+      </p:grpSpPr>
+      <p:sp>
+        <p:nvSpPr>
+          <p:cNvPr id="56325" name="Text Box 5"/>
+          <p:cNvSpPr txBox="1">
+            <a:spLocks noChangeArrowheads="1"/>
+          </p:cNvSpPr>
+          <p:nvPr/>
+        </p:nvSpPr>
+        <p:spPr bwMode="auto">
+          <a:xfrm>
+            <a:off x="367894" y="2122488"/>
+            <a:ext cx="8617329" cy="4139595"/>
+          </a:xfrm>
+          <a:prstGeom prst="rect">
+            <a:avLst/>
+          </a:prstGeom>
+          <a:noFill/>
+          <a:ln w="9525">
+            <a:noFill/>
+            <a:miter lim="800000"/>
+            <a:headEnd/>
+            <a:tailEnd/>
+          </a:ln>
+          <a:effectLst/>
+        </p:spPr>
+        <p:txBody>
+          <a:bodyPr wrap="none">
+            <a:spAutoFit/>
+          </a:bodyPr>
+          <a:lstStyle/>
+          <a:p>
+            <a:pPr>
+              <a:spcAft>
+                <a:spcPts val="600"/>
+              </a:spcAft>
+            </a:pPr>
+            <a:r>
+              <a:rPr lang="en-US" sz="2800" dirty="0">
+                <a:solidFill>
+                  <a:srgbClr val="003399"/>
+                </a:solidFill>
+                <a:latin typeface="Comic Sans MS" pitchFamily="66" charset="0"/>
+              </a:rPr>
+              <a:t>Proof</a:t>
+            </a:r>
+            <a:r>
+              <a:rPr lang="en-US" sz="2800" dirty="0">
+                <a:latin typeface="Comic Sans MS" pitchFamily="66" charset="0"/>
+              </a:rPr>
+              <a:t>:  </a:t>
+            </a:r>
+            <a:r>
+              <a:rPr lang="en-US" sz="2800" dirty="0" smtClean="0">
+                <a:latin typeface="Comic Sans MS" pitchFamily="66" charset="0"/>
+              </a:rPr>
+              <a:t>So assume </a:t>
+            </a:r>
+            <a:r>
+              <a:rPr lang="en-US" sz="2800" dirty="0" smtClean="0">
+                <a:latin typeface="Comic Sans MS" pitchFamily="66" charset="0"/>
+                <a:sym typeface="Symbol" pitchFamily="18" charset="2"/>
+              </a:rPr>
+              <a:t>left hand side.That is,</a:t>
+            </a:r>
+            <a:endParaRPr lang="en-US" sz="2800" dirty="0">
+              <a:latin typeface="Comic Sans MS" pitchFamily="66" charset="0"/>
+              <a:sym typeface="Symbol" pitchFamily="18" charset="2"/>
+            </a:endParaRPr>
+          </a:p>
+          <a:p>
+            <a:pPr>
+              <a:spcAft>
+                <a:spcPts val="600"/>
+              </a:spcAft>
+            </a:pPr>
+            <a:r>
+              <a:rPr lang="en-US" sz="2800" dirty="0" err="1" smtClean="0">
+                <a:solidFill>
+                  <a:srgbClr val="0000FF"/>
+                </a:solidFill>
+                <a:latin typeface="Comic Sans MS" pitchFamily="66" charset="0"/>
+                <a:sym typeface="Symbol" pitchFamily="18" charset="2"/>
+              </a:rPr>
+              <a:t>Q</a:t>
+            </a:r>
+            <a:r>
+              <a:rPr lang="en-US" sz="2800" dirty="0" err="1" smtClean="0">
+                <a:solidFill>
+                  <a:srgbClr val="0000FF"/>
+                </a:solidFill>
+                <a:latin typeface="Comic Sans MS" pitchFamily="66" charset="0"/>
+                <a:sym typeface="Symbol" pitchFamily="18" charset="2"/>
+              </a:rPr>
+              <a:t>(</a:t>
+            </a:r>
+            <a:r>
+              <a:rPr lang="en-US" sz="2800" dirty="0" err="1" smtClean="0">
+                <a:solidFill>
+                  <a:srgbClr val="008000"/>
+                </a:solidFill>
+                <a:latin typeface="Comic Sans MS" pitchFamily="66" charset="0"/>
+                <a:sym typeface="Symbol" pitchFamily="18" charset="2"/>
+              </a:rPr>
+              <a:t>z</a:t>
+            </a:r>
+            <a:r>
+              <a:rPr lang="en-US" sz="2800" dirty="0" smtClean="0">
+                <a:solidFill>
+                  <a:srgbClr val="0000FF"/>
+                </a:solidFill>
+                <a:latin typeface="Comic Sans MS" pitchFamily="66" charset="0"/>
+                <a:sym typeface="Symbol" pitchFamily="18" charset="2"/>
+              </a:rPr>
+              <a:t>) </a:t>
+            </a:r>
+            <a:r>
+              <a:rPr lang="en-US" b="1" dirty="0" smtClean="0">
+                <a:solidFill>
+                  <a:srgbClr val="000000"/>
+                </a:solidFill>
+                <a:latin typeface="Comic Sans MS" pitchFamily="66" charset="0"/>
+                <a:sym typeface="Euclid Symbol" pitchFamily="18" charset="2"/>
+              </a:rPr>
+              <a:t>AND</a:t>
+            </a:r>
+            <a:r>
+              <a:rPr lang="en-US" b="1" dirty="0" smtClean="0">
+                <a:solidFill>
+                  <a:srgbClr val="0000FF"/>
+                </a:solidFill>
+                <a:latin typeface="Comic Sans MS" pitchFamily="66" charset="0"/>
+                <a:sym typeface="Euclid Symbol" pitchFamily="18" charset="2"/>
+              </a:rPr>
+              <a:t> </a:t>
+            </a:r>
+            <a:r>
+              <a:rPr lang="en-US" sz="2800" dirty="0" err="1" smtClean="0">
+                <a:solidFill>
+                  <a:srgbClr val="0000FF"/>
+                </a:solidFill>
+                <a:latin typeface="Comic Sans MS" pitchFamily="66" charset="0"/>
+                <a:sym typeface="Symbol" pitchFamily="18" charset="2"/>
+              </a:rPr>
+              <a:t>P</a:t>
+            </a:r>
+            <a:r>
+              <a:rPr lang="en-US" sz="2800" dirty="0" err="1" smtClean="0">
+                <a:solidFill>
+                  <a:srgbClr val="0000FF"/>
+                </a:solidFill>
+                <a:latin typeface="Comic Sans MS" pitchFamily="66" charset="0"/>
+                <a:sym typeface="Symbol" pitchFamily="18" charset="2"/>
+              </a:rPr>
+              <a:t>(</a:t>
+            </a:r>
+            <a:r>
+              <a:rPr lang="en-US" sz="2800" dirty="0" err="1" smtClean="0">
+                <a:solidFill>
+                  <a:srgbClr val="008000"/>
+                </a:solidFill>
+                <a:latin typeface="Comic Sans MS" pitchFamily="66" charset="0"/>
+                <a:sym typeface="Symbol" pitchFamily="18" charset="2"/>
+              </a:rPr>
+              <a:t>z</a:t>
+            </a:r>
+            <a:r>
+              <a:rPr lang="en-US" sz="2800" dirty="0" smtClean="0">
+                <a:solidFill>
+                  <a:srgbClr val="0000FF"/>
+                </a:solidFill>
+                <a:latin typeface="Comic Sans MS" pitchFamily="66" charset="0"/>
+                <a:sym typeface="Symbol" pitchFamily="18" charset="2"/>
+              </a:rPr>
+              <a:t>) </a:t>
+            </a:r>
+            <a:r>
+              <a:rPr lang="en-US" sz="2800" dirty="0" smtClean="0">
+                <a:latin typeface="Comic Sans MS" pitchFamily="66" charset="0"/>
+                <a:sym typeface="Symbol" pitchFamily="18" charset="2"/>
+              </a:rPr>
+              <a:t>holds </a:t>
+            </a:r>
+            <a:r>
+              <a:rPr lang="en-US" sz="2800" dirty="0">
+                <a:latin typeface="Comic Sans MS" pitchFamily="66" charset="0"/>
+                <a:sym typeface="Symbol" pitchFamily="18" charset="2"/>
+              </a:rPr>
+              <a:t>for</a:t>
+            </a:r>
+            <a:r>
+              <a:rPr lang="en-US" sz="2800" dirty="0" smtClean="0">
+                <a:latin typeface="Comic Sans MS" pitchFamily="66" charset="0"/>
+                <a:sym typeface="Symbol" pitchFamily="18" charset="2"/>
+              </a:rPr>
+              <a:t> when </a:t>
+            </a:r>
+            <a:r>
+              <a:rPr lang="en-US" sz="2800" dirty="0" err="1" smtClean="0">
+                <a:latin typeface="Comic Sans MS" pitchFamily="66" charset="0"/>
+                <a:sym typeface="Symbol" pitchFamily="18" charset="2"/>
+              </a:rPr>
+              <a:t>val(</a:t>
+            </a:r>
+            <a:r>
+              <a:rPr lang="en-US" sz="2800" dirty="0" err="1" smtClean="0">
+                <a:solidFill>
+                  <a:srgbClr val="008000"/>
+                </a:solidFill>
+                <a:latin typeface="Comic Sans MS" pitchFamily="66" charset="0"/>
+                <a:sym typeface="Symbol" pitchFamily="18" charset="2"/>
+              </a:rPr>
+              <a:t>z</a:t>
+            </a:r>
+            <a:r>
+              <a:rPr lang="en-US" sz="2800" dirty="0" smtClean="0">
+                <a:solidFill>
+                  <a:schemeClr val="tx2"/>
+                </a:solidFill>
+                <a:latin typeface="Comic Sans MS" pitchFamily="66" charset="0"/>
+                <a:sym typeface="Symbol" pitchFamily="18" charset="2"/>
+              </a:rPr>
+              <a:t>)</a:t>
+            </a:r>
+            <a:r>
+              <a:rPr lang="en-US" sz="2800" dirty="0" smtClean="0">
+                <a:solidFill>
+                  <a:srgbClr val="0000FF"/>
+                </a:solidFill>
+                <a:latin typeface="Comic Sans MS" pitchFamily="66" charset="0"/>
+                <a:sym typeface="Symbol" pitchFamily="18" charset="2"/>
+              </a:rPr>
+              <a:t> </a:t>
+            </a:r>
+            <a:r>
+              <a:rPr lang="en-US" sz="2800" dirty="0" smtClean="0">
+                <a:latin typeface="Comic Sans MS" pitchFamily="66" charset="0"/>
+                <a:sym typeface="Symbol" pitchFamily="18" charset="2"/>
+              </a:rPr>
+              <a:t>in </a:t>
+            </a:r>
+            <a:r>
+              <a:rPr lang="en-US" sz="2800" dirty="0">
+                <a:latin typeface="Comic Sans MS" pitchFamily="66" charset="0"/>
+                <a:sym typeface="Symbol" pitchFamily="18" charset="2"/>
+              </a:rPr>
+              <a:t>the domain.</a:t>
+            </a:r>
+          </a:p>
+          <a:p>
+            <a:pPr>
+              <a:spcAft>
+                <a:spcPts val="600"/>
+              </a:spcAft>
+            </a:pPr>
+            <a:r>
+              <a:rPr lang="en-US" sz="2800" dirty="0">
+                <a:latin typeface="Comic Sans MS" pitchFamily="66" charset="0"/>
+                <a:sym typeface="Symbol" pitchFamily="18" charset="2"/>
+              </a:rPr>
+              <a:t>Now let</a:t>
+            </a:r>
+            <a:r>
+              <a:rPr lang="en-US" sz="2800" dirty="0">
+                <a:solidFill>
+                  <a:srgbClr val="E45ECA"/>
+                </a:solidFill>
+                <a:latin typeface="Comic Sans MS" pitchFamily="66" charset="0"/>
+                <a:sym typeface="Symbol" pitchFamily="18" charset="2"/>
+              </a:rPr>
+              <a:t> c</a:t>
+            </a:r>
+            <a:r>
+              <a:rPr lang="en-US" sz="2800" dirty="0">
+                <a:latin typeface="Comic Sans MS" pitchFamily="66" charset="0"/>
+                <a:sym typeface="Symbol" pitchFamily="18" charset="2"/>
+              </a:rPr>
+              <a:t> be some domain element. </a:t>
+            </a:r>
+            <a:r>
+              <a:rPr lang="en-US" sz="2800" dirty="0" smtClean="0">
+                <a:latin typeface="Comic Sans MS" pitchFamily="66" charset="0"/>
+              </a:rPr>
+              <a:t> Then</a:t>
+            </a:r>
+            <a:endParaRPr lang="en-US" sz="2800" dirty="0">
+              <a:latin typeface="Comic Sans MS" pitchFamily="66" charset="0"/>
+            </a:endParaRPr>
+          </a:p>
+          <a:p>
+            <a:pPr>
+              <a:spcAft>
+                <a:spcPts val="600"/>
+              </a:spcAft>
+            </a:pPr>
+            <a:r>
+              <a:rPr lang="en-US" sz="2800" dirty="0" err="1">
+                <a:solidFill>
+                  <a:srgbClr val="0000FF"/>
+                </a:solidFill>
+                <a:latin typeface="Comic Sans MS" pitchFamily="66" charset="0"/>
+              </a:rPr>
+              <a:t>Q(</a:t>
+            </a:r>
+            <a:r>
+              <a:rPr lang="en-US" sz="2800" dirty="0" err="1">
+                <a:solidFill>
+                  <a:srgbClr val="E45ECA"/>
+                </a:solidFill>
+                <a:latin typeface="Comic Sans MS" pitchFamily="66" charset="0"/>
+              </a:rPr>
+              <a:t>c</a:t>
+            </a:r>
+            <a:r>
+              <a:rPr lang="en-US" sz="2800" dirty="0" smtClean="0">
+                <a:solidFill>
+                  <a:srgbClr val="0000FF"/>
+                </a:solidFill>
+                <a:latin typeface="Comic Sans MS" pitchFamily="66" charset="0"/>
+              </a:rPr>
+              <a:t>) </a:t>
+            </a:r>
+            <a:r>
+              <a:rPr lang="en-US" b="1" dirty="0" smtClean="0">
+                <a:solidFill>
+                  <a:srgbClr val="000000"/>
+                </a:solidFill>
+                <a:latin typeface="Comic Sans MS" pitchFamily="66" charset="0"/>
+                <a:sym typeface="Euclid Symbol" pitchFamily="18" charset="2"/>
+              </a:rPr>
+              <a:t>AND</a:t>
+            </a:r>
+            <a:r>
+              <a:rPr lang="en-US" b="1" dirty="0" smtClean="0">
+                <a:solidFill>
+                  <a:srgbClr val="0000FF"/>
+                </a:solidFill>
+                <a:latin typeface="Comic Sans MS" pitchFamily="66" charset="0"/>
+                <a:sym typeface="Euclid Symbol" pitchFamily="18" charset="2"/>
+              </a:rPr>
+              <a:t> </a:t>
+            </a:r>
+            <a:r>
+              <a:rPr lang="en-US" sz="2800" dirty="0" err="1" smtClean="0">
+                <a:solidFill>
+                  <a:srgbClr val="0000FF"/>
+                </a:solidFill>
+                <a:latin typeface="Comic Sans MS" pitchFamily="66" charset="0"/>
+                <a:sym typeface="Symbol" pitchFamily="18" charset="2"/>
+              </a:rPr>
+              <a:t>P</a:t>
+            </a:r>
+            <a:r>
+              <a:rPr lang="en-US" sz="2800" dirty="0" err="1">
+                <a:solidFill>
+                  <a:srgbClr val="0000FF"/>
+                </a:solidFill>
+                <a:latin typeface="Comic Sans MS" pitchFamily="66" charset="0"/>
+                <a:sym typeface="Symbol" pitchFamily="18" charset="2"/>
+              </a:rPr>
+              <a:t>(</a:t>
+            </a:r>
+            <a:r>
+              <a:rPr lang="en-US" sz="2800" dirty="0" err="1">
+                <a:solidFill>
+                  <a:srgbClr val="E45ECA"/>
+                </a:solidFill>
+                <a:latin typeface="Comic Sans MS" pitchFamily="66" charset="0"/>
+                <a:sym typeface="Symbol" pitchFamily="18" charset="2"/>
+              </a:rPr>
+              <a:t>c</a:t>
+            </a:r>
+            <a:r>
+              <a:rPr lang="en-US" sz="2800" dirty="0">
+                <a:solidFill>
+                  <a:srgbClr val="0000FF"/>
+                </a:solidFill>
+                <a:latin typeface="Comic Sans MS" pitchFamily="66" charset="0"/>
+                <a:sym typeface="Symbol" pitchFamily="18" charset="2"/>
+              </a:rPr>
+              <a:t>)</a:t>
+            </a:r>
+            <a:r>
+              <a:rPr lang="en-US" sz="2800" dirty="0">
+                <a:latin typeface="Comic Sans MS" pitchFamily="66" charset="0"/>
+              </a:rPr>
+              <a:t> holds, and </a:t>
+            </a:r>
+            <a:r>
+              <a:rPr lang="en-US" sz="2800" dirty="0" smtClean="0">
+                <a:latin typeface="Comic Sans MS" pitchFamily="66" charset="0"/>
+              </a:rPr>
+              <a:t>so </a:t>
+            </a:r>
+            <a:r>
+              <a:rPr lang="en-US" sz="2800" dirty="0" err="1">
+                <a:solidFill>
+                  <a:srgbClr val="0000FF"/>
+                </a:solidFill>
+                <a:latin typeface="Comic Sans MS" pitchFamily="66" charset="0"/>
+              </a:rPr>
+              <a:t>Q(</a:t>
+            </a:r>
+            <a:r>
+              <a:rPr lang="en-US" sz="2800" dirty="0" err="1">
+                <a:solidFill>
+                  <a:srgbClr val="E45ECA"/>
+                </a:solidFill>
+                <a:latin typeface="Comic Sans MS" pitchFamily="66" charset="0"/>
+              </a:rPr>
+              <a:t>c</a:t>
+            </a:r>
+            <a:r>
+              <a:rPr lang="en-US" sz="2800" dirty="0" smtClean="0">
+                <a:solidFill>
+                  <a:srgbClr val="0000FF"/>
+                </a:solidFill>
+                <a:latin typeface="Comic Sans MS" pitchFamily="66" charset="0"/>
+              </a:rPr>
+              <a:t>) </a:t>
+            </a:r>
+            <a:r>
+              <a:rPr lang="en-US" sz="2800" dirty="0" smtClean="0">
+                <a:latin typeface="Comic Sans MS" pitchFamily="66" charset="0"/>
+              </a:rPr>
+              <a:t>by </a:t>
+            </a:r>
+            <a:r>
+              <a:rPr lang="en-US" sz="2800" dirty="0">
+                <a:latin typeface="Comic Sans MS" pitchFamily="66" charset="0"/>
+              </a:rPr>
+              <a:t>itself holds.</a:t>
+            </a:r>
+          </a:p>
+          <a:p>
+            <a:pPr>
+              <a:spcAft>
+                <a:spcPts val="600"/>
+              </a:spcAft>
+            </a:pPr>
+            <a:r>
+              <a:rPr lang="en-US" sz="2800" dirty="0">
+                <a:latin typeface="Comic Sans MS" pitchFamily="66" charset="0"/>
+              </a:rPr>
+              <a:t>But </a:t>
+            </a:r>
+            <a:r>
+              <a:rPr lang="en-US" sz="2800" dirty="0">
+                <a:solidFill>
+                  <a:srgbClr val="E45ECA"/>
+                </a:solidFill>
+                <a:latin typeface="Comic Sans MS" pitchFamily="66" charset="0"/>
+              </a:rPr>
+              <a:t>c</a:t>
+            </a:r>
+            <a:r>
+              <a:rPr lang="en-US" sz="2800" dirty="0">
+                <a:latin typeface="Comic Sans MS" pitchFamily="66" charset="0"/>
+              </a:rPr>
+              <a:t> could have been any element of the domain</a:t>
+            </a:r>
+            <a:r>
+              <a:rPr lang="en-US" sz="2800" dirty="0" smtClean="0">
+                <a:latin typeface="Comic Sans MS" pitchFamily="66" charset="0"/>
+              </a:rPr>
+              <a:t>.</a:t>
+            </a:r>
+          </a:p>
+          <a:p>
+            <a:pPr>
+              <a:spcAft>
+                <a:spcPts val="600"/>
+              </a:spcAft>
+            </a:pPr>
+            <a:r>
+              <a:rPr lang="en-US" sz="2800" dirty="0" smtClean="0">
+                <a:latin typeface="Comic Sans MS" pitchFamily="66" charset="0"/>
+              </a:rPr>
+              <a:t>So we </a:t>
+            </a:r>
+            <a:r>
+              <a:rPr lang="en-US" sz="2800" dirty="0">
+                <a:latin typeface="Comic Sans MS" pitchFamily="66" charset="0"/>
+              </a:rPr>
+              <a:t>conclude </a:t>
+            </a:r>
+            <a:r>
+              <a:rPr lang="en-US" sz="2800" b="1" dirty="0" smtClean="0">
+                <a:solidFill>
+                  <a:srgbClr val="0000FF"/>
+                </a:solidFill>
+                <a:latin typeface="Euclid Symbol" charset="2"/>
+                <a:sym typeface="Euclid Symbol" pitchFamily="18" charset="2"/>
+              </a:rPr>
+              <a:t>∀</a:t>
+            </a:r>
+            <a:r>
+              <a:rPr lang="en-US" sz="2800" dirty="0" err="1" smtClean="0">
+                <a:solidFill>
+                  <a:srgbClr val="800000"/>
+                </a:solidFill>
+                <a:latin typeface="Comic Sans MS" pitchFamily="66" charset="0"/>
+                <a:sym typeface="Symbol" pitchFamily="18" charset="2"/>
+              </a:rPr>
+              <a:t>x</a:t>
+            </a:r>
+            <a:r>
+              <a:rPr lang="en-US" sz="2800" dirty="0" err="1" smtClean="0">
+                <a:solidFill>
+                  <a:srgbClr val="0000FF"/>
+                </a:solidFill>
+                <a:latin typeface="Comic Sans MS" pitchFamily="66" charset="0"/>
+                <a:sym typeface="Symbol" pitchFamily="18" charset="2"/>
+              </a:rPr>
+              <a:t>.Q(</a:t>
+            </a:r>
+            <a:r>
+              <a:rPr lang="en-US" sz="2800" dirty="0" err="1" smtClean="0">
+                <a:solidFill>
+                  <a:srgbClr val="800000"/>
+                </a:solidFill>
+                <a:latin typeface="Comic Sans MS" pitchFamily="66" charset="0"/>
+                <a:sym typeface="Symbol" pitchFamily="18" charset="2"/>
+              </a:rPr>
+              <a:t>x</a:t>
+            </a:r>
+            <a:r>
+              <a:rPr lang="en-US" sz="2800" dirty="0" smtClean="0">
+                <a:solidFill>
+                  <a:srgbClr val="0000FF"/>
+                </a:solidFill>
+                <a:latin typeface="Comic Sans MS" pitchFamily="66" charset="0"/>
+                <a:sym typeface="Symbol" pitchFamily="18" charset="2"/>
+              </a:rPr>
+              <a:t>).</a:t>
+            </a:r>
+            <a:endParaRPr lang="en-US" sz="2800" dirty="0">
+              <a:solidFill>
+                <a:srgbClr val="0000FF"/>
+              </a:solidFill>
+              <a:latin typeface="Comic Sans MS" pitchFamily="66" charset="0"/>
+            </a:endParaRPr>
+          </a:p>
+          <a:p>
+            <a:pPr>
+              <a:spcAft>
+                <a:spcPts val="600"/>
+              </a:spcAft>
+            </a:pPr>
+            <a:r>
+              <a:rPr lang="en-US" sz="2800" dirty="0" smtClean="0">
+                <a:latin typeface="Comic Sans MS" pitchFamily="66" charset="0"/>
+              </a:rPr>
+              <a:t>Similarly conclude </a:t>
+            </a:r>
+            <a:r>
+              <a:rPr lang="en-US" sz="2800" b="1" dirty="0" smtClean="0">
+                <a:solidFill>
+                  <a:srgbClr val="0000FF"/>
+                </a:solidFill>
+                <a:latin typeface="Euclid Symbol" charset="2"/>
+                <a:sym typeface="Euclid Symbol" pitchFamily="18" charset="2"/>
+              </a:rPr>
+              <a:t>∀</a:t>
+            </a:r>
+            <a:r>
+              <a:rPr lang="en-US" sz="2800" dirty="0" err="1" smtClean="0">
+                <a:solidFill>
+                  <a:srgbClr val="660066"/>
+                </a:solidFill>
+                <a:latin typeface="Comic Sans MS" pitchFamily="66" charset="0"/>
+                <a:sym typeface="Symbol" pitchFamily="18" charset="2"/>
+              </a:rPr>
+              <a:t>y</a:t>
+            </a:r>
+            <a:r>
+              <a:rPr lang="en-US" sz="2800" dirty="0" err="1" smtClean="0">
+                <a:solidFill>
+                  <a:srgbClr val="0000FF"/>
+                </a:solidFill>
+                <a:latin typeface="Comic Sans MS" pitchFamily="66" charset="0"/>
+                <a:sym typeface="Symbol" pitchFamily="18" charset="2"/>
+              </a:rPr>
+              <a:t>.P(</a:t>
+            </a:r>
+            <a:r>
+              <a:rPr lang="en-US" sz="2800" dirty="0" err="1" smtClean="0">
+                <a:solidFill>
+                  <a:srgbClr val="660066"/>
+                </a:solidFill>
+                <a:latin typeface="Comic Sans MS" pitchFamily="66" charset="0"/>
+                <a:sym typeface="Symbol" pitchFamily="18" charset="2"/>
+              </a:rPr>
+              <a:t>y</a:t>
+            </a:r>
+            <a:r>
+              <a:rPr lang="en-US" sz="2800" dirty="0" smtClean="0">
+                <a:solidFill>
+                  <a:srgbClr val="0000FF"/>
+                </a:solidFill>
+                <a:latin typeface="Comic Sans MS" pitchFamily="66" charset="0"/>
+                <a:sym typeface="Symbol" pitchFamily="18" charset="2"/>
+              </a:rPr>
+              <a:t>)</a:t>
+            </a:r>
+            <a:r>
+              <a:rPr lang="en-US" sz="2800" dirty="0" smtClean="0">
+                <a:latin typeface="Comic Sans MS" pitchFamily="66" charset="0"/>
+              </a:rPr>
+              <a:t>. </a:t>
+            </a:r>
+            <a:r>
+              <a:rPr lang="en-US" sz="2800" dirty="0">
+                <a:latin typeface="Comic Sans MS" pitchFamily="66" charset="0"/>
+              </a:rPr>
+              <a:t>Therefore,</a:t>
+            </a:r>
+          </a:p>
+          <a:p>
+            <a:pPr>
+              <a:spcAft>
+                <a:spcPts val="600"/>
+              </a:spcAft>
+            </a:pPr>
+            <a:r>
+              <a:rPr lang="en-US" sz="2800" b="1" dirty="0" smtClean="0">
+                <a:solidFill>
+                  <a:srgbClr val="0000FF"/>
+                </a:solidFill>
+                <a:latin typeface="Euclid Symbol" charset="2"/>
+                <a:sym typeface="Euclid Symbol" pitchFamily="18" charset="2"/>
+              </a:rPr>
+              <a:t>∀</a:t>
+            </a:r>
+            <a:r>
+              <a:rPr lang="en-US" sz="2800" dirty="0" err="1" smtClean="0">
+                <a:solidFill>
+                  <a:srgbClr val="660066"/>
+                </a:solidFill>
+                <a:latin typeface="Comic Sans MS" pitchFamily="66" charset="0"/>
+                <a:sym typeface="Symbol" pitchFamily="18" charset="2"/>
+              </a:rPr>
+              <a:t>x</a:t>
+            </a:r>
+            <a:r>
+              <a:rPr lang="en-US" sz="2800" dirty="0" err="1" smtClean="0">
+                <a:solidFill>
+                  <a:srgbClr val="0000FF"/>
+                </a:solidFill>
+                <a:latin typeface="Comic Sans MS" pitchFamily="66" charset="0"/>
+                <a:sym typeface="Symbol" pitchFamily="18" charset="2"/>
+              </a:rPr>
+              <a:t>.Q(</a:t>
+            </a:r>
+            <a:r>
+              <a:rPr lang="en-US" sz="2800" dirty="0" err="1" smtClean="0">
+                <a:solidFill>
+                  <a:srgbClr val="660066"/>
+                </a:solidFill>
+                <a:latin typeface="Comic Sans MS" pitchFamily="66" charset="0"/>
+                <a:sym typeface="Symbol" pitchFamily="18" charset="2"/>
+              </a:rPr>
+              <a:t>x</a:t>
+            </a:r>
+            <a:r>
+              <a:rPr lang="en-US" sz="2800" dirty="0" smtClean="0">
+                <a:solidFill>
+                  <a:srgbClr val="0000FF"/>
+                </a:solidFill>
+                <a:latin typeface="Comic Sans MS" pitchFamily="66" charset="0"/>
+                <a:sym typeface="Symbol" pitchFamily="18" charset="2"/>
+              </a:rPr>
+              <a:t>) </a:t>
+            </a:r>
+            <a:r>
+              <a:rPr lang="en-US" b="1" dirty="0" smtClean="0">
+                <a:solidFill>
+                  <a:schemeClr val="tx2"/>
+                </a:solidFill>
+                <a:latin typeface="Comic Sans MS" pitchFamily="66" charset="0"/>
+                <a:sym typeface="Euclid Symbol" pitchFamily="18" charset="2"/>
+              </a:rPr>
+              <a:t>AND</a:t>
+            </a:r>
+            <a:r>
+              <a:rPr lang="en-US" b="1" dirty="0" smtClean="0">
+                <a:solidFill>
+                  <a:srgbClr val="0000FF"/>
+                </a:solidFill>
+                <a:latin typeface="Comic Sans MS" pitchFamily="66" charset="0"/>
+                <a:sym typeface="Euclid Symbol" pitchFamily="18" charset="2"/>
+              </a:rPr>
+              <a:t> </a:t>
+            </a:r>
+            <a:r>
+              <a:rPr lang="en-US" sz="2800" b="1" dirty="0" smtClean="0">
+                <a:solidFill>
+                  <a:srgbClr val="0000FF"/>
+                </a:solidFill>
+                <a:latin typeface="Euclid Symbol" charset="2"/>
+                <a:sym typeface="Euclid Symbol" pitchFamily="18" charset="2"/>
+              </a:rPr>
+              <a:t>∀</a:t>
+            </a:r>
+            <a:r>
+              <a:rPr lang="en-US" sz="2800" dirty="0" err="1" smtClean="0">
+                <a:solidFill>
+                  <a:srgbClr val="660066"/>
+                </a:solidFill>
+                <a:latin typeface="Comic Sans MS" pitchFamily="66" charset="0"/>
+                <a:sym typeface="Symbol" pitchFamily="18" charset="2"/>
+              </a:rPr>
+              <a:t>y</a:t>
+            </a:r>
+            <a:r>
+              <a:rPr lang="en-US" sz="2800" dirty="0" err="1" smtClean="0">
+                <a:solidFill>
+                  <a:srgbClr val="0000FF"/>
+                </a:solidFill>
+                <a:latin typeface="Comic Sans MS" pitchFamily="66" charset="0"/>
+                <a:sym typeface="Symbol" pitchFamily="18" charset="2"/>
+              </a:rPr>
+              <a:t>.P(</a:t>
+            </a:r>
+            <a:r>
+              <a:rPr lang="en-US" sz="2800" dirty="0" err="1" smtClean="0">
+                <a:solidFill>
+                  <a:srgbClr val="660066"/>
+                </a:solidFill>
+                <a:latin typeface="Comic Sans MS" pitchFamily="66" charset="0"/>
+                <a:sym typeface="Symbol" pitchFamily="18" charset="2"/>
+              </a:rPr>
+              <a:t>y</a:t>
+            </a:r>
+            <a:r>
+              <a:rPr lang="en-US" sz="2800" dirty="0">
+                <a:solidFill>
+                  <a:srgbClr val="0000FF"/>
+                </a:solidFill>
+                <a:latin typeface="Comic Sans MS" pitchFamily="66" charset="0"/>
+                <a:sym typeface="Symbol" pitchFamily="18" charset="2"/>
+              </a:rPr>
+              <a:t>)  </a:t>
+            </a:r>
+            <a:r>
+              <a:rPr lang="en-US" sz="2800" dirty="0" smtClean="0">
+                <a:solidFill>
+                  <a:srgbClr val="000066"/>
+                </a:solidFill>
+                <a:latin typeface="Comic Sans MS" pitchFamily="66" charset="0"/>
+              </a:rPr>
+              <a:t>QED</a:t>
+            </a:r>
+            <a:endParaRPr lang="en-US" sz="2800" dirty="0">
+              <a:solidFill>
+                <a:srgbClr val="000066"/>
+              </a:solidFill>
+              <a:latin typeface="Comic Sans MS" pitchFamily="66" charset="0"/>
+            </a:endParaRPr>
+          </a:p>
+        </p:txBody>
+      </p:sp>
+      <p:graphicFrame>
+        <p:nvGraphicFramePr>
+          <p:cNvPr id="56324" name="Object 4"/>
+          <p:cNvGraphicFramePr>
+            <a:graphicFrameLocks noChangeAspect="1"/>
+          </p:cNvGraphicFramePr>
+          <p:nvPr/>
+        </p:nvGraphicFramePr>
+        <p:xfrm>
+          <a:off x="0" y="0"/>
+          <a:ext cx="914400" cy="198438"/>
+        </p:xfrm>
+        <a:graphic>
+          <a:graphicData uri="http://schemas.openxmlformats.org/presentationml/2006/ole">
+            <p:oleObj spid="_x0000_s468994" name="Equation" r:id="rId4" imgW="914400" imgH="198720" progId="Equation.DSMT4">
+              <p:embed/>
+            </p:oleObj>
+          </a:graphicData>
+        </a:graphic>
+      </p:graphicFrame>
+      <p:sp>
+        <p:nvSpPr>
+          <p:cNvPr id="56326" name="Text Box 6"/>
+          <p:cNvSpPr txBox="1">
+            <a:spLocks noChangeArrowheads="1"/>
+          </p:cNvSpPr>
+          <p:nvPr/>
+        </p:nvSpPr>
+        <p:spPr bwMode="auto">
+          <a:xfrm>
+            <a:off x="306870" y="1418414"/>
+            <a:ext cx="8648249" cy="646331"/>
+          </a:xfrm>
+          <a:prstGeom prst="rect">
+            <a:avLst/>
+          </a:prstGeom>
+          <a:noFill/>
+          <a:ln w="9525">
+            <a:noFill/>
+            <a:miter lim="800000"/>
+            <a:headEnd/>
+            <a:tailEnd/>
+          </a:ln>
+          <a:effectLst/>
+        </p:spPr>
+        <p:txBody>
+          <a:bodyPr wrap="square">
+            <a:spAutoFit/>
+          </a:bodyPr>
+          <a:lstStyle/>
+          <a:p>
+            <a:r>
+              <a:rPr lang="en-US" sz="3600" b="1" dirty="0" smtClean="0">
+                <a:solidFill>
+                  <a:srgbClr val="0000FF"/>
+                </a:solidFill>
+                <a:latin typeface="Euclid Symbol" charset="2"/>
+                <a:sym typeface="Euclid Symbol" pitchFamily="18" charset="2"/>
+              </a:rPr>
+              <a:t>∀</a:t>
+            </a:r>
+            <a:r>
+              <a:rPr lang="en-US" sz="3600" dirty="0" err="1" smtClean="0">
+                <a:solidFill>
+                  <a:srgbClr val="008000"/>
+                </a:solidFill>
+                <a:latin typeface="Comic Sans MS" pitchFamily="66" charset="0"/>
+                <a:sym typeface="Symbol" pitchFamily="18" charset="2"/>
+              </a:rPr>
+              <a:t>z</a:t>
+            </a:r>
+            <a:r>
+              <a:rPr lang="en-US" sz="3600" dirty="0">
+                <a:solidFill>
+                  <a:srgbClr val="0000FF"/>
+                </a:solidFill>
+                <a:latin typeface="Comic Sans MS" pitchFamily="66" charset="0"/>
+                <a:sym typeface="Symbol" pitchFamily="18" charset="2"/>
+              </a:rPr>
+              <a:t>[</a:t>
+            </a:r>
+            <a:r>
+              <a:rPr lang="en-US" sz="3600" dirty="0" err="1">
+                <a:solidFill>
+                  <a:srgbClr val="0000FF"/>
+                </a:solidFill>
+                <a:latin typeface="Comic Sans MS" pitchFamily="66" charset="0"/>
+                <a:sym typeface="Symbol" pitchFamily="18" charset="2"/>
+              </a:rPr>
+              <a:t>Q(</a:t>
+            </a:r>
+            <a:r>
+              <a:rPr lang="en-US" sz="3600" dirty="0" err="1">
+                <a:solidFill>
+                  <a:srgbClr val="008000"/>
+                </a:solidFill>
+                <a:latin typeface="Comic Sans MS" pitchFamily="66" charset="0"/>
+                <a:sym typeface="Symbol" pitchFamily="18" charset="2"/>
+              </a:rPr>
+              <a:t>z</a:t>
+            </a:r>
+            <a:r>
+              <a:rPr lang="en-US" sz="3600" dirty="0" err="1" smtClean="0">
+                <a:solidFill>
+                  <a:srgbClr val="0000FF"/>
+                </a:solidFill>
+                <a:latin typeface="Comic Sans MS" pitchFamily="66" charset="0"/>
+                <a:sym typeface="Symbol" pitchFamily="18" charset="2"/>
+              </a:rPr>
+              <a:t>)</a:t>
+            </a:r>
+            <a:r>
+              <a:rPr lang="en-US" sz="3600" b="1" dirty="0" err="1" smtClean="0">
+                <a:latin typeface="Comic Sans MS" pitchFamily="66" charset="0"/>
+                <a:sym typeface="Euclid Symbol" pitchFamily="18" charset="2"/>
+              </a:rPr>
+              <a:t>∧</a:t>
+            </a:r>
+            <a:r>
+              <a:rPr lang="en-US" sz="3600" dirty="0" err="1" smtClean="0">
+                <a:solidFill>
+                  <a:srgbClr val="0000FF"/>
+                </a:solidFill>
+                <a:latin typeface="Comic Sans MS" pitchFamily="66" charset="0"/>
+                <a:sym typeface="Symbol" pitchFamily="18" charset="2"/>
+              </a:rPr>
+              <a:t>P</a:t>
+            </a:r>
+            <a:r>
+              <a:rPr lang="en-US" sz="3600" dirty="0" err="1">
+                <a:solidFill>
+                  <a:srgbClr val="0000FF"/>
+                </a:solidFill>
+                <a:latin typeface="Comic Sans MS" pitchFamily="66" charset="0"/>
+                <a:sym typeface="Symbol" pitchFamily="18" charset="2"/>
+              </a:rPr>
+              <a:t>(</a:t>
+            </a:r>
+            <a:r>
+              <a:rPr lang="en-US" sz="3600" dirty="0" err="1">
+                <a:solidFill>
+                  <a:srgbClr val="008000"/>
+                </a:solidFill>
+                <a:latin typeface="Comic Sans MS" pitchFamily="66" charset="0"/>
+                <a:sym typeface="Symbol" pitchFamily="18" charset="2"/>
+              </a:rPr>
+              <a:t>z</a:t>
+            </a:r>
+            <a:r>
+              <a:rPr lang="en-US" sz="3600" dirty="0">
+                <a:solidFill>
+                  <a:srgbClr val="0000FF"/>
+                </a:solidFill>
+                <a:latin typeface="Comic Sans MS" pitchFamily="66" charset="0"/>
+                <a:sym typeface="Symbol" pitchFamily="18" charset="2"/>
+              </a:rPr>
+              <a:t>)] </a:t>
+            </a:r>
+            <a:r>
+              <a:rPr lang="en-US" sz="3600" dirty="0">
+                <a:solidFill>
+                  <a:srgbClr val="0000FF"/>
+                </a:solidFill>
+                <a:latin typeface="Comic Sans MS" pitchFamily="66" charset="0"/>
+                <a:cs typeface="Times New Roman" pitchFamily="18" charset="0"/>
+                <a:sym typeface="Symbol" pitchFamily="18" charset="2"/>
+              </a:rPr>
+              <a:t>→ </a:t>
+            </a:r>
+            <a:r>
+              <a:rPr lang="en-US" sz="3600" dirty="0" smtClean="0">
+                <a:solidFill>
+                  <a:srgbClr val="0000FF"/>
+                </a:solidFill>
+                <a:latin typeface="Comic Sans MS" pitchFamily="66" charset="0"/>
+                <a:sym typeface="Symbol" pitchFamily="18" charset="2"/>
+              </a:rPr>
+              <a:t>[</a:t>
+            </a:r>
+            <a:r>
+              <a:rPr lang="en-US" sz="3600" b="1" dirty="0" smtClean="0">
+                <a:solidFill>
+                  <a:srgbClr val="0000FF"/>
+                </a:solidFill>
+                <a:latin typeface="Euclid Symbol" charset="2"/>
+                <a:sym typeface="Euclid Symbol" pitchFamily="18" charset="2"/>
+              </a:rPr>
+              <a:t>∀</a:t>
+            </a:r>
+            <a:r>
+              <a:rPr lang="en-US" sz="3600" dirty="0" err="1" smtClean="0">
+                <a:solidFill>
+                  <a:srgbClr val="800000"/>
+                </a:solidFill>
+                <a:latin typeface="Comic Sans MS" pitchFamily="66" charset="0"/>
+                <a:sym typeface="Symbol" pitchFamily="18" charset="2"/>
+              </a:rPr>
+              <a:t>x</a:t>
+            </a:r>
+            <a:r>
+              <a:rPr lang="en-US" sz="3600" dirty="0" err="1" smtClean="0">
+                <a:solidFill>
+                  <a:srgbClr val="0000FF"/>
+                </a:solidFill>
+                <a:latin typeface="Comic Sans MS" pitchFamily="66" charset="0"/>
+                <a:sym typeface="Symbol" pitchFamily="18" charset="2"/>
+              </a:rPr>
+              <a:t>.Q(</a:t>
+            </a:r>
+            <a:r>
+              <a:rPr lang="en-US" sz="3600" dirty="0" err="1" smtClean="0">
+                <a:solidFill>
+                  <a:srgbClr val="800000"/>
+                </a:solidFill>
+                <a:latin typeface="Comic Sans MS" pitchFamily="66" charset="0"/>
+                <a:sym typeface="Symbol" pitchFamily="18" charset="2"/>
+              </a:rPr>
+              <a:t>x</a:t>
+            </a:r>
+            <a:r>
+              <a:rPr lang="en-US" sz="3600" dirty="0">
+                <a:solidFill>
+                  <a:srgbClr val="0000FF"/>
+                </a:solidFill>
+                <a:latin typeface="Comic Sans MS" pitchFamily="66" charset="0"/>
+                <a:sym typeface="Symbol" pitchFamily="18" charset="2"/>
+              </a:rPr>
+              <a:t>)</a:t>
+            </a:r>
+            <a:r>
+              <a:rPr lang="en-US" sz="3600" b="1" dirty="0" smtClean="0">
+                <a:solidFill>
+                  <a:srgbClr val="000000"/>
+                </a:solidFill>
+                <a:latin typeface="Comic Sans MS" pitchFamily="66" charset="0"/>
+                <a:sym typeface="Euclid Symbol" pitchFamily="18" charset="2"/>
+              </a:rPr>
+              <a:t>∧</a:t>
+            </a:r>
+            <a:r>
+              <a:rPr lang="en-US" sz="3600" b="1" dirty="0" smtClean="0">
+                <a:solidFill>
+                  <a:srgbClr val="0000FF"/>
+                </a:solidFill>
+                <a:latin typeface="Euclid Symbol" charset="2"/>
+                <a:sym typeface="Euclid Symbol" pitchFamily="18" charset="2"/>
+              </a:rPr>
+              <a:t>∀</a:t>
+            </a:r>
+            <a:r>
+              <a:rPr lang="en-US" sz="3600" dirty="0" err="1" smtClean="0">
+                <a:solidFill>
+                  <a:srgbClr val="800000"/>
+                </a:solidFill>
+                <a:latin typeface="Comic Sans MS" pitchFamily="66" charset="0"/>
+                <a:sym typeface="Symbol" pitchFamily="18" charset="2"/>
+              </a:rPr>
+              <a:t>y</a:t>
+            </a:r>
+            <a:r>
+              <a:rPr lang="en-US" sz="3600" dirty="0" err="1" smtClean="0">
+                <a:solidFill>
+                  <a:srgbClr val="0000FF"/>
+                </a:solidFill>
+                <a:latin typeface="Comic Sans MS" pitchFamily="66" charset="0"/>
+                <a:sym typeface="Symbol" pitchFamily="18" charset="2"/>
+              </a:rPr>
+              <a:t>.P(</a:t>
+            </a:r>
+            <a:r>
+              <a:rPr lang="en-US" sz="3600" dirty="0" err="1" smtClean="0">
+                <a:solidFill>
+                  <a:srgbClr val="800000"/>
+                </a:solidFill>
+                <a:latin typeface="Comic Sans MS" pitchFamily="66" charset="0"/>
+                <a:sym typeface="Symbol" pitchFamily="18" charset="2"/>
+              </a:rPr>
+              <a:t>y</a:t>
+            </a:r>
+            <a:r>
+              <a:rPr lang="en-US" sz="3600" dirty="0">
+                <a:solidFill>
+                  <a:srgbClr val="0000FF"/>
+                </a:solidFill>
+                <a:latin typeface="Comic Sans MS" pitchFamily="66" charset="0"/>
+                <a:sym typeface="Symbol" pitchFamily="18" charset="2"/>
+              </a:rPr>
+              <a:t>)]</a:t>
+            </a:r>
+          </a:p>
+        </p:txBody>
+      </p:sp>
+      <p:sp>
+        <p:nvSpPr>
+          <p:cNvPr id="56327" name="Text Box 7"/>
+          <p:cNvSpPr txBox="1">
+            <a:spLocks noChangeArrowheads="1"/>
+          </p:cNvSpPr>
+          <p:nvPr/>
+        </p:nvSpPr>
+        <p:spPr bwMode="auto">
+          <a:xfrm>
+            <a:off x="5213813" y="4625364"/>
+            <a:ext cx="1648208" cy="584775"/>
+          </a:xfrm>
+          <a:prstGeom prst="rect">
+            <a:avLst/>
+          </a:prstGeom>
+          <a:noFill/>
+          <a:ln w="9525">
+            <a:noFill/>
+            <a:miter lim="800000"/>
+            <a:headEnd/>
+            <a:tailEnd/>
+          </a:ln>
+          <a:effectLst/>
+        </p:spPr>
+        <p:txBody>
+          <a:bodyPr wrap="none">
+            <a:spAutoFit/>
+          </a:bodyPr>
+          <a:lstStyle/>
+          <a:p>
+            <a:r>
+              <a:rPr lang="en-US" sz="3200" dirty="0" smtClean="0">
+                <a:latin typeface="Comic Sans MS" pitchFamily="66" charset="0"/>
+              </a:rPr>
+              <a:t>(</a:t>
+            </a:r>
+            <a:r>
+              <a:rPr lang="en-US" sz="3200" dirty="0" smtClean="0">
+                <a:solidFill>
+                  <a:srgbClr val="008000"/>
+                </a:solidFill>
+                <a:latin typeface="Comic Sans MS" pitchFamily="66" charset="0"/>
+              </a:rPr>
+              <a:t>by </a:t>
+            </a:r>
+            <a:r>
+              <a:rPr lang="en-US" sz="3200" b="1" dirty="0" smtClean="0">
+                <a:solidFill>
+                  <a:srgbClr val="008000"/>
+                </a:solidFill>
+                <a:latin typeface="Comic Sans MS" pitchFamily="66" charset="0"/>
+              </a:rPr>
+              <a:t>UG</a:t>
+            </a:r>
+            <a:r>
+              <a:rPr lang="en-US" sz="3200" dirty="0">
+                <a:solidFill>
+                  <a:srgbClr val="000066"/>
+                </a:solidFill>
+                <a:latin typeface="Comic Sans MS" pitchFamily="66" charset="0"/>
+              </a:rPr>
+              <a:t>)</a:t>
+            </a:r>
+          </a:p>
+        </p:txBody>
+      </p:sp>
+      <p:sp>
+        <p:nvSpPr>
+          <p:cNvPr id="8" name="Rectangle 13"/>
+          <p:cNvSpPr>
+            <a:spLocks noChangeArrowheads="1"/>
+          </p:cNvSpPr>
+          <p:nvPr/>
+        </p:nvSpPr>
+        <p:spPr bwMode="auto">
+          <a:xfrm>
+            <a:off x="2554968" y="417967"/>
+            <a:ext cx="4020652" cy="707886"/>
+          </a:xfrm>
+          <a:prstGeom prst="rect">
+            <a:avLst/>
+          </a:prstGeom>
+          <a:noFill/>
+          <a:ln w="9525">
+            <a:noFill/>
+            <a:miter lim="800000"/>
+            <a:headEnd/>
+            <a:tailEnd/>
+          </a:ln>
+          <a:effectLst/>
+        </p:spPr>
+        <p:txBody>
+          <a:bodyPr wrap="none">
+            <a:spAutoFit/>
+          </a:bodyPr>
+          <a:lstStyle/>
+          <a:p>
+            <a:r>
+              <a:rPr lang="en-US" sz="4000" b="1" dirty="0" smtClean="0">
+                <a:latin typeface="Comic Sans MS" pitchFamily="66" charset="0"/>
+              </a:rPr>
+              <a:t>Proving Validity</a:t>
+            </a:r>
+            <a:endParaRPr lang="en-US" sz="4000" b="1" dirty="0">
+              <a:latin typeface="Comic Sans MS" pitchFamily="66" charset="0"/>
+            </a:endParaRPr>
+          </a:p>
+        </p:txBody>
+      </p:sp>
+    </p:spTree>
+  </p:cSld>
+  <p:clrMapOvr>
+    <a:masterClrMapping/>
+  </p:clrMapOvr>
+  <p:transition/>
+  <p:timing>
+    <p:tnLst>
+      <p:par>
+        <p:cTn id="1" dur="indefinite" restart="never" nodeType="tmRoot">
+          <p:childTnLst>
+            <p:seq concurrent="1" nextAc="seek">
+              <p:cTn id="2" dur="indefinite" nodeType="mainSeq">
+                <p:childTnLst>
+                  <p:par>
+                    <p:cTn id="3" fill="hold">
+                      <p:stCondLst>
+                        <p:cond delay="indefinite"/>
+                      </p:stCondLst>
+                      <p:childTnLst>
+                        <p:par>
+                          <p:cTn id="4" fill="hold">
+                            <p:stCondLst>
+                              <p:cond delay="0"/>
+                            </p:stCondLst>
+                            <p:childTnLst>
+                              <p:par>
+                                <p:cTn id="5" presetID="9" presetClass="entr" presetSubtype="0" fill="hold" nodeType="clickEffect">
+                                  <p:stCondLst>
+                                    <p:cond delay="0"/>
+                                  </p:stCondLst>
+                                  <p:childTnLst>
+                                    <p:set>
+                                      <p:cBhvr>
+                                        <p:cTn id="6" dur="1" fill="hold">
+                                          <p:stCondLst>
+                                            <p:cond delay="0"/>
+                                          </p:stCondLst>
+                                        </p:cTn>
+                                        <p:tgtEl>
+                                          <p:spTgt spid="56325">
+                                            <p:txEl>
+                                              <p:pRg st="1" end="1"/>
+                                            </p:txEl>
+                                          </p:spTgt>
+                                        </p:tgtEl>
+                                        <p:attrNameLst>
+                                          <p:attrName>style.visibility</p:attrName>
+                                        </p:attrNameLst>
+                                      </p:cBhvr>
+                                      <p:to>
+                                        <p:strVal val="visible"/>
+                                      </p:to>
+                                    </p:set>
+                                    <p:animEffect transition="in" filter="dissolve">
+                                      <p:cBhvr>
+                                        <p:cTn id="7" dur="500"/>
+                                        <p:tgtEl>
+                                          <p:spTgt spid="56325">
+                                            <p:txEl>
+                                              <p:pRg st="1" end="1"/>
+                                            </p:txEl>
+                                          </p:spTgt>
+                                        </p:tgtEl>
+                                      </p:cBhvr>
+                                    </p:animEffect>
+                                  </p:childTnLst>
+                                </p:cTn>
+                              </p:par>
+                            </p:childTnLst>
+                          </p:cTn>
+                        </p:par>
+                      </p:childTnLst>
+                    </p:cTn>
+                  </p:par>
+                  <p:par>
+                    <p:cTn id="8" fill="hold">
+                      <p:stCondLst>
+                        <p:cond delay="indefinite"/>
+                      </p:stCondLst>
+                      <p:childTnLst>
+                        <p:par>
+                          <p:cTn id="9" fill="hold">
+                            <p:stCondLst>
+                              <p:cond delay="0"/>
+                            </p:stCondLst>
+                            <p:childTnLst>
+                              <p:par>
+                                <p:cTn id="10" presetID="9" presetClass="entr" presetSubtype="0" fill="hold" nodeType="clickEffect">
+                                  <p:stCondLst>
+                                    <p:cond delay="0"/>
+                                  </p:stCondLst>
+                                  <p:childTnLst>
+                                    <p:set>
+                                      <p:cBhvr>
+                                        <p:cTn id="11" dur="1" fill="hold">
+                                          <p:stCondLst>
+                                            <p:cond delay="0"/>
+                                          </p:stCondLst>
+                                        </p:cTn>
+                                        <p:tgtEl>
+                                          <p:spTgt spid="56325">
+                                            <p:txEl>
+                                              <p:pRg st="2" end="2"/>
+                                            </p:txEl>
+                                          </p:spTgt>
+                                        </p:tgtEl>
+                                        <p:attrNameLst>
+                                          <p:attrName>style.visibility</p:attrName>
+                                        </p:attrNameLst>
+                                      </p:cBhvr>
+                                      <p:to>
+                                        <p:strVal val="visible"/>
+                                      </p:to>
+                                    </p:set>
+                                    <p:animEffect transition="in" filter="dissolve">
+                                      <p:cBhvr>
+                                        <p:cTn id="12" dur="500"/>
+                                        <p:tgtEl>
+                                          <p:spTgt spid="56325">
+                                            <p:txEl>
+                                              <p:pRg st="2" end="2"/>
+                                            </p:txEl>
+                                          </p:spTgt>
+                                        </p:tgtEl>
+                                      </p:cBhvr>
+                                    </p:animEffect>
+                                  </p:childTnLst>
+                                </p:cTn>
+                              </p:par>
+                            </p:childTnLst>
+                          </p:cTn>
+                        </p:par>
+                      </p:childTnLst>
+                    </p:cTn>
+                  </p:par>
+                  <p:par>
+                    <p:cTn id="13" fill="hold">
+                      <p:stCondLst>
+                        <p:cond delay="indefinite"/>
+                      </p:stCondLst>
+                      <p:childTnLst>
+                        <p:par>
+                          <p:cTn id="14" fill="hold">
+                            <p:stCondLst>
+                              <p:cond delay="0"/>
+                            </p:stCondLst>
+                            <p:childTnLst>
+                              <p:par>
+                                <p:cTn id="15" presetID="9" presetClass="entr" presetSubtype="0" fill="hold" nodeType="clickEffect">
+                                  <p:stCondLst>
+                                    <p:cond delay="0"/>
+                                  </p:stCondLst>
+                                  <p:childTnLst>
+                                    <p:set>
+                                      <p:cBhvr>
+                                        <p:cTn id="16" dur="1" fill="hold">
+                                          <p:stCondLst>
+                                            <p:cond delay="0"/>
+                                          </p:stCondLst>
+                                        </p:cTn>
+                                        <p:tgtEl>
+                                          <p:spTgt spid="56325">
+                                            <p:txEl>
+                                              <p:pRg st="3" end="3"/>
+                                            </p:txEl>
+                                          </p:spTgt>
+                                        </p:tgtEl>
+                                        <p:attrNameLst>
+                                          <p:attrName>style.visibility</p:attrName>
+                                        </p:attrNameLst>
+                                      </p:cBhvr>
+                                      <p:to>
+                                        <p:strVal val="visible"/>
+                                      </p:to>
+                                    </p:set>
+                                    <p:animEffect transition="in" filter="dissolve">
+                                      <p:cBhvr>
+                                        <p:cTn id="17" dur="500"/>
+                                        <p:tgtEl>
+                                          <p:spTgt spid="56325">
+                                            <p:txEl>
+                                              <p:pRg st="3" end="3"/>
+                                            </p:txEl>
+                                          </p:spTgt>
+                                        </p:tgtEl>
+                                      </p:cBhvr>
+                                    </p:animEffect>
+                                  </p:childTnLst>
+                                </p:cTn>
+                              </p:par>
+                            </p:childTnLst>
+                          </p:cTn>
+                        </p:par>
+                      </p:childTnLst>
+                    </p:cTn>
+                  </p:par>
+                  <p:par>
+                    <p:cTn id="18" fill="hold">
+                      <p:stCondLst>
+                        <p:cond delay="indefinite"/>
+                      </p:stCondLst>
+                      <p:childTnLst>
+                        <p:par>
+                          <p:cTn id="19" fill="hold">
+                            <p:stCondLst>
+                              <p:cond delay="0"/>
+                            </p:stCondLst>
+                            <p:childTnLst>
+                              <p:par>
+                                <p:cTn id="20" presetID="9" presetClass="entr" presetSubtype="0" fill="hold" nodeType="clickEffect">
+                                  <p:stCondLst>
+                                    <p:cond delay="0"/>
+                                  </p:stCondLst>
+                                  <p:childTnLst>
+                                    <p:set>
+                                      <p:cBhvr>
+                                        <p:cTn id="21" dur="1" fill="hold">
+                                          <p:stCondLst>
+                                            <p:cond delay="0"/>
+                                          </p:stCondLst>
+                                        </p:cTn>
+                                        <p:tgtEl>
+                                          <p:spTgt spid="56325">
+                                            <p:txEl>
+                                              <p:pRg st="4" end="4"/>
+                                            </p:txEl>
+                                          </p:spTgt>
+                                        </p:tgtEl>
+                                        <p:attrNameLst>
+                                          <p:attrName>style.visibility</p:attrName>
+                                        </p:attrNameLst>
+                                      </p:cBhvr>
+                                      <p:to>
+                                        <p:strVal val="visible"/>
+                                      </p:to>
+                                    </p:set>
+                                    <p:animEffect transition="in" filter="dissolve">
+                                      <p:cBhvr>
+                                        <p:cTn id="22" dur="500"/>
+                                        <p:tgtEl>
+                                          <p:spTgt spid="56325">
+                                            <p:txEl>
+                                              <p:pRg st="4" end="4"/>
+                                            </p:txEl>
+                                          </p:spTgt>
+                                        </p:tgtEl>
+                                      </p:cBhvr>
+                                    </p:animEffect>
+                                  </p:childTnLst>
+                                </p:cTn>
+                              </p:par>
+                            </p:childTnLst>
+                          </p:cTn>
+                        </p:par>
+                      </p:childTnLst>
+                    </p:cTn>
+                  </p:par>
+                  <p:par>
+                    <p:cTn id="23" fill="hold">
+                      <p:stCondLst>
+                        <p:cond delay="indefinite"/>
+                      </p:stCondLst>
+                      <p:childTnLst>
+                        <p:par>
+                          <p:cTn id="24" fill="hold">
+                            <p:stCondLst>
+                              <p:cond delay="0"/>
+                            </p:stCondLst>
+                            <p:childTnLst>
+                              <p:par>
+                                <p:cTn id="25" presetID="9" presetClass="entr" presetSubtype="0" fill="hold" nodeType="clickEffect">
+                                  <p:stCondLst>
+                                    <p:cond delay="0"/>
+                                  </p:stCondLst>
+                                  <p:childTnLst>
+                                    <p:set>
+                                      <p:cBhvr>
+                                        <p:cTn id="26" dur="1" fill="hold">
+                                          <p:stCondLst>
+                                            <p:cond delay="0"/>
+                                          </p:stCondLst>
+                                        </p:cTn>
+                                        <p:tgtEl>
+                                          <p:spTgt spid="56325">
+                                            <p:txEl>
+                                              <p:pRg st="5" end="5"/>
+                                            </p:txEl>
+                                          </p:spTgt>
+                                        </p:tgtEl>
+                                        <p:attrNameLst>
+                                          <p:attrName>style.visibility</p:attrName>
+                                        </p:attrNameLst>
+                                      </p:cBhvr>
+                                      <p:to>
+                                        <p:strVal val="visible"/>
+                                      </p:to>
+                                    </p:set>
+                                    <p:animEffect transition="in" filter="dissolve">
+                                      <p:cBhvr>
+                                        <p:cTn id="27" dur="500"/>
+                                        <p:tgtEl>
+                                          <p:spTgt spid="56325">
+                                            <p:txEl>
+                                              <p:pRg st="5" end="5"/>
+                                            </p:txEl>
+                                          </p:spTgt>
+                                        </p:tgtEl>
+                                      </p:cBhvr>
+                                    </p:animEffect>
+                                  </p:childTnLst>
+                                </p:cTn>
+                              </p:par>
+                            </p:childTnLst>
+                          </p:cTn>
+                        </p:par>
+                      </p:childTnLst>
+                    </p:cTn>
+                  </p:par>
+                  <p:par>
+                    <p:cTn id="28" fill="hold">
+                      <p:stCondLst>
+                        <p:cond delay="indefinite"/>
+                      </p:stCondLst>
+                      <p:childTnLst>
+                        <p:par>
+                          <p:cTn id="29" fill="hold">
+                            <p:stCondLst>
+                              <p:cond delay="0"/>
+                            </p:stCondLst>
+                            <p:childTnLst>
+                              <p:par>
+                                <p:cTn id="30" presetID="9" presetClass="entr" presetSubtype="0" fill="hold" nodeType="clickEffect">
+                                  <p:stCondLst>
+                                    <p:cond delay="0"/>
+                                  </p:stCondLst>
+                                  <p:childTnLst>
+                                    <p:set>
+                                      <p:cBhvr>
+                                        <p:cTn id="31" dur="1" fill="hold">
+                                          <p:stCondLst>
+                                            <p:cond delay="0"/>
+                                          </p:stCondLst>
+                                        </p:cTn>
+                                        <p:tgtEl>
+                                          <p:spTgt spid="56325">
+                                            <p:txEl>
+                                              <p:pRg st="6" end="6"/>
+                                            </p:txEl>
+                                          </p:spTgt>
+                                        </p:tgtEl>
+                                        <p:attrNameLst>
+                                          <p:attrName>style.visibility</p:attrName>
+                                        </p:attrNameLst>
+                                      </p:cBhvr>
+                                      <p:to>
+                                        <p:strVal val="visible"/>
+                                      </p:to>
+                                    </p:set>
+                                    <p:animEffect transition="in" filter="dissolve">
+                                      <p:cBhvr>
+                                        <p:cTn id="32" dur="500"/>
+                                        <p:tgtEl>
+                                          <p:spTgt spid="56325">
+                                            <p:txEl>
+                                              <p:pRg st="6" end="6"/>
+                                            </p:txEl>
+                                          </p:spTgt>
+                                        </p:tgtEl>
+                                      </p:cBhvr>
+                                    </p:animEffect>
+                                  </p:childTnLst>
+                                </p:cTn>
+                              </p:par>
+                              <p:par>
+                                <p:cTn id="33" presetID="9" presetClass="entr" presetSubtype="0" fill="hold" nodeType="withEffect">
+                                  <p:stCondLst>
+                                    <p:cond delay="0"/>
+                                  </p:stCondLst>
+                                  <p:childTnLst>
+                                    <p:set>
+                                      <p:cBhvr>
+                                        <p:cTn id="34" dur="1" fill="hold">
+                                          <p:stCondLst>
+                                            <p:cond delay="0"/>
+                                          </p:stCondLst>
+                                        </p:cTn>
+                                        <p:tgtEl>
+                                          <p:spTgt spid="56325">
+                                            <p:txEl>
+                                              <p:pRg st="7" end="7"/>
+                                            </p:txEl>
+                                          </p:spTgt>
+                                        </p:tgtEl>
+                                        <p:attrNameLst>
+                                          <p:attrName>style.visibility</p:attrName>
+                                        </p:attrNameLst>
+                                      </p:cBhvr>
+                                      <p:to>
+                                        <p:strVal val="visible"/>
+                                      </p:to>
+                                    </p:set>
+                                    <p:animEffect transition="in" filter="dissolve">
+                                      <p:cBhvr>
+                                        <p:cTn id="35" dur="500"/>
+                                        <p:tgtEl>
+                                          <p:spTgt spid="56325">
+                                            <p:txEl>
+                                              <p:pRg st="7" end="7"/>
+                                            </p:txEl>
+                                          </p:spTgt>
+                                        </p:tgtEl>
+                                      </p:cBhvr>
+                                    </p:animEffect>
+                                  </p:childTnLst>
+                                </p:cTn>
+                              </p:par>
+                            </p:childTnLst>
+                          </p:cTn>
+                        </p:par>
+                      </p:childTnLst>
+                    </p:cTn>
+                  </p:par>
+                  <p:par>
+                    <p:cTn id="36" fill="hold">
+                      <p:stCondLst>
+                        <p:cond delay="indefinite"/>
+                      </p:stCondLst>
+                      <p:childTnLst>
+                        <p:par>
+                          <p:cTn id="37" fill="hold">
+                            <p:stCondLst>
+                              <p:cond delay="0"/>
+                            </p:stCondLst>
+                            <p:childTnLst>
+                              <p:par>
+                                <p:cTn id="38" presetID="15" presetClass="entr" presetSubtype="0" fill="hold" grpId="0" nodeType="clickEffect">
+                                  <p:stCondLst>
+                                    <p:cond delay="0"/>
+                                  </p:stCondLst>
+                                  <p:childTnLst>
+                                    <p:set>
+                                      <p:cBhvr>
+                                        <p:cTn id="39" dur="1" fill="hold">
+                                          <p:stCondLst>
+                                            <p:cond delay="0"/>
+                                          </p:stCondLst>
+                                        </p:cTn>
+                                        <p:tgtEl>
+                                          <p:spTgt spid="56327"/>
+                                        </p:tgtEl>
+                                        <p:attrNameLst>
+                                          <p:attrName>style.visibility</p:attrName>
+                                        </p:attrNameLst>
+                                      </p:cBhvr>
+                                      <p:to>
+                                        <p:strVal val="visible"/>
+                                      </p:to>
+                                    </p:set>
+                                    <p:anim calcmode="lin" valueType="num">
+                                      <p:cBhvr>
+                                        <p:cTn id="40" dur="1000" fill="hold"/>
+                                        <p:tgtEl>
+                                          <p:spTgt spid="56327"/>
+                                        </p:tgtEl>
+                                        <p:attrNameLst>
+                                          <p:attrName>ppt_w</p:attrName>
+                                        </p:attrNameLst>
+                                      </p:cBhvr>
+                                      <p:tavLst>
+                                        <p:tav tm="0">
+                                          <p:val>
+                                            <p:fltVal val="0"/>
+                                          </p:val>
+                                        </p:tav>
+                                        <p:tav tm="100000">
+                                          <p:val>
+                                            <p:strVal val="#ppt_w"/>
+                                          </p:val>
+                                        </p:tav>
+                                      </p:tavLst>
+                                    </p:anim>
+                                    <p:anim calcmode="lin" valueType="num">
+                                      <p:cBhvr>
+                                        <p:cTn id="41" dur="1000" fill="hold"/>
+                                        <p:tgtEl>
+                                          <p:spTgt spid="56327"/>
+                                        </p:tgtEl>
+                                        <p:attrNameLst>
+                                          <p:attrName>ppt_h</p:attrName>
+                                        </p:attrNameLst>
+                                      </p:cBhvr>
+                                      <p:tavLst>
+                                        <p:tav tm="0">
+                                          <p:val>
+                                            <p:fltVal val="0"/>
+                                          </p:val>
+                                        </p:tav>
+                                        <p:tav tm="100000">
+                                          <p:val>
+                                            <p:strVal val="#ppt_h"/>
+                                          </p:val>
+                                        </p:tav>
+                                      </p:tavLst>
+                                    </p:anim>
+                                    <p:anim calcmode="lin" valueType="num">
+                                      <p:cBhvr>
+                                        <p:cTn id="42" dur="1000" fill="hold"/>
+                                        <p:tgtEl>
+                                          <p:spTgt spid="56327"/>
+                                        </p:tgtEl>
+                                        <p:attrNameLst>
+                                          <p:attrName>ppt_x</p:attrName>
+                                        </p:attrNameLst>
+                                      </p:cBhvr>
+                                      <p:tavLst>
+                                        <p:tav tm="0" fmla="#ppt_x+(cos(-2*pi*(1-$))*-#ppt_x-sin(-2*pi*(1-$))*(1-#ppt_y))*(1-$)">
+                                          <p:val>
+                                            <p:fltVal val="0"/>
+                                          </p:val>
+                                        </p:tav>
+                                        <p:tav tm="100000">
+                                          <p:val>
+                                            <p:fltVal val="1"/>
+                                          </p:val>
+                                        </p:tav>
+                                      </p:tavLst>
+                                    </p:anim>
+                                    <p:anim calcmode="lin" valueType="num">
+                                      <p:cBhvr>
+                                        <p:cTn id="43" dur="1000" fill="hold"/>
+                                        <p:tgtEl>
+                                          <p:spTgt spid="56327"/>
+                                        </p:tgtEl>
+                                        <p:attrNameLst>
+                                          <p:attrName>ppt_y</p:attrName>
+                                        </p:attrNameLst>
+                                      </p:cBhvr>
+                                      <p:tavLst>
+                                        <p:tav tm="0" fmla="#ppt_y+(sin(-2*pi*(1-$))*-#ppt_x+cos(-2*pi*(1-$))*(1-#ppt_y))*(1-$)">
+                                          <p:val>
+                                            <p:fltVal val="0"/>
+                                          </p:val>
+                                        </p:tav>
+                                        <p:tav tm="100000">
+                                          <p:val>
+                                            <p:fltVal val="1"/>
+                                          </p:val>
+                                        </p:tav>
+                                      </p:tavLst>
+                                    </p:anim>
+                                  </p:childTnLst>
+                                </p:cTn>
+                              </p:par>
+                            </p:childTnLst>
+                          </p:cTn>
+                        </p:par>
+                      </p:childTnLst>
+                    </p:cTn>
+                  </p:par>
+                </p:childTnLst>
+              </p:cTn>
+              <p:prevCondLst>
+                <p:cond evt="onPrev" delay="0">
+                  <p:tgtEl>
+                    <p:sldTgt/>
+                  </p:tgtEl>
+                </p:cond>
+              </p:prevCondLst>
+              <p:nextCondLst>
+                <p:cond evt="onNext" delay="0">
+                  <p:tgtEl>
+                    <p:sldTgt/>
+                  </p:tgtEl>
+                </p:cond>
+              </p:nextCondLst>
+            </p:seq>
+          </p:childTnLst>
+        </p:cTn>
+      </p:par>
+    </p:tnLst>
+    <p:bldLst>
+      <p:bldP spid="56327" grpId="0"/>
+    </p:bldLst>
+  </p:timing>
+</p:sld>
+</file>
+
+<file path=ppt/slides/slide27.xml><?xml version="1.0" encoding="utf-8"?>
+<p:sld xmlns:a="http://schemas.openxmlformats.org/drawingml/2006/main" xmlns:r="http://schemas.openxmlformats.org/officeDocument/2006/relationships" xmlns:mc="http://schemas.openxmlformats.org/markup-compatibility/2006" xmlns:mv="urn:schemas-microsoft-com:mac:vml" xmlns:p="http://schemas.openxmlformats.org/presentationml/2006/main" mc:Ignorable="mv" mc:PreserveAttributes="mv:*">
   <p:cSld>
     <p:spTree>
       <p:nvGrpSpPr>
@@ -14329,28 +16758,29 @@
                 <a:latin typeface="Comic Sans MS" pitchFamily="66" charset="0"/>
                 <a:sym typeface="Symbol" pitchFamily="18" charset="2"/>
               </a:rPr>
-              <a:t>{</a:t>
-            </a:r>
-            <a:r>
-              <a:rPr lang="en-US" sz="4000" dirty="0">
-                <a:latin typeface="Comic Sans MS" pitchFamily="66" charset="0"/>
+              <a:t>{1, </a:t>
+            </a:r>
+            <a:r>
+              <a:rPr lang="en-US" sz="4000" dirty="0" smtClean="0">
+                <a:latin typeface="Comic Sans MS"/>
+                <a:cs typeface="Comic Sans MS"/>
                 <a:sym typeface="Symbol" pitchFamily="18" charset="2"/>
               </a:rPr>
-              <a:t>e, </a:t>
-            </a:r>
-            <a:r>
-              <a:rPr lang="en-US" sz="4000" b="1" dirty="0" smtClean="0">
-                <a:latin typeface="Euclid Symbol" charset="2"/>
+              <a:t>2</a:t>
+            </a:r>
+            <a:r>
+              <a:rPr lang="en-US" sz="4000" dirty="0" smtClean="0">
+                <a:latin typeface="Comic Sans MS" pitchFamily="66" charset="0"/>
                 <a:sym typeface="Symbol" pitchFamily="18" charset="2"/>
               </a:rPr>
-              <a:t>¼</a:t>
+              <a:t>}</a:t>
             </a:r>
             <a:r>
               <a:rPr lang="en-US" sz="4000" dirty="0" smtClean="0">
                 <a:latin typeface="Comic Sans MS" pitchFamily="66" charset="0"/>
                 <a:sym typeface="Symbol" pitchFamily="18" charset="2"/>
               </a:rPr>
-              <a:t>},</a:t>
+              <a:t>,</a:t>
             </a:r>
           </a:p>
           <a:p>
@@ -14371,7 +16801,7 @@
             <a:r>
               <a:rPr lang="en-US" sz="3600" dirty="0" err="1" smtClean="0">
                 <a:solidFill>
-                  <a:srgbClr val="0000FF"/>
+                  <a:srgbClr val="008000"/>
                 </a:solidFill>
                 <a:latin typeface="Comic Sans MS" pitchFamily="66" charset="0"/>
                 <a:sym typeface="Symbol" pitchFamily="18" charset="2"/>
@@ -14402,31 +16832,48 @@
             <a:r>
               <a:rPr lang="en-US" sz="3600" dirty="0">
                 <a:solidFill>
+                  <a:srgbClr val="008000"/>
+                </a:solidFill>
+                <a:latin typeface="Comic Sans MS" pitchFamily="66" charset="0"/>
+                <a:sym typeface="Symbol" pitchFamily="18" charset="2"/>
+              </a:rPr>
+              <a:t>z</a:t>
+            </a:r>
+            <a:r>
+              <a:rPr lang="en-US" sz="3600" dirty="0">
+                <a:solidFill>
                   <a:srgbClr val="0000FF"/>
                 </a:solidFill>
                 <a:latin typeface="Comic Sans MS" pitchFamily="66" charset="0"/>
                 <a:sym typeface="Symbol" pitchFamily="18" charset="2"/>
               </a:rPr>
-              <a:t>z </a:t>
+              <a:t> </a:t>
             </a:r>
             <a:r>
               <a:rPr lang="en-US" sz="3600" dirty="0">
                 <a:latin typeface="Comic Sans MS" pitchFamily="66" charset="0"/>
                 <a:sym typeface="Symbol" pitchFamily="18" charset="2"/>
               </a:rPr>
-              <a:t>= e</a:t>
+              <a:t>=</a:t>
             </a:r>
             <a:r>
               <a:rPr lang="en-US" sz="3600" dirty="0" smtClean="0">
                 <a:latin typeface="Comic Sans MS" pitchFamily="66" charset="0"/>
                 <a:sym typeface="Symbol" pitchFamily="18" charset="2"/>
               </a:rPr>
-              <a:t>],  P(</a:t>
+              <a:t> 1]</a:t>
             </a:r>
             <a:r>
               <a:rPr lang="en-US" sz="3600" dirty="0" smtClean="0">
-                <a:solidFill>
-                  <a:srgbClr val="0000FF"/>
+                <a:latin typeface="Comic Sans MS" pitchFamily="66" charset="0"/>
+                <a:sym typeface="Symbol" pitchFamily="18" charset="2"/>
+              </a:rPr>
+              <a:t>,  P(</a:t>
+            </a:r>
+            <a:r>
+              <a:rPr lang="en-US" sz="3600" dirty="0" smtClean="0">
+                <a:solidFill>
+                  <a:srgbClr val="008000"/>
                 </a:solidFill>
                 <a:latin typeface="Comic Sans MS" pitchFamily="66" charset="0"/>
                 <a:sym typeface="Symbol" pitchFamily="18" charset="2"/>
@@ -14457,33 +16904,58 @@
             <a:r>
               <a:rPr lang="en-US" sz="3600" dirty="0">
                 <a:solidFill>
+                  <a:srgbClr val="008000"/>
+                </a:solidFill>
+                <a:latin typeface="Comic Sans MS" pitchFamily="66" charset="0"/>
+                <a:sym typeface="Symbol" pitchFamily="18" charset="2"/>
+              </a:rPr>
+              <a:t>z</a:t>
+            </a:r>
+            <a:r>
+              <a:rPr lang="en-US" sz="3600" dirty="0">
+                <a:solidFill>
                   <a:srgbClr val="0000FF"/>
                 </a:solidFill>
                 <a:latin typeface="Comic Sans MS" pitchFamily="66" charset="0"/>
                 <a:sym typeface="Symbol" pitchFamily="18" charset="2"/>
               </a:rPr>
-              <a:t>z </a:t>
+              <a:t> </a:t>
             </a:r>
             <a:r>
               <a:rPr lang="en-US" sz="3600" dirty="0">
                 <a:latin typeface="Comic Sans MS" pitchFamily="66" charset="0"/>
                 <a:sym typeface="Symbol" pitchFamily="18" charset="2"/>
               </a:rPr>
-              <a:t>= </a:t>
-            </a:r>
-            <a:r>
-              <a:rPr lang="en-US" sz="3600" b="1" dirty="0" smtClean="0">
-                <a:latin typeface="Euclid Symbol" charset="2"/>
+              <a:t>=</a:t>
+            </a:r>
+            <a:r>
+              <a:rPr lang="en-US" sz="3600" dirty="0" smtClean="0">
+                <a:latin typeface="Comic Sans MS" pitchFamily="66" charset="0"/>
                 <a:sym typeface="Symbol" pitchFamily="18" charset="2"/>
               </a:rPr>
-              <a:t>¼</a:t>
+              <a:t> </a:t>
             </a:r>
             <a:r>
               <a:rPr lang="en-US" sz="3600" dirty="0" smtClean="0">
-                <a:latin typeface="Comic Sans MS" pitchFamily="66" charset="0"/>
+                <a:latin typeface="Comic Sans MS"/>
+                <a:cs typeface="Comic Sans MS"/>
                 <a:sym typeface="Symbol" pitchFamily="18" charset="2"/>
               </a:rPr>
-              <a:t>].</a:t>
+              <a:t>2</a:t>
+            </a:r>
+            <a:r>
+              <a:rPr lang="en-US" sz="3600" dirty="0" smtClean="0">
+                <a:latin typeface="Comic Sans MS" pitchFamily="66" charset="0"/>
+                <a:sym typeface="Symbol" pitchFamily="18" charset="2"/>
+              </a:rPr>
+              <a:t>]</a:t>
+            </a:r>
+            <a:r>
+              <a:rPr lang="en-US" sz="3600" dirty="0" smtClean="0">
+                <a:latin typeface="Comic Sans MS" pitchFamily="66" charset="0"/>
+                <a:sym typeface="Symbol" pitchFamily="18" charset="2"/>
+              </a:rPr>
+              <a:t>.</a:t>
             </a:r>
             <a:endParaRPr lang="en-US" sz="3600" dirty="0">
               <a:latin typeface="Comic Sans MS" pitchFamily="66" charset="0"/>
@@ -14651,12 +17123,12 @@
           <p:nvPr/>
         </p:nvGraphicFramePr>
         <p:xfrm>
-          <a:off x="584200" y="1317625"/>
+          <a:off x="584993" y="1336166"/>
           <a:ext cx="7974013" cy="1851025"/>
         </p:xfrm>
         <a:graphic>
           <a:graphicData uri="http://schemas.openxmlformats.org/presentationml/2006/ole">
-            <p:oleObj spid="_x0000_s480259" name="Equation" r:id="rId5" imgW="1968480" imgH="457200" progId="Equation.DSMT4">
+            <p:oleObj spid="_x0000_s480259" name="Equation" r:id="rId5" imgW="1968500" imgH="457200" progId="Equation.DSMT4">
               <p:embed/>
             </p:oleObj>
           </a:graphicData>
@@ -14714,7 +17186,7 @@
                                     </p:set>
                                     <p:animEffect transition="in" filter="wipe(up)">
                                       <p:cBhvr>
-                                        <p:cTn id="7" dur="500"/>
+                                        <p:cTn id="7" dur="1000"/>
                                         <p:tgtEl>
                                           <p:spTgt spid="480259"/>
                                         </p:tgtEl>
@@ -14791,7 +17263,7 @@
                             </p:stCondLst>
                             <p:childTnLst>
                               <p:par>
-                                <p:cTn id="14" presetID="1" presetClass="entr" presetSubtype="0" fill="hold" nodeType="clickEffect">
+                                <p:cTn id="14" presetID="9" presetClass="entr" presetSubtype="0" fill="hold" nodeType="clickEffect">
                                   <p:stCondLst>
                                     <p:cond delay="0"/>
                                   </p:stCondLst>
@@ -14818,18 +17290,39 @@
                                         <p:strVal val="visible"/>
                                       </p:to>
                                     </p:set>
+                                    <p:animEffect transition="in" filter="dissolve">
+                                      <p:cBhvr>
+                                        <p:cTn id="16" dur="500"/>
+                                        <p:tgtEl>
+                                          <p:spTgt spid="69636">
+                                            <p:txEl>
+                                              <p:pRg st="1" end="1"/>
+                                            </p:txEl>
+                                          </p:spTgt>
+                                        </p:tgtEl>
+                                      </p:cBhvr>
+                                    </p:animEffect>
                                   </p:childTnLst>
                                 </p:cTn>
                               </p:par>
+                            </p:childTnLst>
+                          </p:cTn>
+                        </p:par>
+                        <p:par>
+                          <p:cTn id="17" fill="hold">
+                            <p:stCondLst>
+                              <p:cond delay="500"/>
+                            </p:stCondLst>
+                            <p:childTnLst>
                               <p:par>
-                                <p:cTn id="16" presetID="1" presetClass="entr" presetSubtype="0" fill="hold" grpId="0" nodeType="withEffect">
+                                <p:cTn id="18" presetID="9" presetClass="entr" presetSubtype="0" fill="hold" grpId="0" nodeType="afterEffect">
                                   <p:stCondLst>
                                     <p:cond delay="0"/>
                                   </p:stCondLst>
                                   <p:childTnLst>
                                     <p:set>
                                       <p:cBhvr>
-                                        <p:cTn id="17" dur="1" fill="hold">
+                                        <p:cTn id="19" dur="1" fill="hold">
                                           <p:stCondLst>
                                             <p:cond delay="0"/>
                                           </p:stCondLst>
@@ -14845,6 +17338,14 @@
                                         <p:strVal val="visible"/>
                                       </p:to>
                                     </p:set>
+                                    <p:animEffect transition="in" filter="dissolve">
+                                      <p:cBhvr>
+                                        <p:cTn id="20" dur="500"/>
+                                        <p:tgtEl>
+                                          <p:spTgt spid="7"/>
+                                        </p:tgtEl>
+                                      </p:cBhvr>
+                                    </p:animEffect>
                                   </p:childTnLst>
                                 </p:cTn>
                               </p:par>
@@ -14855,26 +17356,26 @@
                     </p:cTn>
                   </p:par>
                   <p:par>
-                    <p:cTn id="18" fill="hold">
+                    <p:cTn id="21" fill="hold">
                       <p:stCondLst>
                         <p:cond delay="indefinite"/>
                       </p:stCondLst>
                       <p:childTnLst>
                         <p:par>
-                          <p:cTn id="19" fill="hold">
+                          <p:cTn id="22" fill="hold">
                             <p:stCondLst>
                               <p:cond delay="0"/>
                             </p:stCondLst>
                             <p:childTnLst>
                               <p:par>
-                                <p:cTn id="20" presetID="1" presetClass="entr" presetSubtype="0" fill="hold" nodeType="clickEffect">
+                                <p:cTn id="23" presetID="9" presetClass="entr" presetSubtype="0" fill="hold" nodeType="clickEffect">
                                   <p:stCondLst>
                                     <p:cond delay="0"/>
                                   </p:stCondLst>
                                   <p:childTnLst>
                                     <p:set>
                                       <p:cBhvr>
-                                        <p:cTn id="21" dur="1" fill="hold">
+                                        <p:cTn id="24" dur="1" fill="hold">
                                           <p:stCondLst>
                                             <p:cond delay="0"/>
                                           </p:stCondLst>
@@ -14894,18 +17395,39 @@
                                         <p:strVal val="visible"/>
                                       </p:to>
                                     </p:set>
+                                    <p:animEffect transition="in" filter="dissolve">
+                                      <p:cBhvr>
+                                        <p:cTn id="25" dur="500"/>
+                                        <p:tgtEl>
+                                          <p:spTgt spid="69636">
+                                            <p:txEl>
+                                              <p:pRg st="2" end="2"/>
+                                            </p:txEl>
+                                          </p:spTgt>
+                                        </p:tgtEl>
+                                      </p:cBhvr>
+                                    </p:animEffect>
                                   </p:childTnLst>
                                 </p:cTn>
                               </p:par>
+                            </p:childTnLst>
+                          </p:cTn>
+                        </p:par>
+                        <p:par>
+                          <p:cTn id="26" fill="hold">
+                            <p:stCondLst>
+                              <p:cond delay="500"/>
+                            </p:stCondLst>
+                            <p:childTnLst>
                               <p:par>
-                                <p:cTn id="22" presetID="1" presetClass="entr" presetSubtype="0" fill="hold" grpId="0" nodeType="withEffect">
+                                <p:cTn id="27" presetID="9" presetClass="entr" presetSubtype="0" fill="hold" grpId="0" nodeType="afterEffect">
                                   <p:stCondLst>
                                     <p:cond delay="0"/>
                                   </p:stCondLst>
                                   <p:childTnLst>
                                     <p:set>
                                       <p:cBhvr>
-                                        <p:cTn id="23" dur="1" fill="hold">
+                                        <p:cTn id="28" dur="1" fill="hold">
                                           <p:stCondLst>
                                             <p:cond delay="0"/>
                                           </p:stCondLst>
@@ -14921,6 +17443,14 @@
                                         <p:strVal val="visible"/>
                                       </p:to>
                                     </p:set>
+                                    <p:animEffect transition="in" filter="dissolve">
+                                      <p:cBhvr>
+                                        <p:cTn id="29" dur="500"/>
+                                        <p:tgtEl>
+                                          <p:spTgt spid="6"/>
+                                        </p:tgtEl>
+                                      </p:cBhvr>
+                                    </p:animEffect>
                                   </p:childTnLst>
                                 </p:cTn>
                               </p:par>
@@ -14931,26 +17461,26 @@
                     </p:cTn>
                   </p:par>
                   <p:par>
-                    <p:cTn id="24" fill="hold">
+                    <p:cTn id="30" fill="hold">
                       <p:stCondLst>
                         <p:cond delay="indefinite"/>
                       </p:stCondLst>
                       <p:childTnLst>
                         <p:par>
-                          <p:cTn id="25" fill="hold">
+                          <p:cTn id="31" fill="hold">
                             <p:stCondLst>
                               <p:cond delay="0"/>
                             </p:stCondLst>
                             <p:childTnLst>
                               <p:par>
-                                <p:cTn id="26" presetID="1" presetClass="entr" presetSubtype="0" fill="hold" nodeType="clickEffect">
+                                <p:cTn id="32" presetID="9" presetClass="entr" presetSubtype="0" fill="hold" nodeType="clickEffect">
                                   <p:stCondLst>
                                     <p:cond delay="0"/>
                                   </p:stCondLst>
                                   <p:childTnLst>
                                     <p:set>
                                       <p:cBhvr>
-                                        <p:cTn id="27" dur="1" fill="hold">
+                                        <p:cTn id="33" dur="1" fill="hold">
                                           <p:stCondLst>
                                             <p:cond delay="0"/>
                                           </p:stCondLst>
@@ -14970,6 +17500,18 @@
                                         <p:strVal val="visible"/>
                                       </p:to>
                                     </p:set>
+                                    <p:animEffect transition="in" filter="dissolve">
+                                      <p:cBhvr>
+                                        <p:cTn id="34" dur="500"/>
+                                        <p:tgtEl>
+                                          <p:spTgt spid="69636">
+                                            <p:txEl>
+                                              <p:pRg st="3" end="3"/>
+                                            </p:txEl>
+                                          </p:spTgt>
+                                        </p:tgtEl>
+                                      </p:cBhvr>
+                                    </p:animEffect>
                                   </p:childTnLst>
                                 </p:cTn>
                               </p:par>
@@ -14980,26 +17522,26 @@
                     </p:cTn>
                   </p:par>
                   <p:par>
-                    <p:cTn id="28" fill="hold">
+                    <p:cTn id="35" fill="hold">
                       <p:stCondLst>
                         <p:cond delay="indefinite"/>
                       </p:stCondLst>
                       <p:childTnLst>
                         <p:par>
-                          <p:cTn id="29" fill="hold">
+                          <p:cTn id="36" fill="hold">
                             <p:stCondLst>
                               <p:cond delay="0"/>
                             </p:stCondLst>
                             <p:childTnLst>
                               <p:par>
-                                <p:cTn id="30" presetID="1" presetClass="entr" presetSubtype="0" fill="hold" nodeType="clickEffect">
+                                <p:cTn id="37" presetID="22" presetClass="entr" presetSubtype="8" fill="hold" nodeType="clickEffect">
                                   <p:stCondLst>
                                     <p:cond delay="0"/>
                                   </p:stCondLst>
                                   <p:childTnLst>
                                     <p:set>
                                       <p:cBhvr>
-                                        <p:cTn id="31" dur="1" fill="hold">
+                                        <p:cTn id="38" dur="1" fill="hold">
                                           <p:stCondLst>
                                             <p:cond delay="0"/>
                                           </p:stCondLst>
@@ -15019,6 +17561,18 @@
                                         <p:strVal val="visible"/>
                                       </p:to>
                                     </p:set>
+                                    <p:animEffect transition="in" filter="wipe(left)">
+                                      <p:cBhvr>
+                                        <p:cTn id="39" dur="2000"/>
+                                        <p:tgtEl>
+                                          <p:spTgt spid="69636">
+                                            <p:txEl>
+                                              <p:pRg st="4" end="4"/>
+                                            </p:txEl>
+                                          </p:spTgt>
+                                        </p:tgtEl>
+                                      </p:cBhvr>
+                                    </p:animEffect>
                                   </p:childTnLst>
                                 </p:cTn>
                               </p:par>
@@ -15057,7 +17611,7 @@
 </p:sld>
 </file>
 
-<file path=ppt/slides/slide26.xml><?xml version="1.0" encoding="utf-8"?>
+<file path=ppt/slides/slide28.xml><?xml version="1.0" encoding="utf-8"?>
 <p:sld xmlns:a="http://schemas.openxmlformats.org/drawingml/2006/main" xmlns:r="http://schemas.openxmlformats.org/officeDocument/2006/relationships" xmlns:mc="http://schemas.openxmlformats.org/markup-compatibility/2006" xmlns:mv="urn:schemas-microsoft-com:mac:vml" xmlns:p="http://schemas.openxmlformats.org/presentationml/2006/main" mc:Ignorable="mv" mc:PreserveAttributes="mv:*" show="0">
   <p:cSld>
     <p:spTree>
@@ -15074,29 +17628,9 @@
           <a:chExt cx="0" cy="0"/>
         </a:xfrm>
       </p:grpSpPr>
-      <p:graphicFrame>
-        <p:nvGraphicFramePr>
-          <p:cNvPr id="54276" name="Object 4"/>
-          <p:cNvGraphicFramePr>
-            <a:graphicFrameLocks noChangeAspect="1"/>
-          </p:cNvGraphicFramePr>
-          <p:nvPr/>
-        </p:nvGraphicFramePr>
-        <p:xfrm>
-          <a:off x="0" y="0"/>
-          <a:ext cx="914400" cy="198438"/>
-        </p:xfrm>
-        <a:graphic>
-          <a:graphicData uri="http://schemas.openxmlformats.org/presentationml/2006/ole">
-            <p:oleObj spid="_x0000_s466946" name="Equation" r:id="rId4" imgW="914400" imgH="198720" progId="Equation.DSMT4">
-              <p:embed/>
-            </p:oleObj>
-          </a:graphicData>
-        </a:graphic>
-      </p:graphicFrame>
-      <p:sp>
-        <p:nvSpPr>
-          <p:cNvPr id="54278" name="Text Box 6"/>
+      <p:sp>
+        <p:nvSpPr>
+          <p:cNvPr id="57367" name="Text Box 23"/>
           <p:cNvSpPr txBox="1">
             <a:spLocks noChangeArrowheads="1"/>
           </p:cNvSpPr>
@@ -15104,8 +17638,8 @@
         </p:nvSpPr>
         <p:spPr bwMode="auto">
           <a:xfrm>
-            <a:off x="771014" y="3455287"/>
-            <a:ext cx="7583637" cy="2312456"/>
+            <a:off x="375931" y="4053196"/>
+            <a:ext cx="8392137" cy="769441"/>
           </a:xfrm>
           <a:prstGeom prst="rect">
             <a:avLst/>
@@ -15125,255 +17659,206 @@
           </a:bodyPr>
           <a:lstStyle/>
           <a:p>
-            <a:r>
-              <a:rPr lang="en-US" sz="4800" i="1" dirty="0">
-                <a:latin typeface="Comic Sans MS" pitchFamily="66" charset="0"/>
-              </a:rPr>
-              <a:t>Proof strategy</a:t>
-            </a:r>
-            <a:r>
-              <a:rPr lang="en-US" sz="4800" i="1" dirty="0" smtClean="0">
-                <a:latin typeface="Comic Sans MS" pitchFamily="66" charset="0"/>
-              </a:rPr>
-              <a:t>: </a:t>
-            </a:r>
-            <a:r>
-              <a:rPr lang="en-US" sz="4800" dirty="0" smtClean="0">
-                <a:latin typeface="Comic Sans MS" pitchFamily="66" charset="0"/>
-              </a:rPr>
-              <a:t>assume</a:t>
-            </a:r>
-          </a:p>
-          <a:p>
-            <a:r>
-              <a:rPr lang="en-US" sz="4800" dirty="0" smtClean="0">
-                <a:latin typeface="Comic Sans MS" pitchFamily="66" charset="0"/>
-                <a:sym typeface="Symbol" pitchFamily="18" charset="2"/>
-              </a:rPr>
-              <a:t>left side of </a:t>
-            </a:r>
-            <a:r>
-              <a:rPr lang="en-US" sz="3600" dirty="0" smtClean="0">
+            <a:pPr>
+              <a:spcBef>
+                <a:spcPct val="50000"/>
+              </a:spcBef>
+            </a:pPr>
+            <a:r>
+              <a:rPr lang="en-US" sz="4400" dirty="0" smtClean="0">
+                <a:latin typeface="Comic Sans MS" pitchFamily="66" charset="0"/>
+              </a:rPr>
+              <a:t>providing </a:t>
+            </a:r>
+            <a:r>
+              <a:rPr lang="en-US" sz="4400" dirty="0" err="1" smtClean="0">
+                <a:solidFill>
+                  <a:srgbClr val="CC0099"/>
+                </a:solidFill>
+                <a:latin typeface="Comic Sans MS" pitchFamily="66" charset="0"/>
+                <a:sym typeface="Euclid Symbol" pitchFamily="18" charset="2"/>
+              </a:rPr>
+              <a:t>c</a:t>
+            </a:r>
+            <a:r>
+              <a:rPr lang="en-US" sz="4400" dirty="0" smtClean="0">
                 <a:solidFill>
                   <a:srgbClr val="0000FF"/>
                 </a:solidFill>
                 <a:latin typeface="Comic Sans MS" pitchFamily="66" charset="0"/>
-                <a:sym typeface="Euclid Symbol"/>
-              </a:rPr>
-              <a:t>IMPLIES </a:t>
-            </a:r>
-            <a:r>
-              <a:rPr lang="en-US" sz="4800" dirty="0" smtClean="0">
-                <a:latin typeface="Comic Sans MS" pitchFamily="66" charset="0"/>
-                <a:sym typeface="Symbol" pitchFamily="18" charset="2"/>
-              </a:rPr>
-              <a:t>is </a:t>
-            </a:r>
-            <a:r>
-              <a:rPr lang="en-US" sz="4800" dirty="0" smtClean="0">
+                <a:sym typeface="Euclid Symbol" pitchFamily="18" charset="2"/>
+              </a:rPr>
+              <a:t> </a:t>
+            </a:r>
+            <a:r>
+              <a:rPr lang="en-US" sz="4400" dirty="0" smtClean="0">
+                <a:latin typeface="Comic Sans MS" pitchFamily="66" charset="0"/>
+                <a:sym typeface="Euclid Symbol" pitchFamily="18" charset="2"/>
+              </a:rPr>
+              <a:t>does</a:t>
+            </a:r>
+            <a:r>
+              <a:rPr lang="en-US" sz="4400" dirty="0" smtClean="0">
                 <a:solidFill>
                   <a:srgbClr val="008000"/>
                 </a:solidFill>
                 <a:latin typeface="Comic Sans MS" pitchFamily="66" charset="0"/>
-                <a:sym typeface="Symbol" pitchFamily="18" charset="2"/>
-              </a:rPr>
-              <a:t>T</a:t>
-            </a:r>
-            <a:r>
-              <a:rPr lang="en-US" sz="4800" dirty="0" smtClean="0">
-                <a:latin typeface="Comic Sans MS" pitchFamily="66" charset="0"/>
-                <a:sym typeface="Symbol" pitchFamily="18" charset="2"/>
-              </a:rPr>
-              <a:t>, </a:t>
-            </a:r>
-          </a:p>
-          <a:p>
-            <a:r>
-              <a:rPr lang="en-US" sz="4800" dirty="0" smtClean="0">
-                <a:latin typeface="Comic Sans MS" pitchFamily="66" charset="0"/>
-              </a:rPr>
-              <a:t>then prove </a:t>
-            </a:r>
-            <a:r>
-              <a:rPr lang="en-US" sz="4800" dirty="0" smtClean="0">
-                <a:latin typeface="Comic Sans MS" pitchFamily="66" charset="0"/>
-                <a:sym typeface="Symbol" pitchFamily="18" charset="2"/>
-              </a:rPr>
-              <a:t>right side is </a:t>
-            </a:r>
-            <a:r>
-              <a:rPr lang="en-US" sz="4800" dirty="0" smtClean="0">
+                <a:sym typeface="Euclid Symbol" pitchFamily="18" charset="2"/>
+              </a:rPr>
+              <a:t> </a:t>
+            </a:r>
+            <a:r>
+              <a:rPr lang="en-US" sz="4400" dirty="0">
+                <a:solidFill>
+                  <a:srgbClr val="FF0000"/>
+                </a:solidFill>
+                <a:latin typeface="Comic Sans MS" pitchFamily="66" charset="0"/>
+                <a:sym typeface="Euclid Symbol" pitchFamily="18" charset="2"/>
+              </a:rPr>
+              <a:t>not</a:t>
+            </a:r>
+            <a:r>
+              <a:rPr lang="en-US" sz="4400" dirty="0">
                 <a:solidFill>
                   <a:srgbClr val="008000"/>
                 </a:solidFill>
                 <a:latin typeface="Comic Sans MS" pitchFamily="66" charset="0"/>
-                <a:sym typeface="Symbol" pitchFamily="18" charset="2"/>
-              </a:rPr>
-              <a:t>T</a:t>
-            </a:r>
-            <a:endParaRPr lang="en-US" sz="4800" dirty="0">
-              <a:sym typeface="Symbol" pitchFamily="18" charset="2"/>
+                <a:sym typeface="Euclid Symbol" pitchFamily="18" charset="2"/>
+              </a:rPr>
+              <a:t> </a:t>
+            </a:r>
+            <a:r>
+              <a:rPr lang="en-US" sz="4400" dirty="0">
+                <a:latin typeface="Comic Sans MS" pitchFamily="66" charset="0"/>
+                <a:sym typeface="Euclid Symbol" pitchFamily="18" charset="2"/>
+              </a:rPr>
+              <a:t>occur</a:t>
+            </a:r>
+            <a:r>
+              <a:rPr lang="en-US" sz="4400" dirty="0">
+                <a:solidFill>
+                  <a:srgbClr val="008000"/>
+                </a:solidFill>
+                <a:latin typeface="Comic Sans MS" pitchFamily="66" charset="0"/>
+                <a:sym typeface="Euclid Symbol" pitchFamily="18" charset="2"/>
+              </a:rPr>
+              <a:t> </a:t>
+            </a:r>
+            <a:r>
+              <a:rPr lang="en-US" sz="4400" dirty="0" smtClean="0">
+                <a:latin typeface="Comic Sans MS" pitchFamily="66" charset="0"/>
+                <a:sym typeface="Euclid Symbol" pitchFamily="18" charset="2"/>
+              </a:rPr>
+              <a:t>in</a:t>
+            </a:r>
+            <a:r>
+              <a:rPr lang="en-US" sz="4400" dirty="0" smtClean="0">
+                <a:solidFill>
+                  <a:srgbClr val="008000"/>
+                </a:solidFill>
+                <a:latin typeface="Comic Sans MS" pitchFamily="66" charset="0"/>
+                <a:sym typeface="Euclid Symbol" pitchFamily="18" charset="2"/>
+              </a:rPr>
+              <a:t> </a:t>
+            </a:r>
+            <a:r>
+              <a:rPr lang="en-US" sz="4400" dirty="0" smtClean="0">
+                <a:solidFill>
+                  <a:srgbClr val="0000FF"/>
+                </a:solidFill>
+                <a:latin typeface="Comic Sans MS" pitchFamily="66" charset="0"/>
+                <a:sym typeface="Euclid Symbol" pitchFamily="18" charset="2"/>
+              </a:rPr>
+              <a:t>P</a:t>
+            </a:r>
+            <a:endParaRPr lang="en-US" sz="4400" dirty="0">
+              <a:solidFill>
+                <a:srgbClr val="0000FF"/>
+              </a:solidFill>
+              <a:latin typeface="Comic Sans MS" pitchFamily="66" charset="0"/>
+              <a:sym typeface="Euclid Symbol" pitchFamily="18" charset="2"/>
             </a:endParaRPr>
           </a:p>
         </p:txBody>
       </p:sp>
       <p:sp>
         <p:nvSpPr>
-          <p:cNvPr id="54285" name="Rectangle 13"/>
-          <p:cNvSpPr>
-            <a:spLocks noChangeArrowheads="1"/>
+          <p:cNvPr id="57371" name="Text Box 27"/>
+          <p:cNvSpPr txBox="1">
+            <a:spLocks noGrp="1" noChangeArrowheads="1"/>
           </p:cNvSpPr>
-          <p:nvPr/>
-        </p:nvSpPr>
-        <p:spPr bwMode="auto">
+          <p:nvPr>
+            <p:ph type="title"/>
+          </p:nvPr>
+        </p:nvSpPr>
+        <p:spPr>
           <a:xfrm>
-            <a:off x="2554968" y="417967"/>
-            <a:ext cx="4020652" cy="707886"/>
+            <a:off x="1585170" y="228600"/>
+            <a:ext cx="6040423" cy="1046527"/>
           </a:xfrm>
-          <a:prstGeom prst="rect">
-            <a:avLst/>
-          </a:prstGeom>
           <a:noFill/>
-          <a:ln w="9525">
-            <a:noFill/>
-            <a:miter lim="800000"/>
-            <a:headEnd/>
-            <a:tailEnd/>
-          </a:ln>
-          <a:effectLst/>
+          <a:ln/>
         </p:spPr>
         <p:txBody>
-          <a:bodyPr wrap="none">
-            <a:spAutoFit/>
-          </a:bodyPr>
+          <a:bodyPr/>
           <a:lstStyle/>
           <a:p>
-            <a:r>
-              <a:rPr lang="en-US" sz="4000" b="1" dirty="0" smtClean="0">
-                <a:latin typeface="Comic Sans MS" pitchFamily="66" charset="0"/>
-              </a:rPr>
-              <a:t>Proving Validity</a:t>
-            </a:r>
-            <a:endParaRPr lang="en-US" sz="4000" b="1" dirty="0">
-              <a:latin typeface="Comic Sans MS" pitchFamily="66" charset="0"/>
-            </a:endParaRPr>
+            <a:pPr algn="l">
+              <a:spcBef>
+                <a:spcPct val="50000"/>
+              </a:spcBef>
+            </a:pPr>
+            <a:r>
+              <a:rPr lang="en-US" dirty="0">
+                <a:solidFill>
+                  <a:schemeClr val="tx1"/>
+                </a:solidFill>
+              </a:rPr>
+              <a:t>Universal Generalization (UG)</a:t>
+            </a:r>
           </a:p>
         </p:txBody>
       </p:sp>
       <p:graphicFrame>
         <p:nvGraphicFramePr>
-          <p:cNvPr id="466947" name="Object 3"/>
+          <p:cNvPr id="8" name="Object 7"/>
           <p:cNvGraphicFramePr>
             <a:graphicFrameLocks noChangeAspect="1"/>
           </p:cNvGraphicFramePr>
           <p:nvPr/>
         </p:nvGraphicFramePr>
         <p:xfrm>
-          <a:off x="379413" y="1457325"/>
-          <a:ext cx="8385175" cy="1851025"/>
+          <a:off x="2093872" y="1052532"/>
+          <a:ext cx="4858859" cy="2699366"/>
         </p:xfrm>
         <a:graphic>
           <a:graphicData uri="http://schemas.openxmlformats.org/presentationml/2006/ole">
-            <p:oleObj spid="_x0000_s466947" name="Equation" r:id="rId5" imgW="2070000" imgH="457200" progId="Equation.DSMT4">
+            <p:oleObj spid="_x0000_s563202" name="Equation" r:id="rId4" imgW="0" imgH="0" progId="Equation.DSMT4">
               <p:embed/>
             </p:oleObj>
           </a:graphicData>
         </a:graphic>
       </p:graphicFrame>
-      <p:sp>
-        <p:nvSpPr>
-          <p:cNvPr id="11" name="Oval 10"/>
-          <p:cNvSpPr/>
+      <p:graphicFrame>
+        <p:nvGraphicFramePr>
+          <p:cNvPr id="5" name="Object 4"/>
+          <p:cNvGraphicFramePr>
+            <a:graphicFrameLocks noChangeAspect="1"/>
+          </p:cNvGraphicFramePr>
           <p:nvPr/>
-        </p:nvSpPr>
-        <p:spPr>
-          <a:xfrm>
-            <a:off x="117232" y="1251284"/>
-            <a:ext cx="6158522" cy="1085516"/>
-          </a:xfrm>
-          <a:prstGeom prst="ellipse">
-            <a:avLst/>
-          </a:prstGeom>
-          <a:noFill/>
-          <a:ln w="38100">
-            <a:solidFill>
-              <a:srgbClr val="008000"/>
-            </a:solidFill>
-            <a:prstDash val="sysDash"/>
-          </a:ln>
-        </p:spPr>
-        <p:style>
-          <a:lnRef idx="2">
-            <a:schemeClr val="accent1">
-              <a:shade val="50000"/>
-            </a:schemeClr>
-          </a:lnRef>
-          <a:fillRef idx="1">
-            <a:schemeClr val="accent1"/>
-          </a:fillRef>
-          <a:effectRef idx="0">
-            <a:schemeClr val="accent1"/>
-          </a:effectRef>
-          <a:fontRef idx="minor">
-            <a:schemeClr val="lt1"/>
-          </a:fontRef>
-        </p:style>
-        <p:txBody>
-          <a:bodyPr rtlCol="0" anchor="ctr"/>
-          <a:lstStyle/>
-          <a:p>
-            <a:pPr algn="ctr"/>
-            <a:endParaRPr lang="en-US"/>
-          </a:p>
-        </p:txBody>
-      </p:sp>
-      <p:sp>
-        <p:nvSpPr>
-          <p:cNvPr id="12" name="Oval 11"/>
-          <p:cNvSpPr/>
-          <p:nvPr/>
-        </p:nvSpPr>
-        <p:spPr>
-          <a:xfrm>
-            <a:off x="1133231" y="2341897"/>
-            <a:ext cx="7799754" cy="1085516"/>
-          </a:xfrm>
-          <a:prstGeom prst="ellipse">
-            <a:avLst/>
-          </a:prstGeom>
-          <a:noFill/>
-          <a:ln w="38100">
-            <a:solidFill>
-              <a:srgbClr val="008000"/>
-            </a:solidFill>
-            <a:prstDash val="sysDash"/>
-          </a:ln>
-        </p:spPr>
-        <p:style>
-          <a:lnRef idx="2">
-            <a:schemeClr val="accent1">
-              <a:shade val="50000"/>
-            </a:schemeClr>
-          </a:lnRef>
-          <a:fillRef idx="1">
-            <a:schemeClr val="accent1"/>
-          </a:fillRef>
-          <a:effectRef idx="0">
-            <a:schemeClr val="accent1"/>
-          </a:effectRef>
-          <a:fontRef idx="minor">
-            <a:schemeClr val="lt1"/>
-          </a:fontRef>
-        </p:style>
-        <p:txBody>
-          <a:bodyPr rtlCol="0" anchor="ctr"/>
-          <a:lstStyle/>
-          <a:p>
-            <a:pPr algn="ctr"/>
-            <a:endParaRPr lang="en-US"/>
-          </a:p>
-        </p:txBody>
-      </p:sp>
+        </p:nvGraphicFramePr>
+        <p:xfrm>
+          <a:off x="2753282" y="1057617"/>
+          <a:ext cx="3235337" cy="2822315"/>
+        </p:xfrm>
+        <a:graphic>
+          <a:graphicData uri="http://schemas.openxmlformats.org/presentationml/2006/ole">
+            <p:oleObj spid="_x0000_s563205" name="Equation" r:id="rId5" imgW="596900" imgH="520700" progId="Equation.DSMT4">
+              <p:embed/>
+            </p:oleObj>
+          </a:graphicData>
+        </a:graphic>
+      </p:graphicFrame>
     </p:spTree>
   </p:cSld>
   <p:clrMapOvr>
@@ -15401,7 +17886,7 @@
                             </p:stCondLst>
                             <p:childTnLst>
                               <p:par>
-                                <p:cTn id="5" presetID="1" presetClass="entr" presetSubtype="0" fill="hold" nodeType="clickEffect">
+                                <p:cTn id="5" presetID="22" presetClass="entr" presetSubtype="1" fill="hold" nodeType="clickEffect">
                                   <p:stCondLst>
                                     <p:cond delay="0"/>
                                   </p:stCondLst>
@@ -15414,11 +17899,7 @@
                                           </p:stCondLst>
                                         </p:cTn>
                                         <p:tgtEl>
-                                          <p:spTgt spid="54278">
-                                            <p:txEl>
-                                              <p:pRg st="0" end="0"/>
-                                            </p:txEl>
-                                          </p:spTgt>
+                                          <p:spTgt spid="5"/>
                                         </p:tgtEl>
                                         <p:attrNameLst>
                                           <p:attrName>style.visibility</p:attrName>
@@ -15428,6 +17909,14 @@
                                         <p:strVal val="visible"/>
                                       </p:to>
                                     </p:set>
+                                    <p:animEffect transition="in" filter="wipe(up)">
+                                      <p:cBhvr>
+                                        <p:cTn id="7" dur="1000"/>
+                                        <p:tgtEl>
+                                          <p:spTgt spid="5"/>
+                                        </p:tgtEl>
+                                      </p:cBhvr>
+                                    </p:animEffect>
                                   </p:childTnLst>
                                 </p:cTn>
                               </p:par>
@@ -15438,36 +17927,32 @@
                     </p:cTn>
                   </p:par>
                   <p:par>
-                    <p:cTn id="7" fill="hold">
+                    <p:cTn id="8" fill="hold">
                       <p:stCondLst>
                         <p:cond delay="indefinite"/>
                       </p:stCondLst>
                       <p:childTnLst>
                         <p:par>
-                          <p:cTn id="8" fill="hold">
+                          <p:cTn id="9" fill="hold">
                             <p:stCondLst>
                               <p:cond delay="0"/>
                             </p:stCondLst>
                             <p:childTnLst>
                               <p:par>
-                                <p:cTn id="9" presetID="1" presetClass="entr" presetSubtype="0" fill="hold" nodeType="clickEffect">
+                                <p:cTn id="10" presetID="10" presetClass="entr" presetSubtype="0" fill="hold" grpId="0" nodeType="clickEffect">
                                   <p:stCondLst>
                                     <p:cond delay="0"/>
                                   </p:stCondLst>
                                   <p:childTnLst>
                                     <p:set>
                                       <p:cBhvr>
-                                        <p:cTn id="10" dur="1" fill="hold">
+                                        <p:cTn id="11" dur="1" fill="hold">
                                           <p:stCondLst>
                                             <p:cond delay="0"/>
                                           </p:stCondLst>
                                         </p:cTn>
                                         <p:tgtEl>
-                                          <p:spTgt spid="54278">
-                                            <p:txEl>
-                                              <p:pRg st="1" end="1"/>
-                                            </p:txEl>
-                                          </p:spTgt>
+                                          <p:spTgt spid="57367"/>
                                         </p:tgtEl>
                                         <p:attrNameLst>
                                           <p:attrName>style.visibility</p:attrName>
@@ -15477,127 +17962,14 @@
                                         <p:strVal val="visible"/>
                                       </p:to>
                                     </p:set>
-                                  </p:childTnLst>
-                                </p:cTn>
-                              </p:par>
-                            </p:childTnLst>
-                          </p:cTn>
-                        </p:par>
-                        <p:par>
-                          <p:cTn id="11" fill="hold">
-                            <p:stCondLst>
-                              <p:cond delay="0"/>
-                            </p:stCondLst>
-                            <p:childTnLst>
-                              <p:par>
-                                <p:cTn id="12" presetID="1" presetClass="entr" presetSubtype="0" fill="hold" grpId="0" nodeType="afterEffect">
-                                  <p:stCondLst>
-                                    <p:cond delay="0"/>
-                                  </p:stCondLst>
-                                  <p:childTnLst>
-                                    <p:set>
+                                    <p:animEffect transition="in" filter="fade">
                                       <p:cBhvr>
-                                        <p:cTn id="13" dur="1" fill="hold">
-                                          <p:stCondLst>
-                                            <p:cond delay="0"/>
-                                          </p:stCondLst>
-                                        </p:cTn>
+                                        <p:cTn id="12" dur="500"/>
                                         <p:tgtEl>
-                                          <p:spTgt spid="11"/>
+                                          <p:spTgt spid="57367"/>
                                         </p:tgtEl>
-                                        <p:attrNameLst>
-                                          <p:attrName>style.visibility</p:attrName>
-                                        </p:attrNameLst>
                                       </p:cBhvr>
-                                      <p:to>
-                                        <p:strVal val="visible"/>
-                                      </p:to>
-                                    </p:set>
-                                  </p:childTnLst>
-                                </p:cTn>
-                              </p:par>
-                            </p:childTnLst>
-                          </p:cTn>
-                        </p:par>
-                      </p:childTnLst>
-                    </p:cTn>
-                  </p:par>
-                  <p:par>
-                    <p:cTn id="14" fill="hold">
-                      <p:stCondLst>
-                        <p:cond delay="indefinite"/>
-                      </p:stCondLst>
-                      <p:childTnLst>
-                        <p:par>
-                          <p:cTn id="15" fill="hold">
-                            <p:stCondLst>
-                              <p:cond delay="0"/>
-                            </p:stCondLst>
-                            <p:childTnLst>
-                              <p:par>
-                                <p:cTn id="16" presetID="1" presetClass="entr" presetSubtype="0" fill="hold" nodeType="clickEffect">
-                                  <p:stCondLst>
-                                    <p:cond delay="0"/>
-                                  </p:stCondLst>
-                                  <p:childTnLst>
-                                    <p:set>
-                                      <p:cBhvr>
-                                        <p:cTn id="17" dur="1" fill="hold">
-                                          <p:stCondLst>
-                                            <p:cond delay="0"/>
-                                          </p:stCondLst>
-                                        </p:cTn>
-                                        <p:tgtEl>
-                                          <p:spTgt spid="54278">
-                                            <p:txEl>
-                                              <p:pRg st="2" end="2"/>
-                                            </p:txEl>
-                                          </p:spTgt>
-                                        </p:tgtEl>
-                                        <p:attrNameLst>
-                                          <p:attrName>style.visibility</p:attrName>
-                                        </p:attrNameLst>
-                                      </p:cBhvr>
-                                      <p:to>
-                                        <p:strVal val="visible"/>
-                                      </p:to>
-                                    </p:set>
-                                  </p:childTnLst>
-                                </p:cTn>
-                              </p:par>
-                            </p:childTnLst>
-                          </p:cTn>
-                        </p:par>
-                        <p:par>
-                          <p:cTn id="18" fill="hold">
-                            <p:stCondLst>
-                              <p:cond delay="0"/>
-                            </p:stCondLst>
-                            <p:childTnLst>
-                              <p:par>
-                                <p:cTn id="19" presetID="1" presetClass="entr" presetSubtype="0" fill="hold" grpId="0" nodeType="afterEffect">
-                                  <p:stCondLst>
-                                    <p:cond delay="0"/>
-                                  </p:stCondLst>
-                                  <p:childTnLst>
-                                    <p:set>
-                                      <p:cBhvr>
-                                        <p:cTn id="20" dur="1" fill="hold">
-                                          <p:stCondLst>
-                                            <p:cond delay="0"/>
-                                          </p:stCondLst>
-                                        </p:cTn>
-                                        <p:tgtEl>
-                                          <p:spTgt spid="12"/>
-                                        </p:tgtEl>
-                                        <p:attrNameLst>
-                                          <p:attrName>style.visibility</p:attrName>
-                                        </p:attrNameLst>
-                                      </p:cBhvr>
-                                      <p:to>
-                                        <p:strVal val="visible"/>
-                                      </p:to>
-                                    </p:set>
+                                    </p:animEffect>
                                   </p:childTnLst>
                                 </p:cTn>
                               </p:par>
@@ -15629,1565 +18001,7 @@
       </p:par>
     </p:tnLst>
     <p:bldLst>
-      <p:bldP spid="11" grpId="0" animBg="1"/>
-      <p:bldP spid="12" grpId="0" animBg="1"/>
-    </p:bldLst>
-  </p:timing>
-</p:sld>
-</file>
-
-<file path=ppt/slides/slide27.xml><?xml version="1.0" encoding="utf-8"?>
-<p:sld xmlns:a="http://schemas.openxmlformats.org/drawingml/2006/main" xmlns:r="http://schemas.openxmlformats.org/officeDocument/2006/relationships" xmlns:mc="http://schemas.openxmlformats.org/markup-compatibility/2006" xmlns:mv="urn:schemas-microsoft-com:mac:vml" xmlns:p="http://schemas.openxmlformats.org/presentationml/2006/main" mc:Ignorable="mv" mc:PreserveAttributes="mv:*" show="0">
-  <p:cSld>
-    <p:spTree>
-      <p:nvGrpSpPr>
-        <p:cNvPr id="1" name=""/>
-        <p:cNvGrpSpPr/>
-        <p:nvPr/>
-      </p:nvGrpSpPr>
-      <p:grpSpPr>
-        <a:xfrm>
-          <a:off x="0" y="0"/>
-          <a:ext cx="0" cy="0"/>
-          <a:chOff x="0" y="0"/>
-          <a:chExt cx="0" cy="0"/>
-        </a:xfrm>
-      </p:grpSpPr>
-      <p:sp>
-        <p:nvSpPr>
-          <p:cNvPr id="57367" name="Text Box 23"/>
-          <p:cNvSpPr txBox="1">
-            <a:spLocks noChangeArrowheads="1"/>
-          </p:cNvSpPr>
-          <p:nvPr/>
-        </p:nvSpPr>
-        <p:spPr bwMode="auto">
-          <a:xfrm>
-            <a:off x="357581" y="3775075"/>
-            <a:ext cx="8392137" cy="780147"/>
-          </a:xfrm>
-          <a:prstGeom prst="rect">
-            <a:avLst/>
-          </a:prstGeom>
-          <a:noFill/>
-          <a:ln w="9525">
-            <a:noFill/>
-            <a:miter lim="800000"/>
-            <a:headEnd/>
-            <a:tailEnd/>
-          </a:ln>
-          <a:effectLst/>
-        </p:spPr>
-        <p:txBody>
-          <a:bodyPr wrap="square">
-            <a:spAutoFit/>
-          </a:bodyPr>
-          <a:lstStyle/>
-          <a:p>
-            <a:pPr>
-              <a:spcBef>
-                <a:spcPct val="50000"/>
-              </a:spcBef>
-            </a:pPr>
-            <a:r>
-              <a:rPr lang="en-US" sz="4400" dirty="0" smtClean="0">
-                <a:latin typeface="Comic Sans MS" pitchFamily="66" charset="0"/>
-              </a:rPr>
-              <a:t>providing </a:t>
-            </a:r>
-            <a:r>
-              <a:rPr lang="en-US" sz="4400" dirty="0" err="1" smtClean="0">
-                <a:solidFill>
-                  <a:srgbClr val="0000FF"/>
-                </a:solidFill>
-                <a:latin typeface="Comic Sans MS" pitchFamily="66" charset="0"/>
-                <a:sym typeface="Euclid Symbol" pitchFamily="18" charset="2"/>
-              </a:rPr>
-              <a:t>c</a:t>
-            </a:r>
-            <a:r>
-              <a:rPr lang="en-US" sz="4400" dirty="0" smtClean="0">
-                <a:solidFill>
-                  <a:srgbClr val="0000FF"/>
-                </a:solidFill>
-                <a:latin typeface="Comic Sans MS" pitchFamily="66" charset="0"/>
-                <a:sym typeface="Euclid Symbol" pitchFamily="18" charset="2"/>
-              </a:rPr>
-              <a:t> </a:t>
-            </a:r>
-            <a:r>
-              <a:rPr lang="en-US" sz="4400" dirty="0" smtClean="0">
-                <a:latin typeface="Comic Sans MS" pitchFamily="66" charset="0"/>
-                <a:sym typeface="Euclid Symbol" pitchFamily="18" charset="2"/>
-              </a:rPr>
-              <a:t>does</a:t>
-            </a:r>
-            <a:r>
-              <a:rPr lang="en-US" sz="4400" dirty="0" smtClean="0">
-                <a:solidFill>
-                  <a:srgbClr val="008000"/>
-                </a:solidFill>
-                <a:latin typeface="Comic Sans MS" pitchFamily="66" charset="0"/>
-                <a:sym typeface="Euclid Symbol" pitchFamily="18" charset="2"/>
-              </a:rPr>
-              <a:t> </a:t>
-            </a:r>
-            <a:r>
-              <a:rPr lang="en-US" sz="4400" dirty="0">
-                <a:solidFill>
-                  <a:srgbClr val="008000"/>
-                </a:solidFill>
-                <a:latin typeface="Comic Sans MS" pitchFamily="66" charset="0"/>
-                <a:sym typeface="Euclid Symbol" pitchFamily="18" charset="2"/>
-              </a:rPr>
-              <a:t>not </a:t>
-            </a:r>
-            <a:r>
-              <a:rPr lang="en-US" sz="4400" dirty="0">
-                <a:latin typeface="Comic Sans MS" pitchFamily="66" charset="0"/>
-                <a:sym typeface="Euclid Symbol" pitchFamily="18" charset="2"/>
-              </a:rPr>
-              <a:t>occur</a:t>
-            </a:r>
-            <a:r>
-              <a:rPr lang="en-US" sz="4400" dirty="0">
-                <a:solidFill>
-                  <a:srgbClr val="008000"/>
-                </a:solidFill>
-                <a:latin typeface="Comic Sans MS" pitchFamily="66" charset="0"/>
-                <a:sym typeface="Euclid Symbol" pitchFamily="18" charset="2"/>
-              </a:rPr>
-              <a:t> </a:t>
-            </a:r>
-            <a:r>
-              <a:rPr lang="en-US" sz="4400" dirty="0" smtClean="0">
-                <a:solidFill>
-                  <a:srgbClr val="008000"/>
-                </a:solidFill>
-                <a:latin typeface="Comic Sans MS" pitchFamily="66" charset="0"/>
-                <a:sym typeface="Euclid Symbol" pitchFamily="18" charset="2"/>
-              </a:rPr>
-              <a:t>in </a:t>
-            </a:r>
-            <a:r>
-              <a:rPr lang="en-US" sz="4400" dirty="0" smtClean="0">
-                <a:solidFill>
-                  <a:srgbClr val="0000FF"/>
-                </a:solidFill>
-                <a:latin typeface="Comic Sans MS" pitchFamily="66" charset="0"/>
-                <a:sym typeface="Euclid Symbol" pitchFamily="18" charset="2"/>
-              </a:rPr>
-              <a:t>A</a:t>
-            </a:r>
-            <a:endParaRPr lang="en-US" sz="4400" dirty="0">
-              <a:solidFill>
-                <a:srgbClr val="0000FF"/>
-              </a:solidFill>
-              <a:latin typeface="Comic Sans MS" pitchFamily="66" charset="0"/>
-              <a:sym typeface="Euclid Symbol" pitchFamily="18" charset="2"/>
-            </a:endParaRPr>
-          </a:p>
-        </p:txBody>
-      </p:sp>
-      <p:sp>
-        <p:nvSpPr>
-          <p:cNvPr id="57371" name="Text Box 27"/>
-          <p:cNvSpPr txBox="1">
-            <a:spLocks noGrp="1" noChangeArrowheads="1"/>
-          </p:cNvSpPr>
-          <p:nvPr>
-            <p:ph type="title"/>
-          </p:nvPr>
-        </p:nvSpPr>
-        <p:spPr>
-          <a:xfrm>
-            <a:off x="1585170" y="228600"/>
-            <a:ext cx="6040423" cy="1046527"/>
-          </a:xfrm>
-          <a:noFill/>
-          <a:ln/>
-        </p:spPr>
-        <p:txBody>
-          <a:bodyPr/>
-          <a:lstStyle/>
-          <a:p>
-            <a:pPr algn="l">
-              <a:spcBef>
-                <a:spcPct val="50000"/>
-              </a:spcBef>
-            </a:pPr>
-            <a:r>
-              <a:rPr lang="en-US" dirty="0">
-                <a:solidFill>
-                  <a:schemeClr val="tx1"/>
-                </a:solidFill>
-              </a:rPr>
-              <a:t>Universal Generalization (UG)</a:t>
-            </a:r>
-          </a:p>
-        </p:txBody>
-      </p:sp>
-      <p:graphicFrame>
-        <p:nvGraphicFramePr>
-          <p:cNvPr id="8" name="Object 7"/>
-          <p:cNvGraphicFramePr>
-            <a:graphicFrameLocks noChangeAspect="1"/>
-          </p:cNvGraphicFramePr>
-          <p:nvPr/>
-        </p:nvGraphicFramePr>
-        <p:xfrm>
-          <a:off x="2093872" y="1052532"/>
-          <a:ext cx="4858859" cy="2699366"/>
-        </p:xfrm>
-        <a:graphic>
-          <a:graphicData uri="http://schemas.openxmlformats.org/presentationml/2006/ole">
-            <p:oleObj spid="_x0000_s563202" name="Equation" r:id="rId4" imgW="0" imgH="0" progId="Equation.DSMT4">
-              <p:embed/>
-            </p:oleObj>
-          </a:graphicData>
-        </a:graphic>
-      </p:graphicFrame>
-    </p:spTree>
-  </p:cSld>
-  <p:clrMapOvr>
-    <a:masterClrMapping/>
-  </p:clrMapOvr>
-  <p:transition/>
-  <p:timing>
-    <p:tnLst>
-      <p:par>
-        <p:cTn id="1" dur="indefinite" restart="never" nodeType="tmRoot"/>
-      </p:par>
-    </p:tnLst>
-  </p:timing>
-</p:sld>
-</file>
-
-<file path=ppt/slides/slide28.xml><?xml version="1.0" encoding="utf-8"?>
-<p:sld xmlns:a="http://schemas.openxmlformats.org/drawingml/2006/main" xmlns:r="http://schemas.openxmlformats.org/officeDocument/2006/relationships" xmlns:mc="http://schemas.openxmlformats.org/markup-compatibility/2006" xmlns:mv="urn:schemas-microsoft-com:mac:vml" xmlns:p="http://schemas.openxmlformats.org/presentationml/2006/main" mc:Ignorable="mv" mc:PreserveAttributes="mv:*" show="0">
-  <p:cSld>
-    <p:spTree>
-      <p:nvGrpSpPr>
-        <p:cNvPr id="1" name=""/>
-        <p:cNvGrpSpPr/>
-        <p:nvPr/>
-      </p:nvGrpSpPr>
-      <p:grpSpPr>
-        <a:xfrm>
-          <a:off x="0" y="0"/>
-          <a:ext cx="0" cy="0"/>
-          <a:chOff x="0" y="0"/>
-          <a:chExt cx="0" cy="0"/>
-        </a:xfrm>
-      </p:grpSpPr>
-      <p:sp>
-        <p:nvSpPr>
-          <p:cNvPr id="56325" name="Text Box 5"/>
-          <p:cNvSpPr txBox="1">
-            <a:spLocks noChangeArrowheads="1"/>
-          </p:cNvSpPr>
-          <p:nvPr/>
-        </p:nvSpPr>
-        <p:spPr bwMode="auto">
-          <a:xfrm>
-            <a:off x="367894" y="2122488"/>
-            <a:ext cx="8617329" cy="4139595"/>
-          </a:xfrm>
-          <a:prstGeom prst="rect">
-            <a:avLst/>
-          </a:prstGeom>
-          <a:noFill/>
-          <a:ln w="9525">
-            <a:noFill/>
-            <a:miter lim="800000"/>
-            <a:headEnd/>
-            <a:tailEnd/>
-          </a:ln>
-          <a:effectLst/>
-        </p:spPr>
-        <p:txBody>
-          <a:bodyPr wrap="none">
-            <a:spAutoFit/>
-          </a:bodyPr>
-          <a:lstStyle/>
-          <a:p>
-            <a:pPr>
-              <a:spcAft>
-                <a:spcPts val="600"/>
-              </a:spcAft>
-            </a:pPr>
-            <a:r>
-              <a:rPr lang="en-US" sz="2800" dirty="0">
-                <a:solidFill>
-                  <a:srgbClr val="003399"/>
-                </a:solidFill>
-                <a:latin typeface="Comic Sans MS" pitchFamily="66" charset="0"/>
-              </a:rPr>
-              <a:t>Proof</a:t>
-            </a:r>
-            <a:r>
-              <a:rPr lang="en-US" sz="2800" dirty="0">
-                <a:latin typeface="Comic Sans MS" pitchFamily="66" charset="0"/>
-              </a:rPr>
-              <a:t>:  </a:t>
-            </a:r>
-            <a:r>
-              <a:rPr lang="en-US" sz="2800" dirty="0" smtClean="0">
-                <a:latin typeface="Comic Sans MS" pitchFamily="66" charset="0"/>
-              </a:rPr>
-              <a:t>So assume </a:t>
-            </a:r>
-            <a:r>
-              <a:rPr lang="en-US" sz="2800" dirty="0" smtClean="0">
-                <a:latin typeface="Comic Sans MS" pitchFamily="66" charset="0"/>
-                <a:sym typeface="Symbol" pitchFamily="18" charset="2"/>
-              </a:rPr>
-              <a:t>left hand side.That is,</a:t>
-            </a:r>
-            <a:endParaRPr lang="en-US" sz="2800" dirty="0">
-              <a:latin typeface="Comic Sans MS" pitchFamily="66" charset="0"/>
-              <a:sym typeface="Symbol" pitchFamily="18" charset="2"/>
-            </a:endParaRPr>
-          </a:p>
-          <a:p>
-            <a:pPr>
-              <a:spcAft>
-                <a:spcPts val="600"/>
-              </a:spcAft>
-            </a:pPr>
-            <a:r>
-              <a:rPr lang="en-US" sz="2800" dirty="0" err="1" smtClean="0">
-                <a:solidFill>
-                  <a:srgbClr val="0000FF"/>
-                </a:solidFill>
-                <a:latin typeface="Comic Sans MS" pitchFamily="66" charset="0"/>
-                <a:sym typeface="Symbol" pitchFamily="18" charset="2"/>
-              </a:rPr>
-              <a:t>Q(d</a:t>
-            </a:r>
-            <a:r>
-              <a:rPr lang="en-US" sz="2800" dirty="0" smtClean="0">
-                <a:solidFill>
-                  <a:srgbClr val="0000FF"/>
-                </a:solidFill>
-                <a:latin typeface="Comic Sans MS" pitchFamily="66" charset="0"/>
-                <a:sym typeface="Symbol" pitchFamily="18" charset="2"/>
-              </a:rPr>
-              <a:t>) </a:t>
-            </a:r>
-            <a:r>
-              <a:rPr lang="en-US" b="1" dirty="0" smtClean="0">
-                <a:solidFill>
-                  <a:srgbClr val="0000FF"/>
-                </a:solidFill>
-                <a:latin typeface="Comic Sans MS" pitchFamily="66" charset="0"/>
-                <a:sym typeface="Euclid Symbol" pitchFamily="18" charset="2"/>
-              </a:rPr>
-              <a:t>AND </a:t>
-            </a:r>
-            <a:r>
-              <a:rPr lang="en-US" sz="2800" dirty="0" err="1" smtClean="0">
-                <a:solidFill>
-                  <a:srgbClr val="0000FF"/>
-                </a:solidFill>
-                <a:latin typeface="Comic Sans MS" pitchFamily="66" charset="0"/>
-                <a:sym typeface="Symbol" pitchFamily="18" charset="2"/>
-              </a:rPr>
-              <a:t>P(d)</a:t>
-            </a:r>
-            <a:r>
-              <a:rPr lang="en-US" sz="2800" dirty="0" err="1">
-                <a:latin typeface="Comic Sans MS" pitchFamily="66" charset="0"/>
-                <a:sym typeface="Symbol" pitchFamily="18" charset="2"/>
-              </a:rPr>
-              <a:t>holds</a:t>
-            </a:r>
-            <a:r>
-              <a:rPr lang="en-US" sz="2800" dirty="0">
-                <a:latin typeface="Comic Sans MS" pitchFamily="66" charset="0"/>
-                <a:sym typeface="Symbol" pitchFamily="18" charset="2"/>
-              </a:rPr>
-              <a:t> for </a:t>
-            </a:r>
-            <a:r>
-              <a:rPr lang="en-US" sz="2800" i="1" dirty="0" smtClean="0">
-                <a:latin typeface="Comic Sans MS" pitchFamily="66" charset="0"/>
-                <a:sym typeface="Symbol" pitchFamily="18" charset="2"/>
-              </a:rPr>
-              <a:t>all </a:t>
-            </a:r>
-            <a:r>
-              <a:rPr lang="en-US" sz="2800" dirty="0" err="1" smtClean="0">
-                <a:solidFill>
-                  <a:srgbClr val="0000FF"/>
-                </a:solidFill>
-                <a:latin typeface="Comic Sans MS" pitchFamily="66" charset="0"/>
-                <a:sym typeface="Symbol" pitchFamily="18" charset="2"/>
-              </a:rPr>
-              <a:t>d</a:t>
-            </a:r>
-            <a:r>
-              <a:rPr lang="en-US" sz="2800" dirty="0" smtClean="0">
-                <a:solidFill>
-                  <a:srgbClr val="0000FF"/>
-                </a:solidFill>
-                <a:latin typeface="Comic Sans MS" pitchFamily="66" charset="0"/>
-                <a:sym typeface="Symbol" pitchFamily="18" charset="2"/>
-              </a:rPr>
-              <a:t> </a:t>
-            </a:r>
-            <a:r>
-              <a:rPr lang="en-US" sz="2800" dirty="0" smtClean="0">
-                <a:latin typeface="Comic Sans MS" pitchFamily="66" charset="0"/>
-                <a:sym typeface="Symbol" pitchFamily="18" charset="2"/>
-              </a:rPr>
-              <a:t>in </a:t>
-            </a:r>
-            <a:r>
-              <a:rPr lang="en-US" sz="2800" dirty="0">
-                <a:latin typeface="Comic Sans MS" pitchFamily="66" charset="0"/>
-                <a:sym typeface="Symbol" pitchFamily="18" charset="2"/>
-              </a:rPr>
-              <a:t>the domain.</a:t>
-            </a:r>
-          </a:p>
-          <a:p>
-            <a:pPr>
-              <a:spcAft>
-                <a:spcPts val="600"/>
-              </a:spcAft>
-            </a:pPr>
-            <a:r>
-              <a:rPr lang="en-US" sz="2800" dirty="0">
-                <a:latin typeface="Comic Sans MS" pitchFamily="66" charset="0"/>
-                <a:sym typeface="Symbol" pitchFamily="18" charset="2"/>
-              </a:rPr>
-              <a:t>Now let </a:t>
-            </a:r>
-            <a:r>
-              <a:rPr lang="en-US" sz="2800" dirty="0">
-                <a:solidFill>
-                  <a:srgbClr val="003399"/>
-                </a:solidFill>
-                <a:latin typeface="Comic Sans MS" pitchFamily="66" charset="0"/>
-                <a:sym typeface="Symbol" pitchFamily="18" charset="2"/>
-              </a:rPr>
-              <a:t>c</a:t>
-            </a:r>
-            <a:r>
-              <a:rPr lang="en-US" sz="2800" dirty="0">
-                <a:latin typeface="Comic Sans MS" pitchFamily="66" charset="0"/>
-                <a:sym typeface="Symbol" pitchFamily="18" charset="2"/>
-              </a:rPr>
-              <a:t> be some domain element. </a:t>
-            </a:r>
-            <a:r>
-              <a:rPr lang="en-US" sz="2800" dirty="0" smtClean="0">
-                <a:latin typeface="Comic Sans MS" pitchFamily="66" charset="0"/>
-              </a:rPr>
-              <a:t> Then</a:t>
-            </a:r>
-            <a:endParaRPr lang="en-US" sz="2800" dirty="0">
-              <a:latin typeface="Comic Sans MS" pitchFamily="66" charset="0"/>
-            </a:endParaRPr>
-          </a:p>
-          <a:p>
-            <a:pPr>
-              <a:spcAft>
-                <a:spcPts val="600"/>
-              </a:spcAft>
-            </a:pPr>
-            <a:r>
-              <a:rPr lang="en-US" sz="2800" dirty="0" err="1">
-                <a:solidFill>
-                  <a:srgbClr val="0000FF"/>
-                </a:solidFill>
-                <a:latin typeface="Comic Sans MS" pitchFamily="66" charset="0"/>
-              </a:rPr>
-              <a:t>Q(c</a:t>
-            </a:r>
-            <a:r>
-              <a:rPr lang="en-US" sz="2800" dirty="0" smtClean="0">
-                <a:solidFill>
-                  <a:srgbClr val="0000FF"/>
-                </a:solidFill>
-                <a:latin typeface="Comic Sans MS" pitchFamily="66" charset="0"/>
-              </a:rPr>
-              <a:t>) </a:t>
-            </a:r>
-            <a:r>
-              <a:rPr lang="en-US" b="1" dirty="0" smtClean="0">
-                <a:solidFill>
-                  <a:srgbClr val="0000FF"/>
-                </a:solidFill>
-                <a:latin typeface="Comic Sans MS" pitchFamily="66" charset="0"/>
-                <a:sym typeface="Euclid Symbol" pitchFamily="18" charset="2"/>
-              </a:rPr>
-              <a:t>AND </a:t>
-            </a:r>
-            <a:r>
-              <a:rPr lang="en-US" sz="2800" dirty="0" err="1" smtClean="0">
-                <a:solidFill>
-                  <a:srgbClr val="0000FF"/>
-                </a:solidFill>
-                <a:latin typeface="Comic Sans MS" pitchFamily="66" charset="0"/>
-                <a:sym typeface="Symbol" pitchFamily="18" charset="2"/>
-              </a:rPr>
-              <a:t>P</a:t>
-            </a:r>
-            <a:r>
-              <a:rPr lang="en-US" sz="2800" dirty="0" err="1">
-                <a:solidFill>
-                  <a:srgbClr val="0000FF"/>
-                </a:solidFill>
-                <a:latin typeface="Comic Sans MS" pitchFamily="66" charset="0"/>
-                <a:sym typeface="Symbol" pitchFamily="18" charset="2"/>
-              </a:rPr>
-              <a:t>(c</a:t>
-            </a:r>
-            <a:r>
-              <a:rPr lang="en-US" sz="2800" dirty="0">
-                <a:solidFill>
-                  <a:srgbClr val="0000FF"/>
-                </a:solidFill>
-                <a:latin typeface="Comic Sans MS" pitchFamily="66" charset="0"/>
-                <a:sym typeface="Symbol" pitchFamily="18" charset="2"/>
-              </a:rPr>
-              <a:t>)</a:t>
-            </a:r>
-            <a:r>
-              <a:rPr lang="en-US" sz="2800" dirty="0">
-                <a:latin typeface="Comic Sans MS" pitchFamily="66" charset="0"/>
-              </a:rPr>
-              <a:t> holds, and </a:t>
-            </a:r>
-            <a:r>
-              <a:rPr lang="en-US" sz="2800" dirty="0" smtClean="0">
-                <a:latin typeface="Comic Sans MS" pitchFamily="66" charset="0"/>
-              </a:rPr>
-              <a:t>so </a:t>
-            </a:r>
-            <a:r>
-              <a:rPr lang="en-US" sz="2800" dirty="0" err="1">
-                <a:solidFill>
-                  <a:srgbClr val="0000FF"/>
-                </a:solidFill>
-                <a:latin typeface="Comic Sans MS" pitchFamily="66" charset="0"/>
-              </a:rPr>
-              <a:t>Q(c</a:t>
-            </a:r>
-            <a:r>
-              <a:rPr lang="en-US" sz="2800" dirty="0" smtClean="0">
-                <a:solidFill>
-                  <a:srgbClr val="0000FF"/>
-                </a:solidFill>
-                <a:latin typeface="Comic Sans MS" pitchFamily="66" charset="0"/>
-              </a:rPr>
-              <a:t>) </a:t>
-            </a:r>
-            <a:r>
-              <a:rPr lang="en-US" sz="2800" dirty="0" smtClean="0">
-                <a:latin typeface="Comic Sans MS" pitchFamily="66" charset="0"/>
-              </a:rPr>
-              <a:t>by </a:t>
-            </a:r>
-            <a:r>
-              <a:rPr lang="en-US" sz="2800" dirty="0">
-                <a:latin typeface="Comic Sans MS" pitchFamily="66" charset="0"/>
-              </a:rPr>
-              <a:t>itself holds.</a:t>
-            </a:r>
-          </a:p>
-          <a:p>
-            <a:pPr>
-              <a:spcAft>
-                <a:spcPts val="600"/>
-              </a:spcAft>
-            </a:pPr>
-            <a:r>
-              <a:rPr lang="en-US" sz="2800" dirty="0">
-                <a:latin typeface="Comic Sans MS" pitchFamily="66" charset="0"/>
-              </a:rPr>
-              <a:t>But </a:t>
-            </a:r>
-            <a:r>
-              <a:rPr lang="en-US" sz="2800" dirty="0">
-                <a:solidFill>
-                  <a:srgbClr val="0000FF"/>
-                </a:solidFill>
-                <a:latin typeface="Comic Sans MS" pitchFamily="66" charset="0"/>
-              </a:rPr>
-              <a:t>c</a:t>
-            </a:r>
-            <a:r>
-              <a:rPr lang="en-US" sz="2800" dirty="0">
-                <a:latin typeface="Comic Sans MS" pitchFamily="66" charset="0"/>
-              </a:rPr>
-              <a:t> could have been any element of the domain</a:t>
-            </a:r>
-            <a:r>
-              <a:rPr lang="en-US" sz="2800" dirty="0" smtClean="0">
-                <a:latin typeface="Comic Sans MS" pitchFamily="66" charset="0"/>
-              </a:rPr>
-              <a:t>.</a:t>
-            </a:r>
-          </a:p>
-          <a:p>
-            <a:pPr>
-              <a:spcAft>
-                <a:spcPts val="600"/>
-              </a:spcAft>
-            </a:pPr>
-            <a:r>
-              <a:rPr lang="en-US" sz="2800" dirty="0" smtClean="0">
-                <a:latin typeface="Comic Sans MS" pitchFamily="66" charset="0"/>
-              </a:rPr>
-              <a:t>So we </a:t>
-            </a:r>
-            <a:r>
-              <a:rPr lang="en-US" sz="2800" dirty="0">
-                <a:latin typeface="Comic Sans MS" pitchFamily="66" charset="0"/>
-              </a:rPr>
-              <a:t>conclude </a:t>
-            </a:r>
-            <a:r>
-              <a:rPr lang="en-US" sz="2800" b="1" dirty="0" smtClean="0">
-                <a:solidFill>
-                  <a:srgbClr val="0000FF"/>
-                </a:solidFill>
-                <a:latin typeface="Euclid Symbol" charset="2"/>
-                <a:sym typeface="Euclid Symbol" pitchFamily="18" charset="2"/>
-              </a:rPr>
-              <a:t>∀</a:t>
-            </a:r>
-            <a:r>
-              <a:rPr lang="en-US" sz="2800" dirty="0" err="1" smtClean="0">
-                <a:solidFill>
-                  <a:srgbClr val="0000FF"/>
-                </a:solidFill>
-                <a:latin typeface="Comic Sans MS" pitchFamily="66" charset="0"/>
-                <a:sym typeface="Symbol" pitchFamily="18" charset="2"/>
-              </a:rPr>
-              <a:t>x.Q(x</a:t>
-            </a:r>
-            <a:r>
-              <a:rPr lang="en-US" sz="2800" dirty="0" smtClean="0">
-                <a:solidFill>
-                  <a:srgbClr val="0000FF"/>
-                </a:solidFill>
-                <a:latin typeface="Comic Sans MS" pitchFamily="66" charset="0"/>
-                <a:sym typeface="Symbol" pitchFamily="18" charset="2"/>
-              </a:rPr>
-              <a:t>).</a:t>
-            </a:r>
-            <a:endParaRPr lang="en-US" sz="2800" dirty="0">
-              <a:solidFill>
-                <a:srgbClr val="0000FF"/>
-              </a:solidFill>
-              <a:latin typeface="Comic Sans MS" pitchFamily="66" charset="0"/>
-            </a:endParaRPr>
-          </a:p>
-          <a:p>
-            <a:pPr>
-              <a:spcAft>
-                <a:spcPts val="600"/>
-              </a:spcAft>
-            </a:pPr>
-            <a:r>
-              <a:rPr lang="en-US" sz="2800" dirty="0" smtClean="0">
-                <a:latin typeface="Comic Sans MS" pitchFamily="66" charset="0"/>
-              </a:rPr>
-              <a:t>Similarly conclude </a:t>
-            </a:r>
-            <a:r>
-              <a:rPr lang="en-US" sz="2800" b="1" dirty="0" smtClean="0">
-                <a:solidFill>
-                  <a:srgbClr val="0000FF"/>
-                </a:solidFill>
-                <a:latin typeface="Euclid Symbol" charset="2"/>
-                <a:sym typeface="Euclid Symbol" pitchFamily="18" charset="2"/>
-              </a:rPr>
-              <a:t>∀</a:t>
-            </a:r>
-            <a:r>
-              <a:rPr lang="en-US" sz="2800" dirty="0" err="1" smtClean="0">
-                <a:solidFill>
-                  <a:srgbClr val="0000FF"/>
-                </a:solidFill>
-                <a:latin typeface="Comic Sans MS" pitchFamily="66" charset="0"/>
-                <a:sym typeface="Symbol" pitchFamily="18" charset="2"/>
-              </a:rPr>
-              <a:t>y.P(y</a:t>
-            </a:r>
-            <a:r>
-              <a:rPr lang="en-US" sz="2800" dirty="0" smtClean="0">
-                <a:solidFill>
-                  <a:srgbClr val="0000FF"/>
-                </a:solidFill>
-                <a:latin typeface="Comic Sans MS" pitchFamily="66" charset="0"/>
-                <a:sym typeface="Symbol" pitchFamily="18" charset="2"/>
-              </a:rPr>
-              <a:t>)</a:t>
-            </a:r>
-            <a:r>
-              <a:rPr lang="en-US" sz="2800" dirty="0" smtClean="0">
-                <a:latin typeface="Comic Sans MS" pitchFamily="66" charset="0"/>
-              </a:rPr>
-              <a:t>. </a:t>
-            </a:r>
-            <a:r>
-              <a:rPr lang="en-US" sz="2800" dirty="0">
-                <a:latin typeface="Comic Sans MS" pitchFamily="66" charset="0"/>
-              </a:rPr>
-              <a:t>Therefore,</a:t>
-            </a:r>
-          </a:p>
-          <a:p>
-            <a:pPr>
-              <a:spcAft>
-                <a:spcPts val="600"/>
-              </a:spcAft>
-            </a:pPr>
-            <a:r>
-              <a:rPr lang="en-US" sz="2800" b="1" dirty="0" smtClean="0">
-                <a:solidFill>
-                  <a:srgbClr val="0000FF"/>
-                </a:solidFill>
-                <a:latin typeface="Euclid Symbol" charset="2"/>
-                <a:sym typeface="Euclid Symbol" pitchFamily="18" charset="2"/>
-              </a:rPr>
-              <a:t>∀</a:t>
-            </a:r>
-            <a:r>
-              <a:rPr lang="en-US" sz="2800" dirty="0" err="1" smtClean="0">
-                <a:solidFill>
-                  <a:srgbClr val="0000FF"/>
-                </a:solidFill>
-                <a:latin typeface="Comic Sans MS" pitchFamily="66" charset="0"/>
-                <a:sym typeface="Symbol" pitchFamily="18" charset="2"/>
-              </a:rPr>
-              <a:t>x.Q(x</a:t>
-            </a:r>
-            <a:r>
-              <a:rPr lang="en-US" sz="2800" dirty="0" smtClean="0">
-                <a:solidFill>
-                  <a:srgbClr val="0000FF"/>
-                </a:solidFill>
-                <a:latin typeface="Comic Sans MS" pitchFamily="66" charset="0"/>
-                <a:sym typeface="Symbol" pitchFamily="18" charset="2"/>
-              </a:rPr>
-              <a:t>) </a:t>
-            </a:r>
-            <a:r>
-              <a:rPr lang="en-US" b="1" dirty="0" smtClean="0">
-                <a:solidFill>
-                  <a:srgbClr val="0000FF"/>
-                </a:solidFill>
-                <a:latin typeface="Comic Sans MS" pitchFamily="66" charset="0"/>
-                <a:sym typeface="Euclid Symbol" pitchFamily="18" charset="2"/>
-              </a:rPr>
-              <a:t>AND </a:t>
-            </a:r>
-            <a:r>
-              <a:rPr lang="en-US" sz="2800" b="1" dirty="0" smtClean="0">
-                <a:solidFill>
-                  <a:srgbClr val="0000FF"/>
-                </a:solidFill>
-                <a:latin typeface="Euclid Symbol" charset="2"/>
-                <a:sym typeface="Euclid Symbol" pitchFamily="18" charset="2"/>
-              </a:rPr>
-              <a:t>∀</a:t>
-            </a:r>
-            <a:r>
-              <a:rPr lang="en-US" sz="2800" dirty="0" err="1" smtClean="0">
-                <a:solidFill>
-                  <a:srgbClr val="0000FF"/>
-                </a:solidFill>
-                <a:latin typeface="Comic Sans MS" pitchFamily="66" charset="0"/>
-                <a:sym typeface="Symbol" pitchFamily="18" charset="2"/>
-              </a:rPr>
-              <a:t>y.P(y</a:t>
-            </a:r>
-            <a:r>
-              <a:rPr lang="en-US" sz="2800" dirty="0">
-                <a:solidFill>
-                  <a:srgbClr val="0000FF"/>
-                </a:solidFill>
-                <a:latin typeface="Comic Sans MS" pitchFamily="66" charset="0"/>
-                <a:sym typeface="Symbol" pitchFamily="18" charset="2"/>
-              </a:rPr>
-              <a:t>)  </a:t>
-            </a:r>
-            <a:r>
-              <a:rPr lang="en-US" sz="2800" dirty="0" smtClean="0">
-                <a:solidFill>
-                  <a:srgbClr val="000066"/>
-                </a:solidFill>
-                <a:latin typeface="Comic Sans MS" pitchFamily="66" charset="0"/>
-              </a:rPr>
-              <a:t>QED</a:t>
-            </a:r>
-            <a:endParaRPr lang="en-US" sz="2800" dirty="0">
-              <a:solidFill>
-                <a:srgbClr val="000066"/>
-              </a:solidFill>
-              <a:latin typeface="Comic Sans MS" pitchFamily="66" charset="0"/>
-            </a:endParaRPr>
-          </a:p>
-        </p:txBody>
-      </p:sp>
-      <p:graphicFrame>
-        <p:nvGraphicFramePr>
-          <p:cNvPr id="56324" name="Object 4"/>
-          <p:cNvGraphicFramePr>
-            <a:graphicFrameLocks noChangeAspect="1"/>
-          </p:cNvGraphicFramePr>
-          <p:nvPr/>
-        </p:nvGraphicFramePr>
-        <p:xfrm>
-          <a:off x="0" y="0"/>
-          <a:ext cx="914400" cy="198438"/>
-        </p:xfrm>
-        <a:graphic>
-          <a:graphicData uri="http://schemas.openxmlformats.org/presentationml/2006/ole">
-            <p:oleObj spid="_x0000_s468994" name="Equation" r:id="rId4" imgW="914400" imgH="198720" progId="Equation.DSMT4">
-              <p:embed/>
-            </p:oleObj>
-          </a:graphicData>
-        </a:graphic>
-      </p:graphicFrame>
-      <p:sp>
-        <p:nvSpPr>
-          <p:cNvPr id="56326" name="Text Box 6"/>
-          <p:cNvSpPr txBox="1">
-            <a:spLocks noChangeArrowheads="1"/>
-          </p:cNvSpPr>
-          <p:nvPr/>
-        </p:nvSpPr>
-        <p:spPr bwMode="auto">
-          <a:xfrm>
-            <a:off x="306870" y="1418414"/>
-            <a:ext cx="8648249" cy="646331"/>
-          </a:xfrm>
-          <a:prstGeom prst="rect">
-            <a:avLst/>
-          </a:prstGeom>
-          <a:noFill/>
-          <a:ln w="9525">
-            <a:noFill/>
-            <a:miter lim="800000"/>
-            <a:headEnd/>
-            <a:tailEnd/>
-          </a:ln>
-          <a:effectLst/>
-        </p:spPr>
-        <p:txBody>
-          <a:bodyPr wrap="square">
-            <a:spAutoFit/>
-          </a:bodyPr>
-          <a:lstStyle/>
-          <a:p>
-            <a:r>
-              <a:rPr lang="en-US" sz="3600" b="1" dirty="0" smtClean="0">
-                <a:solidFill>
-                  <a:srgbClr val="0000FF"/>
-                </a:solidFill>
-                <a:latin typeface="Euclid Symbol" charset="2"/>
-                <a:sym typeface="Euclid Symbol" pitchFamily="18" charset="2"/>
-              </a:rPr>
-              <a:t>∀</a:t>
-            </a:r>
-            <a:r>
-              <a:rPr lang="en-US" sz="3600" dirty="0" err="1" smtClean="0">
-                <a:solidFill>
-                  <a:srgbClr val="0000FF"/>
-                </a:solidFill>
-                <a:latin typeface="Comic Sans MS" pitchFamily="66" charset="0"/>
-                <a:sym typeface="Symbol" pitchFamily="18" charset="2"/>
-              </a:rPr>
-              <a:t>z</a:t>
-            </a:r>
-            <a:r>
-              <a:rPr lang="en-US" sz="3600" dirty="0">
-                <a:solidFill>
-                  <a:srgbClr val="0000FF"/>
-                </a:solidFill>
-                <a:latin typeface="Comic Sans MS" pitchFamily="66" charset="0"/>
-                <a:sym typeface="Symbol" pitchFamily="18" charset="2"/>
-              </a:rPr>
-              <a:t>[</a:t>
-            </a:r>
-            <a:r>
-              <a:rPr lang="en-US" sz="3600" dirty="0" err="1">
-                <a:solidFill>
-                  <a:srgbClr val="0000FF"/>
-                </a:solidFill>
-                <a:latin typeface="Comic Sans MS" pitchFamily="66" charset="0"/>
-                <a:sym typeface="Symbol" pitchFamily="18" charset="2"/>
-              </a:rPr>
-              <a:t>Q(z</a:t>
-            </a:r>
-            <a:r>
-              <a:rPr lang="en-US" sz="3600" dirty="0" err="1" smtClean="0">
-                <a:solidFill>
-                  <a:srgbClr val="0000FF"/>
-                </a:solidFill>
-                <a:latin typeface="Comic Sans MS" pitchFamily="66" charset="0"/>
-                <a:sym typeface="Symbol" pitchFamily="18" charset="2"/>
-              </a:rPr>
-              <a:t>)</a:t>
-            </a:r>
-            <a:r>
-              <a:rPr lang="en-US" sz="3600" b="1" dirty="0" err="1" smtClean="0">
-                <a:solidFill>
-                  <a:srgbClr val="0000FF"/>
-                </a:solidFill>
-                <a:latin typeface="Comic Sans MS" pitchFamily="66" charset="0"/>
-                <a:sym typeface="Euclid Symbol" pitchFamily="18" charset="2"/>
-              </a:rPr>
-              <a:t>∧</a:t>
-            </a:r>
-            <a:r>
-              <a:rPr lang="en-US" sz="3600" dirty="0" err="1" smtClean="0">
-                <a:solidFill>
-                  <a:srgbClr val="0000FF"/>
-                </a:solidFill>
-                <a:latin typeface="Comic Sans MS" pitchFamily="66" charset="0"/>
-                <a:sym typeface="Symbol" pitchFamily="18" charset="2"/>
-              </a:rPr>
-              <a:t>P</a:t>
-            </a:r>
-            <a:r>
-              <a:rPr lang="en-US" sz="3600" dirty="0" err="1">
-                <a:solidFill>
-                  <a:srgbClr val="0000FF"/>
-                </a:solidFill>
-                <a:latin typeface="Comic Sans MS" pitchFamily="66" charset="0"/>
-                <a:sym typeface="Symbol" pitchFamily="18" charset="2"/>
-              </a:rPr>
-              <a:t>(z</a:t>
-            </a:r>
-            <a:r>
-              <a:rPr lang="en-US" sz="3600" dirty="0">
-                <a:solidFill>
-                  <a:srgbClr val="0000FF"/>
-                </a:solidFill>
-                <a:latin typeface="Comic Sans MS" pitchFamily="66" charset="0"/>
-                <a:sym typeface="Symbol" pitchFamily="18" charset="2"/>
-              </a:rPr>
-              <a:t>)] </a:t>
-            </a:r>
-            <a:r>
-              <a:rPr lang="en-US" sz="3600" dirty="0">
-                <a:solidFill>
-                  <a:srgbClr val="0000FF"/>
-                </a:solidFill>
-                <a:latin typeface="Comic Sans MS" pitchFamily="66" charset="0"/>
-                <a:cs typeface="Times New Roman" pitchFamily="18" charset="0"/>
-                <a:sym typeface="Symbol" pitchFamily="18" charset="2"/>
-              </a:rPr>
-              <a:t>→ </a:t>
-            </a:r>
-            <a:r>
-              <a:rPr lang="en-US" sz="3600" dirty="0" smtClean="0">
-                <a:solidFill>
-                  <a:srgbClr val="0000FF"/>
-                </a:solidFill>
-                <a:latin typeface="Comic Sans MS" pitchFamily="66" charset="0"/>
-                <a:sym typeface="Symbol" pitchFamily="18" charset="2"/>
-              </a:rPr>
-              <a:t>[</a:t>
-            </a:r>
-            <a:r>
-              <a:rPr lang="en-US" sz="3600" b="1" dirty="0" smtClean="0">
-                <a:solidFill>
-                  <a:srgbClr val="0000FF"/>
-                </a:solidFill>
-                <a:latin typeface="Euclid Symbol" charset="2"/>
-                <a:sym typeface="Euclid Symbol" pitchFamily="18" charset="2"/>
-              </a:rPr>
-              <a:t>∀</a:t>
-            </a:r>
-            <a:r>
-              <a:rPr lang="en-US" sz="3600" dirty="0" err="1" smtClean="0">
-                <a:solidFill>
-                  <a:srgbClr val="0000FF"/>
-                </a:solidFill>
-                <a:latin typeface="Comic Sans MS" pitchFamily="66" charset="0"/>
-                <a:sym typeface="Symbol" pitchFamily="18" charset="2"/>
-              </a:rPr>
-              <a:t>x.Q(x</a:t>
-            </a:r>
-            <a:r>
-              <a:rPr lang="en-US" sz="3600" dirty="0">
-                <a:solidFill>
-                  <a:srgbClr val="0000FF"/>
-                </a:solidFill>
-                <a:latin typeface="Comic Sans MS" pitchFamily="66" charset="0"/>
-                <a:sym typeface="Symbol" pitchFamily="18" charset="2"/>
-              </a:rPr>
-              <a:t>)</a:t>
-            </a:r>
-            <a:r>
-              <a:rPr lang="en-US" sz="3600" b="1" dirty="0" smtClean="0">
-                <a:solidFill>
-                  <a:srgbClr val="0000FF"/>
-                </a:solidFill>
-                <a:latin typeface="Comic Sans MS" pitchFamily="66" charset="0"/>
-                <a:sym typeface="Euclid Symbol" pitchFamily="18" charset="2"/>
-              </a:rPr>
-              <a:t>∧</a:t>
-            </a:r>
-            <a:r>
-              <a:rPr lang="en-US" sz="3600" b="1" dirty="0" smtClean="0">
-                <a:solidFill>
-                  <a:srgbClr val="0000FF"/>
-                </a:solidFill>
-                <a:latin typeface="Euclid Symbol" charset="2"/>
-                <a:sym typeface="Euclid Symbol" pitchFamily="18" charset="2"/>
-              </a:rPr>
-              <a:t>∀</a:t>
-            </a:r>
-            <a:r>
-              <a:rPr lang="en-US" sz="3600" dirty="0" err="1" smtClean="0">
-                <a:solidFill>
-                  <a:srgbClr val="0000FF"/>
-                </a:solidFill>
-                <a:latin typeface="Comic Sans MS" pitchFamily="66" charset="0"/>
-                <a:sym typeface="Symbol" pitchFamily="18" charset="2"/>
-              </a:rPr>
-              <a:t>y.P(y</a:t>
-            </a:r>
-            <a:r>
-              <a:rPr lang="en-US" sz="3600" dirty="0">
-                <a:solidFill>
-                  <a:srgbClr val="0000FF"/>
-                </a:solidFill>
-                <a:latin typeface="Comic Sans MS" pitchFamily="66" charset="0"/>
-                <a:sym typeface="Symbol" pitchFamily="18" charset="2"/>
-              </a:rPr>
-              <a:t>)]</a:t>
-            </a:r>
-          </a:p>
-        </p:txBody>
-      </p:sp>
-      <p:sp>
-        <p:nvSpPr>
-          <p:cNvPr id="56327" name="Text Box 7"/>
-          <p:cNvSpPr txBox="1">
-            <a:spLocks noChangeArrowheads="1"/>
-          </p:cNvSpPr>
-          <p:nvPr/>
-        </p:nvSpPr>
-        <p:spPr bwMode="auto">
-          <a:xfrm>
-            <a:off x="5213813" y="4625364"/>
-            <a:ext cx="1648208" cy="584775"/>
-          </a:xfrm>
-          <a:prstGeom prst="rect">
-            <a:avLst/>
-          </a:prstGeom>
-          <a:noFill/>
-          <a:ln w="9525">
-            <a:noFill/>
-            <a:miter lim="800000"/>
-            <a:headEnd/>
-            <a:tailEnd/>
-          </a:ln>
-          <a:effectLst/>
-        </p:spPr>
-        <p:txBody>
-          <a:bodyPr wrap="none">
-            <a:spAutoFit/>
-          </a:bodyPr>
-          <a:lstStyle/>
-          <a:p>
-            <a:r>
-              <a:rPr lang="en-US" sz="3200" dirty="0" smtClean="0">
-                <a:latin typeface="Comic Sans MS" pitchFamily="66" charset="0"/>
-              </a:rPr>
-              <a:t>(</a:t>
-            </a:r>
-            <a:r>
-              <a:rPr lang="en-US" sz="3200" dirty="0" smtClean="0">
-                <a:solidFill>
-                  <a:srgbClr val="008000"/>
-                </a:solidFill>
-                <a:latin typeface="Comic Sans MS" pitchFamily="66" charset="0"/>
-              </a:rPr>
-              <a:t>by </a:t>
-            </a:r>
-            <a:r>
-              <a:rPr lang="en-US" sz="3200" b="1" dirty="0" smtClean="0">
-                <a:solidFill>
-                  <a:srgbClr val="008000"/>
-                </a:solidFill>
-                <a:latin typeface="Comic Sans MS" pitchFamily="66" charset="0"/>
-              </a:rPr>
-              <a:t>UG</a:t>
-            </a:r>
-            <a:r>
-              <a:rPr lang="en-US" sz="3200" dirty="0">
-                <a:solidFill>
-                  <a:srgbClr val="000066"/>
-                </a:solidFill>
-                <a:latin typeface="Comic Sans MS" pitchFamily="66" charset="0"/>
-              </a:rPr>
-              <a:t>)</a:t>
-            </a:r>
-          </a:p>
-        </p:txBody>
-      </p:sp>
-      <p:sp>
-        <p:nvSpPr>
-          <p:cNvPr id="8" name="Rectangle 13"/>
-          <p:cNvSpPr>
-            <a:spLocks noChangeArrowheads="1"/>
-          </p:cNvSpPr>
-          <p:nvPr/>
-        </p:nvSpPr>
-        <p:spPr bwMode="auto">
-          <a:xfrm>
-            <a:off x="2554968" y="417967"/>
-            <a:ext cx="4020652" cy="707886"/>
-          </a:xfrm>
-          <a:prstGeom prst="rect">
-            <a:avLst/>
-          </a:prstGeom>
-          <a:noFill/>
-          <a:ln w="9525">
-            <a:noFill/>
-            <a:miter lim="800000"/>
-            <a:headEnd/>
-            <a:tailEnd/>
-          </a:ln>
-          <a:effectLst/>
-        </p:spPr>
-        <p:txBody>
-          <a:bodyPr wrap="none">
-            <a:spAutoFit/>
-          </a:bodyPr>
-          <a:lstStyle/>
-          <a:p>
-            <a:r>
-              <a:rPr lang="en-US" sz="4000" b="1" dirty="0" smtClean="0">
-                <a:latin typeface="Comic Sans MS" pitchFamily="66" charset="0"/>
-              </a:rPr>
-              <a:t>Proving Validity</a:t>
-            </a:r>
-            <a:endParaRPr lang="en-US" sz="4000" b="1" dirty="0">
-              <a:latin typeface="Comic Sans MS" pitchFamily="66" charset="0"/>
-            </a:endParaRPr>
-          </a:p>
-        </p:txBody>
-      </p:sp>
-    </p:spTree>
-  </p:cSld>
-  <p:clrMapOvr>
-    <a:masterClrMapping/>
-  </p:clrMapOvr>
-  <p:transition/>
-  <p:timing>
-    <p:tnLst>
-      <p:par>
-        <p:cTn id="1" dur="indefinite" restart="never" nodeType="tmRoot">
-          <p:childTnLst>
-            <p:seq concurrent="1" nextAc="seek">
-              <p:cTn id="2" dur="indefinite" nodeType="mainSeq">
-                <p:childTnLst>
-                  <p:par>
-                    <p:cTn id="3" fill="hold">
-                      <p:stCondLst>
-                        <p:cond delay="indefinite"/>
-                      </p:stCondLst>
-                      <p:childTnLst>
-                        <p:par>
-                          <p:cTn id="4" fill="hold">
-                            <p:stCondLst>
-                              <p:cond delay="0"/>
-                            </p:stCondLst>
-                            <p:childTnLst>
-                              <p:par>
-                                <p:cTn id="5" presetID="1" presetClass="entr" presetSubtype="0" fill="hold" nodeType="clickEffect">
-                                  <p:stCondLst>
-                                    <p:cond delay="0"/>
-                                  </p:stCondLst>
-                                  <p:childTnLst>
-                                    <p:set>
-                                      <p:cBhvr>
-                                        <p:cTn id="6" dur="1" fill="hold">
-                                          <p:stCondLst>
-                                            <p:cond delay="0"/>
-                                          </p:stCondLst>
-                                        </p:cTn>
-                                        <p:tgtEl>
-                                          <p:spTgt spid="56325">
-                                            <p:txEl>
-                                              <p:pRg st="1" end="1"/>
-                                            </p:txEl>
-                                          </p:spTgt>
-                                        </p:tgtEl>
-                                        <p:attrNameLst>
-                                          <p:attrName>style.visibility</p:attrName>
-                                        </p:attrNameLst>
-                                      </p:cBhvr>
-                                      <p:to>
-                                        <p:strVal val="visible"/>
-                                      </p:to>
-                                    </p:set>
-                                  </p:childTnLst>
-                                </p:cTn>
-                              </p:par>
-                            </p:childTnLst>
-                          </p:cTn>
-                        </p:par>
-                      </p:childTnLst>
-                    </p:cTn>
-                  </p:par>
-                  <p:par>
-                    <p:cTn id="7" fill="hold">
-                      <p:stCondLst>
-                        <p:cond delay="indefinite"/>
-                      </p:stCondLst>
-                      <p:childTnLst>
-                        <p:par>
-                          <p:cTn id="8" fill="hold">
-                            <p:stCondLst>
-                              <p:cond delay="0"/>
-                            </p:stCondLst>
-                            <p:childTnLst>
-                              <p:par>
-                                <p:cTn id="9" presetID="1" presetClass="entr" presetSubtype="0" fill="hold" nodeType="clickEffect">
-                                  <p:stCondLst>
-                                    <p:cond delay="0"/>
-                                  </p:stCondLst>
-                                  <p:childTnLst>
-                                    <p:set>
-                                      <p:cBhvr>
-                                        <p:cTn id="10" dur="1" fill="hold">
-                                          <p:stCondLst>
-                                            <p:cond delay="0"/>
-                                          </p:stCondLst>
-                                        </p:cTn>
-                                        <p:tgtEl>
-                                          <p:spTgt spid="56325">
-                                            <p:txEl>
-                                              <p:pRg st="2" end="2"/>
-                                            </p:txEl>
-                                          </p:spTgt>
-                                        </p:tgtEl>
-                                        <p:attrNameLst>
-                                          <p:attrName>style.visibility</p:attrName>
-                                        </p:attrNameLst>
-                                      </p:cBhvr>
-                                      <p:to>
-                                        <p:strVal val="visible"/>
-                                      </p:to>
-                                    </p:set>
-                                  </p:childTnLst>
-                                </p:cTn>
-                              </p:par>
-                            </p:childTnLst>
-                          </p:cTn>
-                        </p:par>
-                      </p:childTnLst>
-                    </p:cTn>
-                  </p:par>
-                  <p:par>
-                    <p:cTn id="11" fill="hold">
-                      <p:stCondLst>
-                        <p:cond delay="indefinite"/>
-                      </p:stCondLst>
-                      <p:childTnLst>
-                        <p:par>
-                          <p:cTn id="12" fill="hold">
-                            <p:stCondLst>
-                              <p:cond delay="0"/>
-                            </p:stCondLst>
-                            <p:childTnLst>
-                              <p:par>
-                                <p:cTn id="13" presetID="1" presetClass="entr" presetSubtype="0" fill="hold" nodeType="clickEffect">
-                                  <p:stCondLst>
-                                    <p:cond delay="0"/>
-                                  </p:stCondLst>
-                                  <p:childTnLst>
-                                    <p:set>
-                                      <p:cBhvr>
-                                        <p:cTn id="14" dur="1" fill="hold">
-                                          <p:stCondLst>
-                                            <p:cond delay="0"/>
-                                          </p:stCondLst>
-                                        </p:cTn>
-                                        <p:tgtEl>
-                                          <p:spTgt spid="56325">
-                                            <p:txEl>
-                                              <p:pRg st="3" end="3"/>
-                                            </p:txEl>
-                                          </p:spTgt>
-                                        </p:tgtEl>
-                                        <p:attrNameLst>
-                                          <p:attrName>style.visibility</p:attrName>
-                                        </p:attrNameLst>
-                                      </p:cBhvr>
-                                      <p:to>
-                                        <p:strVal val="visible"/>
-                                      </p:to>
-                                    </p:set>
-                                  </p:childTnLst>
-                                </p:cTn>
-                              </p:par>
-                            </p:childTnLst>
-                          </p:cTn>
-                        </p:par>
-                      </p:childTnLst>
-                    </p:cTn>
-                  </p:par>
-                  <p:par>
-                    <p:cTn id="15" fill="hold">
-                      <p:stCondLst>
-                        <p:cond delay="indefinite"/>
-                      </p:stCondLst>
-                      <p:childTnLst>
-                        <p:par>
-                          <p:cTn id="16" fill="hold">
-                            <p:stCondLst>
-                              <p:cond delay="0"/>
-                            </p:stCondLst>
-                            <p:childTnLst>
-                              <p:par>
-                                <p:cTn id="17" presetID="1" presetClass="entr" presetSubtype="0" fill="hold" nodeType="clickEffect">
-                                  <p:stCondLst>
-                                    <p:cond delay="0"/>
-                                  </p:stCondLst>
-                                  <p:childTnLst>
-                                    <p:set>
-                                      <p:cBhvr>
-                                        <p:cTn id="18" dur="1" fill="hold">
-                                          <p:stCondLst>
-                                            <p:cond delay="0"/>
-                                          </p:stCondLst>
-                                        </p:cTn>
-                                        <p:tgtEl>
-                                          <p:spTgt spid="56325">
-                                            <p:txEl>
-                                              <p:pRg st="4" end="4"/>
-                                            </p:txEl>
-                                          </p:spTgt>
-                                        </p:tgtEl>
-                                        <p:attrNameLst>
-                                          <p:attrName>style.visibility</p:attrName>
-                                        </p:attrNameLst>
-                                      </p:cBhvr>
-                                      <p:to>
-                                        <p:strVal val="visible"/>
-                                      </p:to>
-                                    </p:set>
-                                  </p:childTnLst>
-                                </p:cTn>
-                              </p:par>
-                            </p:childTnLst>
-                          </p:cTn>
-                        </p:par>
-                      </p:childTnLst>
-                    </p:cTn>
-                  </p:par>
-                  <p:par>
-                    <p:cTn id="19" fill="hold">
-                      <p:stCondLst>
-                        <p:cond delay="indefinite"/>
-                      </p:stCondLst>
-                      <p:childTnLst>
-                        <p:par>
-                          <p:cTn id="20" fill="hold">
-                            <p:stCondLst>
-                              <p:cond delay="0"/>
-                            </p:stCondLst>
-                            <p:childTnLst>
-                              <p:par>
-                                <p:cTn id="21" presetID="1" presetClass="entr" presetSubtype="0" fill="hold" nodeType="clickEffect">
-                                  <p:stCondLst>
-                                    <p:cond delay="0"/>
-                                  </p:stCondLst>
-                                  <p:childTnLst>
-                                    <p:set>
-                                      <p:cBhvr>
-                                        <p:cTn id="22" dur="1" fill="hold">
-                                          <p:stCondLst>
-                                            <p:cond delay="0"/>
-                                          </p:stCondLst>
-                                        </p:cTn>
-                                        <p:tgtEl>
-                                          <p:spTgt spid="56325">
-                                            <p:txEl>
-                                              <p:pRg st="5" end="5"/>
-                                            </p:txEl>
-                                          </p:spTgt>
-                                        </p:tgtEl>
-                                        <p:attrNameLst>
-                                          <p:attrName>style.visibility</p:attrName>
-                                        </p:attrNameLst>
-                                      </p:cBhvr>
-                                      <p:to>
-                                        <p:strVal val="visible"/>
-                                      </p:to>
-                                    </p:set>
-                                  </p:childTnLst>
-                                </p:cTn>
-                              </p:par>
-                            </p:childTnLst>
-                          </p:cTn>
-                        </p:par>
-                      </p:childTnLst>
-                    </p:cTn>
-                  </p:par>
-                  <p:par>
-                    <p:cTn id="23" fill="hold">
-                      <p:stCondLst>
-                        <p:cond delay="indefinite"/>
-                      </p:stCondLst>
-                      <p:childTnLst>
-                        <p:par>
-                          <p:cTn id="24" fill="hold">
-                            <p:stCondLst>
-                              <p:cond delay="0"/>
-                            </p:stCondLst>
-                            <p:childTnLst>
-                              <p:par>
-                                <p:cTn id="25" presetID="1" presetClass="entr" presetSubtype="0" fill="hold" grpId="0" nodeType="clickEffect">
-                                  <p:stCondLst>
-                                    <p:cond delay="0"/>
-                                  </p:stCondLst>
-                                  <p:childTnLst>
-                                    <p:set>
-                                      <p:cBhvr>
-                                        <p:cTn id="26" dur="1" fill="hold">
-                                          <p:stCondLst>
-                                            <p:cond delay="0"/>
-                                          </p:stCondLst>
-                                        </p:cTn>
-                                        <p:tgtEl>
-                                          <p:spTgt spid="56327"/>
-                                        </p:tgtEl>
-                                        <p:attrNameLst>
-                                          <p:attrName>style.visibility</p:attrName>
-                                        </p:attrNameLst>
-                                      </p:cBhvr>
-                                      <p:to>
-                                        <p:strVal val="visible"/>
-                                      </p:to>
-                                    </p:set>
-                                  </p:childTnLst>
-                                </p:cTn>
-                              </p:par>
-                            </p:childTnLst>
-                          </p:cTn>
-                        </p:par>
-                      </p:childTnLst>
-                    </p:cTn>
-                  </p:par>
-                  <p:par>
-                    <p:cTn id="27" fill="hold">
-                      <p:stCondLst>
-                        <p:cond delay="indefinite"/>
-                      </p:stCondLst>
-                      <p:childTnLst>
-                        <p:par>
-                          <p:cTn id="28" fill="hold">
-                            <p:stCondLst>
-                              <p:cond delay="0"/>
-                            </p:stCondLst>
-                            <p:childTnLst>
-                              <p:par>
-                                <p:cTn id="29" presetID="1" presetClass="entr" presetSubtype="0" fill="hold" nodeType="clickEffect">
-                                  <p:stCondLst>
-                                    <p:cond delay="0"/>
-                                  </p:stCondLst>
-                                  <p:childTnLst>
-                                    <p:set>
-                                      <p:cBhvr>
-                                        <p:cTn id="30" dur="1" fill="hold">
-                                          <p:stCondLst>
-                                            <p:cond delay="0"/>
-                                          </p:stCondLst>
-                                        </p:cTn>
-                                        <p:tgtEl>
-                                          <p:spTgt spid="56325">
-                                            <p:txEl>
-                                              <p:pRg st="6" end="6"/>
-                                            </p:txEl>
-                                          </p:spTgt>
-                                        </p:tgtEl>
-                                        <p:attrNameLst>
-                                          <p:attrName>style.visibility</p:attrName>
-                                        </p:attrNameLst>
-                                      </p:cBhvr>
-                                      <p:to>
-                                        <p:strVal val="visible"/>
-                                      </p:to>
-                                    </p:set>
-                                  </p:childTnLst>
-                                </p:cTn>
-                              </p:par>
-                              <p:par>
-                                <p:cTn id="31" presetID="1" presetClass="entr" presetSubtype="0" fill="hold" nodeType="withEffect">
-                                  <p:stCondLst>
-                                    <p:cond delay="0"/>
-                                  </p:stCondLst>
-                                  <p:childTnLst>
-                                    <p:set>
-                                      <p:cBhvr>
-                                        <p:cTn id="32" dur="1" fill="hold">
-                                          <p:stCondLst>
-                                            <p:cond delay="0"/>
-                                          </p:stCondLst>
-                                        </p:cTn>
-                                        <p:tgtEl>
-                                          <p:spTgt spid="56325">
-                                            <p:txEl>
-                                              <p:pRg st="7" end="7"/>
-                                            </p:txEl>
-                                          </p:spTgt>
-                                        </p:tgtEl>
-                                        <p:attrNameLst>
-                                          <p:attrName>style.visibility</p:attrName>
-                                        </p:attrNameLst>
-                                      </p:cBhvr>
-                                      <p:to>
-                                        <p:strVal val="visible"/>
-                                      </p:to>
-                                    </p:set>
-                                  </p:childTnLst>
-                                </p:cTn>
-                              </p:par>
-                            </p:childTnLst>
-                          </p:cTn>
-                        </p:par>
-                      </p:childTnLst>
-                    </p:cTn>
-                  </p:par>
-                </p:childTnLst>
-              </p:cTn>
-              <p:prevCondLst>
-                <p:cond evt="onPrev" delay="0">
-                  <p:tgtEl>
-                    <p:sldTgt/>
-                  </p:tgtEl>
-                </p:cond>
-              </p:prevCondLst>
-              <p:nextCondLst>
-                <p:cond evt="onNext" delay="0">
-                  <p:tgtEl>
-                    <p:sldTgt/>
-                  </p:tgtEl>
-                </p:cond>
-              </p:nextCondLst>
-            </p:seq>
-          </p:childTnLst>
-        </p:cTn>
-      </p:par>
-    </p:tnLst>
-    <p:bldLst>
-      <p:bldP spid="56327" grpId="0"/>
+      <p:bldP spid="57367" grpId="0"/>
     </p:bldLst>
   </p:timing>
 </p:sld>
@@ -18584,7 +19398,7 @@
 </file>
 
 <file path=ppt/slides/slide30.xml><?xml version="1.0" encoding="utf-8"?>
-<p:sld xmlns:a="http://schemas.openxmlformats.org/drawingml/2006/main" xmlns:r="http://schemas.openxmlformats.org/officeDocument/2006/relationships" xmlns:mc="http://schemas.openxmlformats.org/markup-compatibility/2006" xmlns:mv="urn:schemas-microsoft-com:mac:vml" xmlns:p="http://schemas.openxmlformats.org/presentationml/2006/main" mc:Ignorable="mv" mc:PreserveAttributes="mv:*" show="0">
+<p:sld xmlns:a="http://schemas.openxmlformats.org/drawingml/2006/main" xmlns:r="http://schemas.openxmlformats.org/officeDocument/2006/relationships" xmlns:mc="http://schemas.openxmlformats.org/markup-compatibility/2006" xmlns:mv="urn:schemas-microsoft-com:mac:vml" xmlns:p="http://schemas.openxmlformats.org/presentationml/2006/main" mc:Ignorable="mv" mc:PreserveAttributes="mv:*">
   <p:cSld>
     <p:spTree>
       <p:nvGrpSpPr>
@@ -18669,7 +19483,7 @@
           <a:lstStyle/>
           <a:p>
             <a:r>
-              <a:rPr lang="en-US" sz="5400" dirty="0" err="1" smtClean="0">
+              <a:rPr lang="en-US" sz="4400" dirty="0" err="1" smtClean="0">
                 <a:solidFill>
                   <a:srgbClr val="FF0000"/>
                 </a:solidFill>
@@ -18698,50 +19512,60 @@
             <a:r>
               <a:rPr lang="en-US" sz="6600" dirty="0" err="1" smtClean="0">
                 <a:solidFill>
+                  <a:srgbClr val="0000FF"/>
+                </a:solidFill>
+                <a:latin typeface="Comic Sans MS" pitchFamily="66" charset="0"/>
+              </a:rPr>
+              <a:t>x</a:t>
+            </a:r>
+            <a:r>
+              <a:rPr lang="en-US" sz="6600" dirty="0" smtClean="0">
+                <a:latin typeface="Comic Sans MS" pitchFamily="66" charset="0"/>
+              </a:rPr>
+              <a:t>. </a:t>
+            </a:r>
+            <a:r>
+              <a:rPr lang="en-US" sz="6600" dirty="0" err="1" smtClean="0">
+                <a:latin typeface="Comic Sans MS" pitchFamily="66" charset="0"/>
+              </a:rPr>
+              <a:t>P(</a:t>
+            </a:r>
+            <a:r>
+              <a:rPr lang="en-US" sz="6600" dirty="0" err="1" smtClean="0">
+                <a:solidFill>
+                  <a:srgbClr val="0000FF"/>
+                </a:solidFill>
+                <a:latin typeface="Comic Sans MS" pitchFamily="66" charset="0"/>
+              </a:rPr>
+              <a:t>x</a:t>
+            </a:r>
+            <a:r>
+              <a:rPr lang="en-US" sz="6600" dirty="0" smtClean="0">
+                <a:latin typeface="Comic Sans MS" pitchFamily="66" charset="0"/>
+              </a:rPr>
+              <a:t>))  </a:t>
+            </a:r>
+            <a:r>
+              <a:rPr lang="en-US" sz="4400" dirty="0" smtClean="0">
+                <a:solidFill>
+                  <a:srgbClr val="0000FF"/>
+                </a:solidFill>
+                <a:latin typeface="Comic Sans MS" pitchFamily="66" charset="0"/>
+                <a:sym typeface="Euclid Symbol" pitchFamily="18" charset="2"/>
+              </a:rPr>
+              <a:t>IFF</a:t>
+            </a:r>
+            <a:r>
+              <a:rPr lang="en-US" sz="5400" dirty="0" smtClean="0">
+                <a:latin typeface="Comic Sans MS" pitchFamily="66" charset="0"/>
+                <a:sym typeface="Euclid Symbol" pitchFamily="18" charset="2"/>
+              </a:rPr>
+              <a:t> </a:t>
+            </a:r>
+            <a:r>
+              <a:rPr lang="en-US" sz="6600" b="1" dirty="0" smtClean="0">
+                <a:solidFill>
                   <a:srgbClr val="008000"/>
-                </a:solidFill>
-                <a:latin typeface="Comic Sans MS" pitchFamily="66" charset="0"/>
-              </a:rPr>
-              <a:t>x</a:t>
-            </a:r>
-            <a:r>
-              <a:rPr lang="en-US" sz="6600" dirty="0" smtClean="0">
-                <a:latin typeface="Comic Sans MS" pitchFamily="66" charset="0"/>
-              </a:rPr>
-              <a:t>. </a:t>
-            </a:r>
-            <a:r>
-              <a:rPr lang="en-US" sz="6600" dirty="0" err="1" smtClean="0">
-                <a:latin typeface="Comic Sans MS" pitchFamily="66" charset="0"/>
-              </a:rPr>
-              <a:t>P(</a:t>
-            </a:r>
-            <a:r>
-              <a:rPr lang="en-US" sz="6600" dirty="0" err="1" smtClean="0">
-                <a:solidFill>
-                  <a:srgbClr val="008000"/>
-                </a:solidFill>
-                <a:latin typeface="Comic Sans MS" pitchFamily="66" charset="0"/>
-              </a:rPr>
-              <a:t>x</a:t>
-            </a:r>
-            <a:r>
-              <a:rPr lang="en-US" sz="6600" dirty="0" smtClean="0">
-                <a:latin typeface="Comic Sans MS" pitchFamily="66" charset="0"/>
-              </a:rPr>
-              <a:t>))  </a:t>
-            </a:r>
-            <a:r>
-              <a:rPr lang="en-US" sz="5400" dirty="0" smtClean="0">
-                <a:latin typeface="Comic Sans MS" pitchFamily="66" charset="0"/>
-                <a:sym typeface="Euclid Symbol" pitchFamily="18" charset="2"/>
-              </a:rPr>
-              <a:t>IFF </a:t>
-            </a:r>
-            <a:r>
-              <a:rPr lang="en-US" sz="6600" b="1" dirty="0" smtClean="0">
-                <a:solidFill>
-                  <a:srgbClr val="0000FF"/>
                 </a:solidFill>
                 <a:latin typeface="Euclid Symbol" charset="2"/>
                 <a:cs typeface="Euclid Symbol" charset="2"/>
@@ -18765,7 +19589,7 @@
               <a:t>. </a:t>
             </a:r>
             <a:r>
-              <a:rPr lang="en-US" sz="5400" dirty="0" err="1" smtClean="0">
+              <a:rPr lang="en-US" sz="4400" dirty="0" err="1" smtClean="0">
                 <a:solidFill>
                   <a:srgbClr val="FF0000"/>
                 </a:solidFill>
@@ -19132,7 +19956,7 @@
 </file>
 
 <file path=ppt/slides/slide32.xml><?xml version="1.0" encoding="utf-8"?>
-<p:sld xmlns:a="http://schemas.openxmlformats.org/drawingml/2006/main" xmlns:r="http://schemas.openxmlformats.org/officeDocument/2006/relationships" xmlns:mc="http://schemas.openxmlformats.org/markup-compatibility/2006" xmlns:mv="urn:schemas-microsoft-com:mac:vml" xmlns:p="http://schemas.openxmlformats.org/presentationml/2006/main" mc:Ignorable="mv" mc:PreserveAttributes="mv:*" show="0">
+<p:sld xmlns:a="http://schemas.openxmlformats.org/drawingml/2006/main" xmlns:r="http://schemas.openxmlformats.org/officeDocument/2006/relationships" xmlns:mc="http://schemas.openxmlformats.org/markup-compatibility/2006" xmlns:mv="urn:schemas-microsoft-com:mac:vml" xmlns:p="http://schemas.openxmlformats.org/presentationml/2006/main" mc:Ignorable="mv" mc:PreserveAttributes="mv:*">
   <p:cSld>
     <p:spTree>
       <p:nvGrpSpPr>
@@ -19327,7 +20151,7 @@
 </file>
 
 <file path=ppt/slides/slide33.xml><?xml version="1.0" encoding="utf-8"?>
-<p:sld xmlns:a="http://schemas.openxmlformats.org/drawingml/2006/main" xmlns:r="http://schemas.openxmlformats.org/officeDocument/2006/relationships" xmlns:mc="http://schemas.openxmlformats.org/markup-compatibility/2006" xmlns:mv="urn:schemas-microsoft-com:mac:vml" xmlns:p="http://schemas.openxmlformats.org/presentationml/2006/main" mc:Ignorable="mv" mc:PreserveAttributes="mv:*" show="0">
+<p:sld xmlns:a="http://schemas.openxmlformats.org/drawingml/2006/main" xmlns:r="http://schemas.openxmlformats.org/officeDocument/2006/relationships" xmlns:mc="http://schemas.openxmlformats.org/markup-compatibility/2006" xmlns:mv="urn:schemas-microsoft-com:mac:vml" xmlns:p="http://schemas.openxmlformats.org/presentationml/2006/main" mc:Ignorable="mv" mc:PreserveAttributes="mv:*">
   <p:cSld>
     <p:spTree>
       <p:nvGrpSpPr>
@@ -19643,7 +20467,7 @@
 </file>
 
 <file path=ppt/slides/slide34.xml><?xml version="1.0" encoding="utf-8"?>
-<p:sld xmlns:a="http://schemas.openxmlformats.org/drawingml/2006/main" xmlns:r="http://schemas.openxmlformats.org/officeDocument/2006/relationships" xmlns:mc="http://schemas.openxmlformats.org/markup-compatibility/2006" xmlns:mv="urn:schemas-microsoft-com:mac:vml" xmlns:p="http://schemas.openxmlformats.org/presentationml/2006/main" mc:Ignorable="mv" mc:PreserveAttributes="mv:*" show="0">
+<p:sld xmlns:a="http://schemas.openxmlformats.org/drawingml/2006/main" xmlns:r="http://schemas.openxmlformats.org/officeDocument/2006/relationships" xmlns:mc="http://schemas.openxmlformats.org/markup-compatibility/2006" xmlns:mv="urn:schemas-microsoft-com:mac:vml" xmlns:p="http://schemas.openxmlformats.org/presentationml/2006/main" mc:Ignorable="mv" mc:PreserveAttributes="mv:*">
   <p:cSld>
     <p:spTree>
       <p:nvGrpSpPr>
@@ -19771,7 +20595,7 @@
 </file>
 
 <file path=ppt/slides/slide35.xml><?xml version="1.0" encoding="utf-8"?>
-<p:sld xmlns:a="http://schemas.openxmlformats.org/drawingml/2006/main" xmlns:r="http://schemas.openxmlformats.org/officeDocument/2006/relationships" xmlns:mc="http://schemas.openxmlformats.org/markup-compatibility/2006" xmlns:mv="urn:schemas-microsoft-com:mac:vml" xmlns:p="http://schemas.openxmlformats.org/presentationml/2006/main" mc:Ignorable="mv" mc:PreserveAttributes="mv:*" show="0">
+<p:sld xmlns:a="http://schemas.openxmlformats.org/drawingml/2006/main" xmlns:r="http://schemas.openxmlformats.org/officeDocument/2006/relationships" xmlns:mc="http://schemas.openxmlformats.org/markup-compatibility/2006" xmlns:mv="urn:schemas-microsoft-com:mac:vml" xmlns:p="http://schemas.openxmlformats.org/presentationml/2006/main" mc:Ignorable="mv" mc:PreserveAttributes="mv:*">
   <p:cSld>
     <p:spTree>
       <p:nvGrpSpPr>
@@ -19910,7 +20734,7 @@
 </file>
 
 <file path=ppt/slides/slide36.xml><?xml version="1.0" encoding="utf-8"?>
-<p:sld xmlns:a="http://schemas.openxmlformats.org/drawingml/2006/main" xmlns:r="http://schemas.openxmlformats.org/officeDocument/2006/relationships" xmlns:mc="http://schemas.openxmlformats.org/markup-compatibility/2006" xmlns:mv="urn:schemas-microsoft-com:mac:vml" xmlns:p="http://schemas.openxmlformats.org/presentationml/2006/main" mc:Ignorable="mv" mc:PreserveAttributes="mv:*" show="0">
+<p:sld xmlns:a="http://schemas.openxmlformats.org/drawingml/2006/main" xmlns:r="http://schemas.openxmlformats.org/officeDocument/2006/relationships" xmlns:mc="http://schemas.openxmlformats.org/markup-compatibility/2006" xmlns:mv="urn:schemas-microsoft-com:mac:vml" xmlns:p="http://schemas.openxmlformats.org/presentationml/2006/main" mc:Ignorable="mv" mc:PreserveAttributes="mv:*">
   <p:cSld>
     <p:spTree>
       <p:nvGrpSpPr>
@@ -20348,7 +21172,7 @@
 </file>
 
 <file path=ppt/slides/slide37.xml><?xml version="1.0" encoding="utf-8"?>
-<p:sld xmlns:a="http://schemas.openxmlformats.org/drawingml/2006/main" xmlns:r="http://schemas.openxmlformats.org/officeDocument/2006/relationships" xmlns:mc="http://schemas.openxmlformats.org/markup-compatibility/2006" xmlns:mv="urn:schemas-microsoft-com:mac:vml" xmlns:p="http://schemas.openxmlformats.org/presentationml/2006/main" mc:Ignorable="mv" mc:PreserveAttributes="mv:*" show="0">
+<p:sld xmlns:a="http://schemas.openxmlformats.org/drawingml/2006/main" xmlns:r="http://schemas.openxmlformats.org/officeDocument/2006/relationships" xmlns:mc="http://schemas.openxmlformats.org/markup-compatibility/2006" xmlns:mv="urn:schemas-microsoft-com:mac:vml" xmlns:p="http://schemas.openxmlformats.org/presentationml/2006/main" mc:Ignorable="mv" mc:PreserveAttributes="mv:*">
   <p:cSld>
     <p:spTree>
       <p:nvGrpSpPr>
@@ -20543,23 +21367,16 @@
               <a:buNone/>
             </a:pPr>
             <a:r>
-              <a:rPr lang="en-US" sz="11500" dirty="0" smtClean="0">
+              <a:rPr lang="en-US" sz="11500" smtClean="0">
                 <a:sym typeface="Euclid Symbol"/>
               </a:rPr>
-              <a:t>1 </a:t>
-            </a:r>
-            <a:r>
-              <a:rPr lang="en-US" sz="11500" dirty="0" smtClean="0">
-                <a:latin typeface="ＭＳ ゴシック"/>
-                <a:ea typeface="ＭＳ ゴシック"/>
-                <a:cs typeface="ＭＳ ゴシック"/>
+              <a:t>1</a:t>
+            </a:r>
+            <a:r>
+              <a:rPr lang="en-US" sz="11500" smtClean="0">
                 <a:sym typeface="Euclid Symbol"/>
               </a:rPr>
-              <a:t>&amp; </a:t>
-            </a:r>
-            <a:r>
-              <a:rPr lang="en-US" sz="11500" dirty="0" smtClean="0"/>
-              <a:t>2</a:t>
+              <a:t>--4</a:t>
             </a:r>
             <a:endParaRPr lang="en-US" sz="12700" dirty="0" smtClean="0"/>
           </a:p>
@@ -24263,22 +25080,6 @@
 <file path=ppt/tags/tag2.xml><?xml version="1.0" encoding="utf-8"?>
 <p:tagLst xmlns:a="http://schemas.openxmlformats.org/drawingml/2006/main" xmlns:r="http://schemas.openxmlformats.org/officeDocument/2006/relationships" xmlns:mc="http://schemas.openxmlformats.org/markup-compatibility/2006" xmlns:mv="urn:schemas-microsoft-com:mac:vml" xmlns:p="http://schemas.openxmlformats.org/presentationml/2006/main" mc:Ignorable="mv" mc:PreserveAttributes="mv:*">
   <p:tag name="HIDDENFONTSHAPE" val="true"/>
-</p:tagLst>
-</file>
-
-<file path=ppt/tags/tag3.xml><?xml version="1.0" encoding="utf-8"?>
-<p:tagLst xmlns:a="http://schemas.openxmlformats.org/drawingml/2006/main" xmlns:r="http://schemas.openxmlformats.org/officeDocument/2006/relationships" xmlns:mc="http://schemas.openxmlformats.org/markup-compatibility/2006" xmlns:mv="urn:schemas-microsoft-com:mac:vml" xmlns:p="http://schemas.openxmlformats.org/presentationml/2006/main" mc:Ignorable="mv" mc:PreserveAttributes="mv:*">
-  <p:tag name="TEXPOINT" val="latex"/>
-  <p:tag name="SOURCE" val="\documentclass{slides}\pagestyle{empty}&#10;\input{c:/latex-macros/texpoint.sty}&#10;\renewcommand\familydefault{cmss}&#10;&#10;\begin{document}&#10;\textcolor{blue}{$(P \implies Q)  \iff (\bar{Q}\implies \bar{P})$}&#10;\end{document}"/>
-  <p:tag name="FILENAME" val="TP_tmp"/>
-  <p:tag name="FORMAT" val="emf"/>
-  <p:tag name="RES" val="300"/>
-  <p:tag name="BLEND" val="0"/>
-  <p:tag name="TRANSPARENT" val="0"/>
-  <p:tag name="TBUG" val="0"/>
-  <p:tag name="ALLOWFS" val="1"/>
-  <p:tag name="ORIGWIDTH" val="179"/>
-  <p:tag name="PICTUREFILESIZE" val="6160"/>
 </p:tagLst>
 </file>
 

--- a/spring11/slides11/slides2f.pptx
+++ b/spring11/slides11/slides2f.pptx
@@ -17612,7 +17612,7 @@
 </file>
 
 <file path=ppt/slides/slide28.xml><?xml version="1.0" encoding="utf-8"?>
-<p:sld xmlns:a="http://schemas.openxmlformats.org/drawingml/2006/main" xmlns:r="http://schemas.openxmlformats.org/officeDocument/2006/relationships" xmlns:mc="http://schemas.openxmlformats.org/markup-compatibility/2006" xmlns:mv="urn:schemas-microsoft-com:mac:vml" xmlns:p="http://schemas.openxmlformats.org/presentationml/2006/main" mc:Ignorable="mv" mc:PreserveAttributes="mv:*" show="0">
+<p:sld xmlns:a="http://schemas.openxmlformats.org/drawingml/2006/main" xmlns:r="http://schemas.openxmlformats.org/officeDocument/2006/relationships" xmlns:mc="http://schemas.openxmlformats.org/markup-compatibility/2006" xmlns:mv="urn:schemas-microsoft-com:mac:vml" xmlns:p="http://schemas.openxmlformats.org/presentationml/2006/main" mc:Ignorable="mv" mc:PreserveAttributes="mv:*">
   <p:cSld>
     <p:spTree>
       <p:nvGrpSpPr>
@@ -21367,13 +21367,13 @@
               <a:buNone/>
             </a:pPr>
             <a:r>
-              <a:rPr lang="en-US" sz="11500" smtClean="0">
+              <a:rPr lang="en-US" sz="11500" dirty="0" smtClean="0">
                 <a:sym typeface="Euclid Symbol"/>
               </a:rPr>
               <a:t>1</a:t>
             </a:r>
             <a:r>
-              <a:rPr lang="en-US" sz="11500" smtClean="0">
+              <a:rPr lang="en-US" sz="11500" dirty="0" smtClean="0">
                 <a:sym typeface="Euclid Symbol"/>
               </a:rPr>
               <a:t>--4</a:t>
